--- a/documents/AI-Powered Receipt and Invoice Digitizer.pptx
+++ b/documents/AI-Powered Receipt and Invoice Digitizer.pptx
@@ -1049,7 +1049,7 @@
       </p:grpSpPr>
       <p:sp>
         <p:nvSpPr>
-          <p:cNvPr id="274" name="Google Shape;274;p12:notes"/>
+          <p:cNvPr id="274" name="Google Shape;274;p13:notes"/>
           <p:cNvSpPr txBox="1"/>
           <p:nvPr>
             <p:ph idx="1" type="body"/>
@@ -1088,7 +1088,7 @@
       </p:sp>
       <p:sp>
         <p:nvSpPr>
-          <p:cNvPr id="275" name="Google Shape;275;p12:notes"/>
+          <p:cNvPr id="275" name="Google Shape;275;p13:notes"/>
           <p:cNvSpPr/>
           <p:nvPr>
             <p:ph idx="2" type="sldImg"/>
@@ -1134,7 +1134,7 @@
   <p:cSld>
     <p:spTree>
       <p:nvGrpSpPr>
-        <p:cNvPr id="296" name="Shape 296"/>
+        <p:cNvPr id="291" name="Shape 291"/>
         <p:cNvGrpSpPr/>
         <p:nvPr/>
       </p:nvGrpSpPr>
@@ -1148,46 +1148,7 @@
       </p:grpSpPr>
       <p:sp>
         <p:nvSpPr>
-          <p:cNvPr id="297" name="Google Shape;297;p13:notes"/>
-          <p:cNvSpPr txBox="1"/>
-          <p:nvPr>
-            <p:ph idx="1" type="body"/>
-          </p:nvPr>
-        </p:nvSpPr>
-        <p:spPr>
-          <a:xfrm>
-            <a:off x="685800" y="4343400"/>
-            <a:ext cx="5486400" cy="4114800"/>
-          </a:xfrm>
-          <a:prstGeom prst="rect">
-            <a:avLst/>
-          </a:prstGeom>
-        </p:spPr>
-        <p:txBody>
-          <a:bodyPr anchorCtr="0" anchor="t" bIns="91425" lIns="91425" spcFirstLastPara="1" rIns="91425" wrap="square" tIns="91425">
-            <a:noAutofit/>
-          </a:bodyPr>
-          <a:lstStyle/>
-          <a:p>
-            <a:pPr indent="0" lvl="0" marL="0" rtl="0" algn="l">
-              <a:spcBef>
-                <a:spcPts val="0"/>
-              </a:spcBef>
-              <a:spcAft>
-                <a:spcPts val="0"/>
-              </a:spcAft>
-              <a:buNone/>
-            </a:pPr>
-            <a:r>
-              <a:t/>
-            </a:r>
-            <a:endParaRPr/>
-          </a:p>
-        </p:txBody>
-      </p:sp>
-      <p:sp>
-        <p:nvSpPr>
-          <p:cNvPr id="298" name="Google Shape;298;p13:notes"/>
+          <p:cNvPr id="292" name="Google Shape;292;g3bf07f457d4_0_12:notes"/>
           <p:cNvSpPr/>
           <p:nvPr>
             <p:ph idx="2" type="sldImg"/>
@@ -1196,7 +1157,7 @@
         <p:spPr>
           <a:xfrm>
             <a:off x="1143225" y="685800"/>
-            <a:ext cx="4572225" cy="3429000"/>
+            <a:ext cx="4572300" cy="3429000"/>
           </a:xfrm>
           <a:custGeom>
             <a:rect b="b" l="l" r="r" t="t"/>
@@ -1220,6 +1181,45 @@
           </a:custGeom>
         </p:spPr>
       </p:sp>
+      <p:sp>
+        <p:nvSpPr>
+          <p:cNvPr id="293" name="Google Shape;293;g3bf07f457d4_0_12:notes"/>
+          <p:cNvSpPr txBox="1"/>
+          <p:nvPr>
+            <p:ph idx="1" type="body"/>
+          </p:nvPr>
+        </p:nvSpPr>
+        <p:spPr>
+          <a:xfrm>
+            <a:off x="685800" y="4343400"/>
+            <a:ext cx="5486400" cy="4114800"/>
+          </a:xfrm>
+          <a:prstGeom prst="rect">
+            <a:avLst/>
+          </a:prstGeom>
+        </p:spPr>
+        <p:txBody>
+          <a:bodyPr anchorCtr="0" anchor="t" bIns="91425" lIns="91425" spcFirstLastPara="1" rIns="91425" wrap="square" tIns="91425">
+            <a:noAutofit/>
+          </a:bodyPr>
+          <a:lstStyle/>
+          <a:p>
+            <a:pPr indent="0" lvl="0" marL="0" rtl="0" algn="l">
+              <a:spcBef>
+                <a:spcPts val="0"/>
+              </a:spcBef>
+              <a:spcAft>
+                <a:spcPts val="0"/>
+              </a:spcAft>
+              <a:buNone/>
+            </a:pPr>
+            <a:r>
+              <a:t/>
+            </a:r>
+            <a:endParaRPr/>
+          </a:p>
+        </p:txBody>
+      </p:sp>
     </p:spTree>
   </p:cSld>
   <p:clrMapOvr>
@@ -1233,7 +1233,7 @@
   <p:cSld>
     <p:spTree>
       <p:nvGrpSpPr>
-        <p:cNvPr id="314" name="Shape 314"/>
+        <p:cNvPr id="296" name="Shape 296"/>
         <p:cNvGrpSpPr/>
         <p:nvPr/>
       </p:nvGrpSpPr>
@@ -1247,7 +1247,7 @@
       </p:grpSpPr>
       <p:sp>
         <p:nvSpPr>
-          <p:cNvPr id="315" name="Google Shape;315;g3bf07f457d4_0_12:notes"/>
+          <p:cNvPr id="297" name="Google Shape;297;g3bf29147882_0_0:notes"/>
           <p:cNvSpPr/>
           <p:nvPr>
             <p:ph idx="2" type="sldImg"/>
@@ -1282,7 +1282,7 @@
       </p:sp>
       <p:sp>
         <p:nvSpPr>
-          <p:cNvPr id="316" name="Google Shape;316;g3bf07f457d4_0_12:notes"/>
+          <p:cNvPr id="298" name="Google Shape;298;g3bf29147882_0_0:notes"/>
           <p:cNvSpPr txBox="1"/>
           <p:nvPr>
             <p:ph idx="1" type="body"/>
@@ -1332,7 +1332,7 @@
   <p:cSld>
     <p:spTree>
       <p:nvGrpSpPr>
-        <p:cNvPr id="319" name="Shape 319"/>
+        <p:cNvPr id="305" name="Shape 305"/>
         <p:cNvGrpSpPr/>
         <p:nvPr/>
       </p:nvGrpSpPr>
@@ -1346,7 +1346,46 @@
       </p:grpSpPr>
       <p:sp>
         <p:nvSpPr>
-          <p:cNvPr id="320" name="Google Shape;320;g3bf29147882_0_0:notes"/>
+          <p:cNvPr id="306" name="Google Shape;306;p12:notes"/>
+          <p:cNvSpPr txBox="1"/>
+          <p:nvPr>
+            <p:ph idx="1" type="body"/>
+          </p:nvPr>
+        </p:nvSpPr>
+        <p:spPr>
+          <a:xfrm>
+            <a:off x="685800" y="4343400"/>
+            <a:ext cx="5486400" cy="4114800"/>
+          </a:xfrm>
+          <a:prstGeom prst="rect">
+            <a:avLst/>
+          </a:prstGeom>
+        </p:spPr>
+        <p:txBody>
+          <a:bodyPr anchorCtr="0" anchor="t" bIns="91425" lIns="91425" spcFirstLastPara="1" rIns="91425" wrap="square" tIns="91425">
+            <a:noAutofit/>
+          </a:bodyPr>
+          <a:lstStyle/>
+          <a:p>
+            <a:pPr indent="0" lvl="0" marL="0" rtl="0" algn="l">
+              <a:spcBef>
+                <a:spcPts val="0"/>
+              </a:spcBef>
+              <a:spcAft>
+                <a:spcPts val="0"/>
+              </a:spcAft>
+              <a:buNone/>
+            </a:pPr>
+            <a:r>
+              <a:t/>
+            </a:r>
+            <a:endParaRPr/>
+          </a:p>
+        </p:txBody>
+      </p:sp>
+      <p:sp>
+        <p:nvSpPr>
+          <p:cNvPr id="307" name="Google Shape;307;p12:notes"/>
           <p:cNvSpPr/>
           <p:nvPr>
             <p:ph idx="2" type="sldImg"/>
@@ -1355,7 +1394,7 @@
         <p:spPr>
           <a:xfrm>
             <a:off x="1143225" y="685800"/>
-            <a:ext cx="4572300" cy="3429000"/>
+            <a:ext cx="4572225" cy="3429000"/>
           </a:xfrm>
           <a:custGeom>
             <a:rect b="b" l="l" r="r" t="t"/>
@@ -1378,45 +1417,6 @@
             </a:pathLst>
           </a:custGeom>
         </p:spPr>
-      </p:sp>
-      <p:sp>
-        <p:nvSpPr>
-          <p:cNvPr id="321" name="Google Shape;321;g3bf29147882_0_0:notes"/>
-          <p:cNvSpPr txBox="1"/>
-          <p:nvPr>
-            <p:ph idx="1" type="body"/>
-          </p:nvPr>
-        </p:nvSpPr>
-        <p:spPr>
-          <a:xfrm>
-            <a:off x="685800" y="4343400"/>
-            <a:ext cx="5486400" cy="4114800"/>
-          </a:xfrm>
-          <a:prstGeom prst="rect">
-            <a:avLst/>
-          </a:prstGeom>
-        </p:spPr>
-        <p:txBody>
-          <a:bodyPr anchorCtr="0" anchor="t" bIns="91425" lIns="91425" spcFirstLastPara="1" rIns="91425" wrap="square" tIns="91425">
-            <a:noAutofit/>
-          </a:bodyPr>
-          <a:lstStyle/>
-          <a:p>
-            <a:pPr indent="0" lvl="0" marL="0" rtl="0" algn="l">
-              <a:spcBef>
-                <a:spcPts val="0"/>
-              </a:spcBef>
-              <a:spcAft>
-                <a:spcPts val="0"/>
-              </a:spcAft>
-              <a:buNone/>
-            </a:pPr>
-            <a:r>
-              <a:t/>
-            </a:r>
-            <a:endParaRPr/>
-          </a:p>
-        </p:txBody>
       </p:sp>
     </p:spTree>
   </p:cSld>
@@ -1940,7 +1940,46 @@
       </p:grpSpPr>
       <p:sp>
         <p:nvSpPr>
-          <p:cNvPr id="130" name="Google Shape;130;g3bf07f457d4_0_0:notes"/>
+          <p:cNvPr id="130" name="Google Shape;130;p8:notes"/>
+          <p:cNvSpPr txBox="1"/>
+          <p:nvPr>
+            <p:ph idx="1" type="body"/>
+          </p:nvPr>
+        </p:nvSpPr>
+        <p:spPr>
+          <a:xfrm>
+            <a:off x="685800" y="4343400"/>
+            <a:ext cx="5486400" cy="4114800"/>
+          </a:xfrm>
+          <a:prstGeom prst="rect">
+            <a:avLst/>
+          </a:prstGeom>
+        </p:spPr>
+        <p:txBody>
+          <a:bodyPr anchorCtr="0" anchor="t" bIns="91425" lIns="91425" spcFirstLastPara="1" rIns="91425" wrap="square" tIns="91425">
+            <a:noAutofit/>
+          </a:bodyPr>
+          <a:lstStyle/>
+          <a:p>
+            <a:pPr indent="0" lvl="0" marL="0" rtl="0" algn="l">
+              <a:spcBef>
+                <a:spcPts val="0"/>
+              </a:spcBef>
+              <a:spcAft>
+                <a:spcPts val="0"/>
+              </a:spcAft>
+              <a:buNone/>
+            </a:pPr>
+            <a:r>
+              <a:t/>
+            </a:r>
+            <a:endParaRPr/>
+          </a:p>
+        </p:txBody>
+      </p:sp>
+      <p:sp>
+        <p:nvSpPr>
+          <p:cNvPr id="131" name="Google Shape;131;p8:notes"/>
           <p:cNvSpPr/>
           <p:nvPr>
             <p:ph idx="2" type="sldImg"/>
@@ -1949,7 +1988,7 @@
         <p:spPr>
           <a:xfrm>
             <a:off x="1143225" y="685800"/>
-            <a:ext cx="4572300" cy="3429000"/>
+            <a:ext cx="4572225" cy="3429000"/>
           </a:xfrm>
           <a:custGeom>
             <a:rect b="b" l="l" r="r" t="t"/>
@@ -1973,45 +2012,6 @@
           </a:custGeom>
         </p:spPr>
       </p:sp>
-      <p:sp>
-        <p:nvSpPr>
-          <p:cNvPr id="131" name="Google Shape;131;g3bf07f457d4_0_0:notes"/>
-          <p:cNvSpPr txBox="1"/>
-          <p:nvPr>
-            <p:ph idx="1" type="body"/>
-          </p:nvPr>
-        </p:nvSpPr>
-        <p:spPr>
-          <a:xfrm>
-            <a:off x="685800" y="4343400"/>
-            <a:ext cx="5486400" cy="4114800"/>
-          </a:xfrm>
-          <a:prstGeom prst="rect">
-            <a:avLst/>
-          </a:prstGeom>
-        </p:spPr>
-        <p:txBody>
-          <a:bodyPr anchorCtr="0" anchor="t" bIns="91425" lIns="91425" spcFirstLastPara="1" rIns="91425" wrap="square" tIns="91425">
-            <a:noAutofit/>
-          </a:bodyPr>
-          <a:lstStyle/>
-          <a:p>
-            <a:pPr indent="0" lvl="0" marL="0" rtl="0" algn="l">
-              <a:spcBef>
-                <a:spcPts val="0"/>
-              </a:spcBef>
-              <a:spcAft>
-                <a:spcPts val="0"/>
-              </a:spcAft>
-              <a:buNone/>
-            </a:pPr>
-            <a:r>
-              <a:t/>
-            </a:r>
-            <a:endParaRPr/>
-          </a:p>
-        </p:txBody>
-      </p:sp>
     </p:spTree>
   </p:cSld>
   <p:clrMapOvr>
@@ -2025,7 +2025,7 @@
   <p:cSld>
     <p:spTree>
       <p:nvGrpSpPr>
-        <p:cNvPr id="134" name="Shape 134"/>
+        <p:cNvPr id="156" name="Shape 156"/>
         <p:cNvGrpSpPr/>
         <p:nvPr/>
       </p:nvGrpSpPr>
@@ -2039,46 +2039,7 @@
       </p:grpSpPr>
       <p:sp>
         <p:nvSpPr>
-          <p:cNvPr id="135" name="Google Shape;135;p5:notes"/>
-          <p:cNvSpPr txBox="1"/>
-          <p:nvPr>
-            <p:ph idx="1" type="body"/>
-          </p:nvPr>
-        </p:nvSpPr>
-        <p:spPr>
-          <a:xfrm>
-            <a:off x="685800" y="4343400"/>
-            <a:ext cx="5486400" cy="4114800"/>
-          </a:xfrm>
-          <a:prstGeom prst="rect">
-            <a:avLst/>
-          </a:prstGeom>
-        </p:spPr>
-        <p:txBody>
-          <a:bodyPr anchorCtr="0" anchor="t" bIns="91425" lIns="91425" spcFirstLastPara="1" rIns="91425" wrap="square" tIns="91425">
-            <a:noAutofit/>
-          </a:bodyPr>
-          <a:lstStyle/>
-          <a:p>
-            <a:pPr indent="0" lvl="0" marL="0" rtl="0" algn="l">
-              <a:spcBef>
-                <a:spcPts val="0"/>
-              </a:spcBef>
-              <a:spcAft>
-                <a:spcPts val="0"/>
-              </a:spcAft>
-              <a:buNone/>
-            </a:pPr>
-            <a:r>
-              <a:t/>
-            </a:r>
-            <a:endParaRPr/>
-          </a:p>
-        </p:txBody>
-      </p:sp>
-      <p:sp>
-        <p:nvSpPr>
-          <p:cNvPr id="136" name="Google Shape;136;p5:notes"/>
+          <p:cNvPr id="157" name="Google Shape;157;g3bf07f457d4_0_0:notes"/>
           <p:cNvSpPr/>
           <p:nvPr>
             <p:ph idx="2" type="sldImg"/>
@@ -2087,7 +2048,7 @@
         <p:spPr>
           <a:xfrm>
             <a:off x="1143225" y="685800"/>
-            <a:ext cx="4572225" cy="3429000"/>
+            <a:ext cx="4572300" cy="3429000"/>
           </a:xfrm>
           <a:custGeom>
             <a:rect b="b" l="l" r="r" t="t"/>
@@ -2111,6 +2072,45 @@
           </a:custGeom>
         </p:spPr>
       </p:sp>
+      <p:sp>
+        <p:nvSpPr>
+          <p:cNvPr id="158" name="Google Shape;158;g3bf07f457d4_0_0:notes"/>
+          <p:cNvSpPr txBox="1"/>
+          <p:nvPr>
+            <p:ph idx="1" type="body"/>
+          </p:nvPr>
+        </p:nvSpPr>
+        <p:spPr>
+          <a:xfrm>
+            <a:off x="685800" y="4343400"/>
+            <a:ext cx="5486400" cy="4114800"/>
+          </a:xfrm>
+          <a:prstGeom prst="rect">
+            <a:avLst/>
+          </a:prstGeom>
+        </p:spPr>
+        <p:txBody>
+          <a:bodyPr anchorCtr="0" anchor="t" bIns="91425" lIns="91425" spcFirstLastPara="1" rIns="91425" wrap="square" tIns="91425">
+            <a:noAutofit/>
+          </a:bodyPr>
+          <a:lstStyle/>
+          <a:p>
+            <a:pPr indent="0" lvl="0" marL="0" rtl="0" algn="l">
+              <a:spcBef>
+                <a:spcPts val="0"/>
+              </a:spcBef>
+              <a:spcAft>
+                <a:spcPts val="0"/>
+              </a:spcAft>
+              <a:buNone/>
+            </a:pPr>
+            <a:r>
+              <a:t/>
+            </a:r>
+            <a:endParaRPr/>
+          </a:p>
+        </p:txBody>
+      </p:sp>
     </p:spTree>
   </p:cSld>
   <p:clrMapOvr>
@@ -2124,7 +2124,7 @@
   <p:cSld>
     <p:spTree>
       <p:nvGrpSpPr>
-        <p:cNvPr id="154" name="Shape 154"/>
+        <p:cNvPr id="161" name="Shape 161"/>
         <p:cNvGrpSpPr/>
         <p:nvPr/>
       </p:nvGrpSpPr>
@@ -2138,7 +2138,7 @@
       </p:grpSpPr>
       <p:sp>
         <p:nvSpPr>
-          <p:cNvPr id="155" name="Google Shape;155;p6:notes"/>
+          <p:cNvPr id="162" name="Google Shape;162;p5:notes"/>
           <p:cNvSpPr txBox="1"/>
           <p:nvPr>
             <p:ph idx="1" type="body"/>
@@ -2177,7 +2177,7 @@
       </p:sp>
       <p:sp>
         <p:nvSpPr>
-          <p:cNvPr id="156" name="Google Shape;156;p6:notes"/>
+          <p:cNvPr id="163" name="Google Shape;163;p5:notes"/>
           <p:cNvSpPr/>
           <p:nvPr>
             <p:ph idx="2" type="sldImg"/>
@@ -2237,7 +2237,7 @@
       </p:grpSpPr>
       <p:sp>
         <p:nvSpPr>
-          <p:cNvPr id="182" name="Google Shape;182;p7:notes"/>
+          <p:cNvPr id="182" name="Google Shape;182;p6:notes"/>
           <p:cNvSpPr txBox="1"/>
           <p:nvPr>
             <p:ph idx="1" type="body"/>
@@ -2276,7 +2276,7 @@
       </p:sp>
       <p:sp>
         <p:nvSpPr>
-          <p:cNvPr id="183" name="Google Shape;183;p7:notes"/>
+          <p:cNvPr id="183" name="Google Shape;183;p6:notes"/>
           <p:cNvSpPr/>
           <p:nvPr>
             <p:ph idx="2" type="sldImg"/>
@@ -2322,7 +2322,7 @@
   <p:cSld>
     <p:spTree>
       <p:nvGrpSpPr>
-        <p:cNvPr id="206" name="Shape 206"/>
+        <p:cNvPr id="208" name="Shape 208"/>
         <p:cNvGrpSpPr/>
         <p:nvPr/>
       </p:nvGrpSpPr>
@@ -2336,7 +2336,7 @@
       </p:grpSpPr>
       <p:sp>
         <p:nvSpPr>
-          <p:cNvPr id="207" name="Google Shape;207;p8:notes"/>
+          <p:cNvPr id="209" name="Google Shape;209;p7:notes"/>
           <p:cNvSpPr txBox="1"/>
           <p:nvPr>
             <p:ph idx="1" type="body"/>
@@ -2375,7 +2375,7 @@
       </p:sp>
       <p:sp>
         <p:nvSpPr>
-          <p:cNvPr id="208" name="Google Shape;208;p8:notes"/>
+          <p:cNvPr id="210" name="Google Shape;210;p7:notes"/>
           <p:cNvSpPr/>
           <p:nvPr>
             <p:ph idx="2" type="sldImg"/>
@@ -13301,99 +13301,22 @@
           <a:chExt cx="0" cy="0"/>
         </a:xfrm>
       </p:grpSpPr>
-      <p:pic>
-        <p:nvPicPr>
-          <p:cNvPr descr="image.png" id="277" name="Google Shape;277;p24"/>
-          <p:cNvPicPr preferRelativeResize="0"/>
-          <p:nvPr/>
-        </p:nvPicPr>
-        <p:blipFill rotWithShape="1">
-          <a:blip r:embed="rId3">
-            <a:alphaModFix/>
-          </a:blip>
-          <a:srcRect b="0" l="0" r="0" t="0"/>
-          <a:stretch/>
-        </p:blipFill>
-        <p:spPr>
-          <a:xfrm>
-            <a:off x="0" y="0"/>
-            <a:ext cx="12192000" cy="6858000"/>
-          </a:xfrm>
-          <a:prstGeom prst="rect">
-            <a:avLst/>
-          </a:prstGeom>
-          <a:noFill/>
-          <a:ln>
-            <a:noFill/>
-          </a:ln>
-        </p:spPr>
-      </p:pic>
       <p:sp>
         <p:nvSpPr>
-          <p:cNvPr id="278" name="Google Shape;278;p24"/>
-          <p:cNvSpPr txBox="1"/>
-          <p:nvPr/>
-        </p:nvSpPr>
-        <p:spPr>
-          <a:xfrm>
-            <a:off x="762000" y="571500"/>
-            <a:ext cx="11401425" cy="600075"/>
-          </a:xfrm>
-          <a:prstGeom prst="rect">
-            <a:avLst/>
-          </a:prstGeom>
-          <a:noFill/>
-          <a:ln>
-            <a:noFill/>
-          </a:ln>
-        </p:spPr>
-        <p:txBody>
-          <a:bodyPr anchorCtr="0" anchor="t" bIns="0" lIns="0" spcFirstLastPara="1" rIns="0" wrap="square" tIns="0">
-            <a:spAutoFit/>
-          </a:bodyPr>
-          <a:lstStyle/>
-          <a:p>
-            <a:pPr indent="0" lvl="0" marL="0" marR="0" rtl="0" algn="l">
-              <a:spcBef>
-                <a:spcPts val="0"/>
-              </a:spcBef>
-              <a:spcAft>
-                <a:spcPts val="0"/>
-              </a:spcAft>
-              <a:buNone/>
-            </a:pPr>
-            <a:r>
-              <a:rPr b="0" i="0" lang="en-US" sz="3150" u="none" cap="none" strike="noStrike">
-                <a:solidFill>
-                  <a:srgbClr val="1E3A8A"/>
-                </a:solidFill>
-                <a:latin typeface="Poppins SemiBold"/>
-                <a:ea typeface="Poppins SemiBold"/>
-                <a:cs typeface="Poppins SemiBold"/>
-                <a:sym typeface="Poppins SemiBold"/>
-              </a:rPr>
-              <a:t>Team Roles &amp; Responsibilities</a:t>
-            </a:r>
-            <a:endParaRPr/>
-          </a:p>
-        </p:txBody>
-      </p:sp>
-      <p:sp>
-        <p:nvSpPr>
-          <p:cNvPr id="279" name="Google Shape;279;p24"/>
+          <p:cNvPr id="277" name="Google Shape;277;p24"/>
           <p:cNvSpPr/>
           <p:nvPr/>
         </p:nvSpPr>
         <p:spPr>
           <a:xfrm>
-            <a:off x="571500" y="571500"/>
-            <a:ext cx="57150" cy="600075"/>
+            <a:off x="571500" y="3443287"/>
+            <a:ext cx="11049000" cy="28575"/>
           </a:xfrm>
           <a:prstGeom prst="rect">
             <a:avLst/>
           </a:prstGeom>
           <a:solidFill>
-            <a:srgbClr val="3B82F6"/>
+            <a:srgbClr val="CBD5E1"/>
           </a:solidFill>
           <a:ln>
             <a:noFill/>
@@ -13431,7 +13354,34 @@
       </p:sp>
       <p:pic>
         <p:nvPicPr>
-          <p:cNvPr descr="image.png" id="280" name="Google Shape;280;p24"/>
+          <p:cNvPr descr="image.png" id="278" name="Google Shape;278;p24"/>
+          <p:cNvPicPr preferRelativeResize="0"/>
+          <p:nvPr/>
+        </p:nvPicPr>
+        <p:blipFill rotWithShape="1">
+          <a:blip r:embed="rId3">
+            <a:alphaModFix/>
+          </a:blip>
+          <a:srcRect b="0" l="0" r="0" t="0"/>
+          <a:stretch/>
+        </p:blipFill>
+        <p:spPr>
+          <a:xfrm>
+            <a:off x="0" y="0"/>
+            <a:ext cx="12192000" cy="6858000"/>
+          </a:xfrm>
+          <a:prstGeom prst="rect">
+            <a:avLst/>
+          </a:prstGeom>
+          <a:noFill/>
+          <a:ln>
+            <a:noFill/>
+          </a:ln>
+        </p:spPr>
+      </p:pic>
+      <p:pic>
+        <p:nvPicPr>
+          <p:cNvPr descr="image.png" id="279" name="Google Shape;279;p24"/>
           <p:cNvPicPr preferRelativeResize="0"/>
           <p:nvPr/>
         </p:nvPicPr>
@@ -13444,8 +13394,8 @@
         </p:blipFill>
         <p:spPr>
           <a:xfrm>
-            <a:off x="809625" y="2928937"/>
-            <a:ext cx="381000" cy="381000"/>
+            <a:off x="1685925" y="3167062"/>
+            <a:ext cx="1428750" cy="581025"/>
           </a:xfrm>
           <a:prstGeom prst="rect">
             <a:avLst/>
@@ -13458,7 +13408,7 @@
       </p:pic>
       <p:pic>
         <p:nvPicPr>
-          <p:cNvPr descr="image.png" id="281" name="Google Shape;281;p24"/>
+          <p:cNvPr descr="image.png" id="280" name="Google Shape;280;p24"/>
           <p:cNvPicPr preferRelativeResize="0"/>
           <p:nvPr/>
         </p:nvPicPr>
@@ -13471,8 +13421,8 @@
         </p:blipFill>
         <p:spPr>
           <a:xfrm>
-            <a:off x="6524625" y="2928937"/>
-            <a:ext cx="285750" cy="381000"/>
+            <a:off x="3533775" y="3167062"/>
+            <a:ext cx="1428750" cy="581025"/>
           </a:xfrm>
           <a:prstGeom prst="rect">
             <a:avLst/>
@@ -13485,7 +13435,7 @@
       </p:pic>
       <p:pic>
         <p:nvPicPr>
-          <p:cNvPr descr="image.png" id="282" name="Google Shape;282;p24"/>
+          <p:cNvPr descr="image.png" id="281" name="Google Shape;281;p24"/>
           <p:cNvPicPr preferRelativeResize="0"/>
           <p:nvPr/>
         </p:nvPicPr>
@@ -13498,8 +13448,8 @@
         </p:blipFill>
         <p:spPr>
           <a:xfrm>
-            <a:off x="809625" y="4433738"/>
-            <a:ext cx="428625" cy="381000"/>
+            <a:off x="5381625" y="3167062"/>
+            <a:ext cx="1428750" cy="581025"/>
           </a:xfrm>
           <a:prstGeom prst="rect">
             <a:avLst/>
@@ -13512,7 +13462,7 @@
       </p:pic>
       <p:pic>
         <p:nvPicPr>
-          <p:cNvPr descr="image.png" id="283" name="Google Shape;283;p24"/>
+          <p:cNvPr descr="image.png" id="282" name="Google Shape;282;p24"/>
           <p:cNvPicPr preferRelativeResize="0"/>
           <p:nvPr/>
         </p:nvPicPr>
@@ -13525,742 +13475,8 @@
         </p:blipFill>
         <p:spPr>
           <a:xfrm>
-            <a:off x="6524625" y="4433738"/>
-            <a:ext cx="428625" cy="381000"/>
-          </a:xfrm>
-          <a:prstGeom prst="rect">
-            <a:avLst/>
-          </a:prstGeom>
-          <a:noFill/>
-          <a:ln>
-            <a:noFill/>
-          </a:ln>
-        </p:spPr>
-      </p:pic>
-      <p:sp>
-        <p:nvSpPr>
-          <p:cNvPr id="284" name="Google Shape;284;p24"/>
-          <p:cNvSpPr txBox="1"/>
-          <p:nvPr/>
-        </p:nvSpPr>
-        <p:spPr>
-          <a:xfrm>
-            <a:off x="1381125" y="2748111"/>
-            <a:ext cx="2070258" cy="238125"/>
-          </a:xfrm>
-          <a:prstGeom prst="rect">
-            <a:avLst/>
-          </a:prstGeom>
-          <a:noFill/>
-          <a:ln>
-            <a:noFill/>
-          </a:ln>
-        </p:spPr>
-        <p:txBody>
-          <a:bodyPr anchorCtr="0" anchor="t" bIns="0" lIns="0" spcFirstLastPara="1" rIns="0" wrap="square" tIns="0">
-            <a:spAutoFit/>
-          </a:bodyPr>
-          <a:lstStyle/>
-          <a:p>
-            <a:pPr indent="0" lvl="0" marL="0" marR="0" rtl="0" algn="l">
-              <a:spcBef>
-                <a:spcPts val="0"/>
-              </a:spcBef>
-              <a:spcAft>
-                <a:spcPts val="0"/>
-              </a:spcAft>
-              <a:buNone/>
-            </a:pPr>
-            <a:r>
-              <a:rPr b="1" i="0" lang="en-US" sz="1200" u="none" cap="none" strike="noStrike">
-                <a:solidFill>
-                  <a:srgbClr val="1E3A8A"/>
-                </a:solidFill>
-                <a:latin typeface="Poppins"/>
-                <a:ea typeface="Poppins"/>
-                <a:cs typeface="Poppins"/>
-                <a:sym typeface="Poppins"/>
-              </a:rPr>
-              <a:t>Abhay Maurya</a:t>
-            </a:r>
-            <a:endParaRPr/>
-          </a:p>
-        </p:txBody>
-      </p:sp>
-      <p:sp>
-        <p:nvSpPr>
-          <p:cNvPr id="285" name="Google Shape;285;p24"/>
-          <p:cNvSpPr txBox="1"/>
-          <p:nvPr/>
-        </p:nvSpPr>
-        <p:spPr>
-          <a:xfrm>
-            <a:off x="1381125" y="3033861"/>
-            <a:ext cx="1971675" cy="243780"/>
-          </a:xfrm>
-          <a:prstGeom prst="rect">
-            <a:avLst/>
-          </a:prstGeom>
-          <a:noFill/>
-          <a:ln>
-            <a:noFill/>
-          </a:ln>
-        </p:spPr>
-        <p:txBody>
-          <a:bodyPr anchorCtr="0" anchor="t" bIns="0" lIns="0" spcFirstLastPara="1" rIns="0" wrap="square" tIns="0">
-            <a:spAutoFit/>
-          </a:bodyPr>
-          <a:lstStyle/>
-          <a:p>
-            <a:pPr indent="0" lvl="0" marL="0" marR="0" rtl="0" algn="l">
-              <a:lnSpc>
-                <a:spcPct val="160000"/>
-              </a:lnSpc>
-              <a:spcBef>
-                <a:spcPts val="0"/>
-              </a:spcBef>
-              <a:spcAft>
-                <a:spcPts val="0"/>
-              </a:spcAft>
-              <a:buNone/>
-            </a:pPr>
-            <a:r>
-              <a:rPr b="0" i="0" lang="en-US" sz="1200" u="none" cap="none" strike="noStrike">
-                <a:solidFill>
-                  <a:srgbClr val="475569"/>
-                </a:solidFill>
-                <a:latin typeface="Inter"/>
-                <a:ea typeface="Inter"/>
-                <a:cs typeface="Inter"/>
-                <a:sym typeface="Inter"/>
-              </a:rPr>
-              <a:t>Visualization Module</a:t>
-            </a:r>
-            <a:endParaRPr/>
-          </a:p>
-        </p:txBody>
-      </p:sp>
-      <p:sp>
-        <p:nvSpPr>
-          <p:cNvPr id="286" name="Google Shape;286;p24"/>
-          <p:cNvSpPr txBox="1"/>
-          <p:nvPr/>
-        </p:nvSpPr>
-        <p:spPr>
-          <a:xfrm>
-            <a:off x="1381125" y="3277641"/>
-            <a:ext cx="1971675" cy="213270"/>
-          </a:xfrm>
-          <a:prstGeom prst="rect">
-            <a:avLst/>
-          </a:prstGeom>
-          <a:noFill/>
-          <a:ln>
-            <a:noFill/>
-          </a:ln>
-        </p:spPr>
-        <p:txBody>
-          <a:bodyPr anchorCtr="0" anchor="t" bIns="0" lIns="0" spcFirstLastPara="1" rIns="0" wrap="square" tIns="0">
-            <a:spAutoFit/>
-          </a:bodyPr>
-          <a:lstStyle/>
-          <a:p>
-            <a:pPr indent="0" lvl="0" marL="0" marR="0" rtl="0" algn="l">
-              <a:lnSpc>
-                <a:spcPct val="159904"/>
-              </a:lnSpc>
-              <a:spcBef>
-                <a:spcPts val="0"/>
-              </a:spcBef>
-              <a:spcAft>
-                <a:spcPts val="0"/>
-              </a:spcAft>
-              <a:buNone/>
-            </a:pPr>
-            <a:r>
-              <a:rPr b="0" i="0" lang="en-US" sz="1050" u="none" cap="none" strike="noStrike">
-                <a:solidFill>
-                  <a:srgbClr val="64748B"/>
-                </a:solidFill>
-                <a:latin typeface="Inter"/>
-                <a:ea typeface="Inter"/>
-                <a:cs typeface="Inter"/>
-                <a:sym typeface="Inter"/>
-              </a:rPr>
-              <a:t>Charts &amp; Dashboard Integration</a:t>
-            </a:r>
-            <a:endParaRPr/>
-          </a:p>
-        </p:txBody>
-      </p:sp>
-      <p:sp>
-        <p:nvSpPr>
-          <p:cNvPr id="287" name="Google Shape;287;p24"/>
-          <p:cNvSpPr txBox="1"/>
-          <p:nvPr/>
-        </p:nvSpPr>
-        <p:spPr>
-          <a:xfrm>
-            <a:off x="7000875" y="2748111"/>
-            <a:ext cx="1580197" cy="238125"/>
-          </a:xfrm>
-          <a:prstGeom prst="rect">
-            <a:avLst/>
-          </a:prstGeom>
-          <a:noFill/>
-          <a:ln>
-            <a:noFill/>
-          </a:ln>
-        </p:spPr>
-        <p:txBody>
-          <a:bodyPr anchorCtr="0" anchor="t" bIns="0" lIns="0" spcFirstLastPara="1" rIns="0" wrap="square" tIns="0">
-            <a:spAutoFit/>
-          </a:bodyPr>
-          <a:lstStyle/>
-          <a:p>
-            <a:pPr indent="0" lvl="0" marL="0" marR="0" rtl="0" algn="l">
-              <a:spcBef>
-                <a:spcPts val="0"/>
-              </a:spcBef>
-              <a:spcAft>
-                <a:spcPts val="0"/>
-              </a:spcAft>
-              <a:buNone/>
-            </a:pPr>
-            <a:r>
-              <a:rPr b="1" i="0" lang="en-US" sz="1200" u="none" cap="none" strike="noStrike">
-                <a:solidFill>
-                  <a:srgbClr val="1E3A8A"/>
-                </a:solidFill>
-                <a:latin typeface="Poppins"/>
-                <a:ea typeface="Poppins"/>
-                <a:cs typeface="Poppins"/>
-                <a:sym typeface="Poppins"/>
-              </a:rPr>
-              <a:t>Harini Kaveti</a:t>
-            </a:r>
-            <a:endParaRPr/>
-          </a:p>
-        </p:txBody>
-      </p:sp>
-      <p:sp>
-        <p:nvSpPr>
-          <p:cNvPr id="288" name="Google Shape;288;p24"/>
-          <p:cNvSpPr txBox="1"/>
-          <p:nvPr/>
-        </p:nvSpPr>
-        <p:spPr>
-          <a:xfrm>
-            <a:off x="7000875" y="3033861"/>
-            <a:ext cx="1504950" cy="243780"/>
-          </a:xfrm>
-          <a:prstGeom prst="rect">
-            <a:avLst/>
-          </a:prstGeom>
-          <a:noFill/>
-          <a:ln>
-            <a:noFill/>
-          </a:ln>
-        </p:spPr>
-        <p:txBody>
-          <a:bodyPr anchorCtr="0" anchor="t" bIns="0" lIns="0" spcFirstLastPara="1" rIns="0" wrap="square" tIns="0">
-            <a:spAutoFit/>
-          </a:bodyPr>
-          <a:lstStyle/>
-          <a:p>
-            <a:pPr indent="0" lvl="0" marL="0" marR="0" rtl="0" algn="l">
-              <a:lnSpc>
-                <a:spcPct val="160000"/>
-              </a:lnSpc>
-              <a:spcBef>
-                <a:spcPts val="0"/>
-              </a:spcBef>
-              <a:spcAft>
-                <a:spcPts val="0"/>
-              </a:spcAft>
-              <a:buNone/>
-            </a:pPr>
-            <a:r>
-              <a:rPr b="0" i="0" lang="en-US" sz="1200" u="none" cap="none" strike="noStrike">
-                <a:solidFill>
-                  <a:srgbClr val="475569"/>
-                </a:solidFill>
-                <a:latin typeface="Inter"/>
-                <a:ea typeface="Inter"/>
-                <a:cs typeface="Inter"/>
-                <a:sym typeface="Inter"/>
-              </a:rPr>
-              <a:t>Analytics Module</a:t>
-            </a:r>
-            <a:endParaRPr/>
-          </a:p>
-        </p:txBody>
-      </p:sp>
-      <p:sp>
-        <p:nvSpPr>
-          <p:cNvPr id="289" name="Google Shape;289;p24"/>
-          <p:cNvSpPr txBox="1"/>
-          <p:nvPr/>
-        </p:nvSpPr>
-        <p:spPr>
-          <a:xfrm>
-            <a:off x="7000875" y="3277641"/>
-            <a:ext cx="1504950" cy="213270"/>
-          </a:xfrm>
-          <a:prstGeom prst="rect">
-            <a:avLst/>
-          </a:prstGeom>
-          <a:noFill/>
-          <a:ln>
-            <a:noFill/>
-          </a:ln>
-        </p:spPr>
-        <p:txBody>
-          <a:bodyPr anchorCtr="0" anchor="t" bIns="0" lIns="0" spcFirstLastPara="1" rIns="0" wrap="square" tIns="0">
-            <a:spAutoFit/>
-          </a:bodyPr>
-          <a:lstStyle/>
-          <a:p>
-            <a:pPr indent="0" lvl="0" marL="0" marR="0" rtl="0" algn="l">
-              <a:lnSpc>
-                <a:spcPct val="159904"/>
-              </a:lnSpc>
-              <a:spcBef>
-                <a:spcPts val="0"/>
-              </a:spcBef>
-              <a:spcAft>
-                <a:spcPts val="0"/>
-              </a:spcAft>
-              <a:buNone/>
-            </a:pPr>
-            <a:r>
-              <a:rPr b="0" i="0" lang="en-US" sz="1050" u="none" cap="none" strike="noStrike">
-                <a:solidFill>
-                  <a:srgbClr val="64748B"/>
-                </a:solidFill>
-                <a:latin typeface="Inter"/>
-                <a:ea typeface="Inter"/>
-                <a:cs typeface="Inter"/>
-                <a:sym typeface="Inter"/>
-              </a:rPr>
-              <a:t>KPI Calculations &amp; Logic</a:t>
-            </a:r>
-            <a:endParaRPr/>
-          </a:p>
-        </p:txBody>
-      </p:sp>
-      <p:sp>
-        <p:nvSpPr>
-          <p:cNvPr id="290" name="Google Shape;290;p24"/>
-          <p:cNvSpPr txBox="1"/>
-          <p:nvPr/>
-        </p:nvSpPr>
-        <p:spPr>
-          <a:xfrm>
-            <a:off x="1428750" y="4252912"/>
-            <a:ext cx="1600200" cy="238125"/>
-          </a:xfrm>
-          <a:prstGeom prst="rect">
-            <a:avLst/>
-          </a:prstGeom>
-          <a:noFill/>
-          <a:ln>
-            <a:noFill/>
-          </a:ln>
-        </p:spPr>
-        <p:txBody>
-          <a:bodyPr anchorCtr="0" anchor="t" bIns="0" lIns="0" spcFirstLastPara="1" rIns="0" wrap="square" tIns="0">
-            <a:spAutoFit/>
-          </a:bodyPr>
-          <a:lstStyle/>
-          <a:p>
-            <a:pPr indent="0" lvl="0" marL="0" marR="0" rtl="0" algn="l">
-              <a:spcBef>
-                <a:spcPts val="0"/>
-              </a:spcBef>
-              <a:spcAft>
-                <a:spcPts val="0"/>
-              </a:spcAft>
-              <a:buNone/>
-            </a:pPr>
-            <a:r>
-              <a:rPr b="1" i="0" lang="en-US" sz="1200" u="none" cap="none" strike="noStrike">
-                <a:solidFill>
-                  <a:srgbClr val="1E3A8A"/>
-                </a:solidFill>
-                <a:latin typeface="Poppins"/>
-                <a:ea typeface="Poppins"/>
-                <a:cs typeface="Poppins"/>
-                <a:sym typeface="Poppins"/>
-              </a:rPr>
-              <a:t>Vaibhavi Vernekar</a:t>
-            </a:r>
-            <a:endParaRPr/>
-          </a:p>
-        </p:txBody>
-      </p:sp>
-      <p:sp>
-        <p:nvSpPr>
-          <p:cNvPr id="291" name="Google Shape;291;p24"/>
-          <p:cNvSpPr txBox="1"/>
-          <p:nvPr/>
-        </p:nvSpPr>
-        <p:spPr>
-          <a:xfrm>
-            <a:off x="1428750" y="4538662"/>
-            <a:ext cx="1524000" cy="243780"/>
-          </a:xfrm>
-          <a:prstGeom prst="rect">
-            <a:avLst/>
-          </a:prstGeom>
-          <a:noFill/>
-          <a:ln>
-            <a:noFill/>
-          </a:ln>
-        </p:spPr>
-        <p:txBody>
-          <a:bodyPr anchorCtr="0" anchor="t" bIns="0" lIns="0" spcFirstLastPara="1" rIns="0" wrap="square" tIns="0">
-            <a:spAutoFit/>
-          </a:bodyPr>
-          <a:lstStyle/>
-          <a:p>
-            <a:pPr indent="0" lvl="0" marL="0" marR="0" rtl="0" algn="l">
-              <a:lnSpc>
-                <a:spcPct val="160000"/>
-              </a:lnSpc>
-              <a:spcBef>
-                <a:spcPts val="0"/>
-              </a:spcBef>
-              <a:spcAft>
-                <a:spcPts val="0"/>
-              </a:spcAft>
-              <a:buNone/>
-            </a:pPr>
-            <a:r>
-              <a:rPr b="0" i="0" lang="en-US" sz="1200" u="none" cap="none" strike="noStrike">
-                <a:solidFill>
-                  <a:srgbClr val="475569"/>
-                </a:solidFill>
-                <a:latin typeface="Inter"/>
-                <a:ea typeface="Inter"/>
-                <a:cs typeface="Inter"/>
-                <a:sym typeface="Inter"/>
-              </a:rPr>
-              <a:t>Dashboard UI</a:t>
-            </a:r>
-            <a:endParaRPr/>
-          </a:p>
-        </p:txBody>
-      </p:sp>
-      <p:sp>
-        <p:nvSpPr>
-          <p:cNvPr id="292" name="Google Shape;292;p24"/>
-          <p:cNvSpPr txBox="1"/>
-          <p:nvPr/>
-        </p:nvSpPr>
-        <p:spPr>
-          <a:xfrm>
-            <a:off x="1428750" y="4782442"/>
-            <a:ext cx="1524000" cy="213270"/>
-          </a:xfrm>
-          <a:prstGeom prst="rect">
-            <a:avLst/>
-          </a:prstGeom>
-          <a:noFill/>
-          <a:ln>
-            <a:noFill/>
-          </a:ln>
-        </p:spPr>
-        <p:txBody>
-          <a:bodyPr anchorCtr="0" anchor="t" bIns="0" lIns="0" spcFirstLastPara="1" rIns="0" wrap="square" tIns="0">
-            <a:spAutoFit/>
-          </a:bodyPr>
-          <a:lstStyle/>
-          <a:p>
-            <a:pPr indent="0" lvl="0" marL="0" marR="0" rtl="0" algn="l">
-              <a:lnSpc>
-                <a:spcPct val="159904"/>
-              </a:lnSpc>
-              <a:spcBef>
-                <a:spcPts val="0"/>
-              </a:spcBef>
-              <a:spcAft>
-                <a:spcPts val="0"/>
-              </a:spcAft>
-              <a:buNone/>
-            </a:pPr>
-            <a:r>
-              <a:rPr b="0" i="0" lang="en-US" sz="1050" u="none" cap="none" strike="noStrike">
-                <a:solidFill>
-                  <a:srgbClr val="64748B"/>
-                </a:solidFill>
-                <a:latin typeface="Inter"/>
-                <a:ea typeface="Inter"/>
-                <a:cs typeface="Inter"/>
-                <a:sym typeface="Inter"/>
-              </a:rPr>
-              <a:t>Streamlit Development</a:t>
-            </a:r>
-            <a:endParaRPr/>
-          </a:p>
-        </p:txBody>
-      </p:sp>
-      <p:sp>
-        <p:nvSpPr>
-          <p:cNvPr id="293" name="Google Shape;293;p24"/>
-          <p:cNvSpPr txBox="1"/>
-          <p:nvPr/>
-        </p:nvSpPr>
-        <p:spPr>
-          <a:xfrm>
-            <a:off x="7143750" y="4252912"/>
-            <a:ext cx="1840230" cy="238125"/>
-          </a:xfrm>
-          <a:prstGeom prst="rect">
-            <a:avLst/>
-          </a:prstGeom>
-          <a:noFill/>
-          <a:ln>
-            <a:noFill/>
-          </a:ln>
-        </p:spPr>
-        <p:txBody>
-          <a:bodyPr anchorCtr="0" anchor="t" bIns="0" lIns="0" spcFirstLastPara="1" rIns="0" wrap="square" tIns="0">
-            <a:spAutoFit/>
-          </a:bodyPr>
-          <a:lstStyle/>
-          <a:p>
-            <a:pPr indent="0" lvl="0" marL="0" marR="0" rtl="0" algn="l">
-              <a:spcBef>
-                <a:spcPts val="0"/>
-              </a:spcBef>
-              <a:spcAft>
-                <a:spcPts val="0"/>
-              </a:spcAft>
-              <a:buNone/>
-            </a:pPr>
-            <a:r>
-              <a:rPr b="1" i="0" lang="en-US" sz="1200" u="none" cap="none" strike="noStrike">
-                <a:solidFill>
-                  <a:srgbClr val="1E3A8A"/>
-                </a:solidFill>
-                <a:latin typeface="Poppins"/>
-                <a:ea typeface="Poppins"/>
-                <a:cs typeface="Poppins"/>
-                <a:sym typeface="Poppins"/>
-              </a:rPr>
-              <a:t>Pattem Dharmika</a:t>
-            </a:r>
-            <a:endParaRPr/>
-          </a:p>
-        </p:txBody>
-      </p:sp>
-      <p:sp>
-        <p:nvSpPr>
-          <p:cNvPr id="294" name="Google Shape;294;p24"/>
-          <p:cNvSpPr txBox="1"/>
-          <p:nvPr/>
-        </p:nvSpPr>
-        <p:spPr>
-          <a:xfrm>
-            <a:off x="7143750" y="4538662"/>
-            <a:ext cx="1752600" cy="243780"/>
-          </a:xfrm>
-          <a:prstGeom prst="rect">
-            <a:avLst/>
-          </a:prstGeom>
-          <a:noFill/>
-          <a:ln>
-            <a:noFill/>
-          </a:ln>
-        </p:spPr>
-        <p:txBody>
-          <a:bodyPr anchorCtr="0" anchor="t" bIns="0" lIns="0" spcFirstLastPara="1" rIns="0" wrap="square" tIns="0">
-            <a:spAutoFit/>
-          </a:bodyPr>
-          <a:lstStyle/>
-          <a:p>
-            <a:pPr indent="0" lvl="0" marL="0" marR="0" rtl="0" algn="l">
-              <a:lnSpc>
-                <a:spcPct val="160000"/>
-              </a:lnSpc>
-              <a:spcBef>
-                <a:spcPts val="0"/>
-              </a:spcBef>
-              <a:spcAft>
-                <a:spcPts val="0"/>
-              </a:spcAft>
-              <a:buNone/>
-            </a:pPr>
-            <a:r>
-              <a:rPr b="0" i="0" lang="en-US" sz="1200" u="none" cap="none" strike="noStrike">
-                <a:solidFill>
-                  <a:srgbClr val="475569"/>
-                </a:solidFill>
-                <a:latin typeface="Inter"/>
-                <a:ea typeface="Inter"/>
-                <a:cs typeface="Inter"/>
-                <a:sym typeface="Inter"/>
-              </a:rPr>
-              <a:t>Reporting Module</a:t>
-            </a:r>
-            <a:endParaRPr/>
-          </a:p>
-        </p:txBody>
-      </p:sp>
-      <p:sp>
-        <p:nvSpPr>
-          <p:cNvPr id="295" name="Google Shape;295;p24"/>
-          <p:cNvSpPr txBox="1"/>
-          <p:nvPr/>
-        </p:nvSpPr>
-        <p:spPr>
-          <a:xfrm>
-            <a:off x="7143750" y="4782442"/>
-            <a:ext cx="1752600" cy="213270"/>
-          </a:xfrm>
-          <a:prstGeom prst="rect">
-            <a:avLst/>
-          </a:prstGeom>
-          <a:noFill/>
-          <a:ln>
-            <a:noFill/>
-          </a:ln>
-        </p:spPr>
-        <p:txBody>
-          <a:bodyPr anchorCtr="0" anchor="t" bIns="0" lIns="0" spcFirstLastPara="1" rIns="0" wrap="square" tIns="0">
-            <a:spAutoFit/>
-          </a:bodyPr>
-          <a:lstStyle/>
-          <a:p>
-            <a:pPr indent="0" lvl="0" marL="0" marR="0" rtl="0" algn="l">
-              <a:lnSpc>
-                <a:spcPct val="159904"/>
-              </a:lnSpc>
-              <a:spcBef>
-                <a:spcPts val="0"/>
-              </a:spcBef>
-              <a:spcAft>
-                <a:spcPts val="0"/>
-              </a:spcAft>
-              <a:buNone/>
-            </a:pPr>
-            <a:r>
-              <a:rPr b="0" i="0" lang="en-US" sz="1050" u="none" cap="none" strike="noStrike">
-                <a:solidFill>
-                  <a:srgbClr val="64748B"/>
-                </a:solidFill>
-                <a:latin typeface="Inter"/>
-                <a:ea typeface="Inter"/>
-                <a:cs typeface="Inter"/>
-                <a:sym typeface="Inter"/>
-              </a:rPr>
-              <a:t>Export &amp; Reporting Features</a:t>
-            </a:r>
-            <a:endParaRPr/>
-          </a:p>
-        </p:txBody>
-      </p:sp>
-    </p:spTree>
-  </p:cSld>
-  <p:clrMapOvr>
-    <a:masterClrMapping/>
-  </p:clrMapOvr>
-</p:sld>
-</file>
-
-<file path=ppt/slides/slide13.xml><?xml version="1.0" encoding="utf-8"?>
-<p:sld xmlns:a="http://schemas.openxmlformats.org/drawingml/2006/main" xmlns:r="http://schemas.openxmlformats.org/officeDocument/2006/relationships" xmlns:mc="http://schemas.openxmlformats.org/markup-compatibility/2006" xmlns:mv="urn:schemas-microsoft-com:mac:vml" xmlns:p="http://schemas.openxmlformats.org/presentationml/2006/main" xmlns:c="http://schemas.openxmlformats.org/drawingml/2006/chart" xmlns:dgm="http://schemas.openxmlformats.org/drawingml/2006/diagram" xmlns:o="urn:schemas-microsoft-com:office:office" xmlns:v="urn:schemas-microsoft-com:vml" xmlns:pvml="urn:schemas-microsoft-com:office:powerpoint" xmlns:com="http://schemas.openxmlformats.org/drawingml/2006/compatibility" xmlns:p14="http://schemas.microsoft.com/office/powerpoint/2010/main" xmlns:p15="http://schemas.microsoft.com/office/powerpoint/2012/main" xmlns:ahyp="http://schemas.microsoft.com/office/drawing/2018/hyperlinkcolor">
-  <p:cSld>
-    <p:bg>
-      <p:bgPr>
-        <a:solidFill>
-          <a:srgbClr val="FFFFFF"/>
-        </a:solidFill>
-      </p:bgPr>
-    </p:bg>
-    <p:spTree>
-      <p:nvGrpSpPr>
-        <p:cNvPr id="299" name="Shape 299"/>
-        <p:cNvGrpSpPr/>
-        <p:nvPr/>
-      </p:nvGrpSpPr>
-      <p:grpSpPr>
-        <a:xfrm>
-          <a:off x="0" y="0"/>
-          <a:ext cx="0" cy="0"/>
-          <a:chOff x="0" y="0"/>
-          <a:chExt cx="0" cy="0"/>
-        </a:xfrm>
-      </p:grpSpPr>
-      <p:sp>
-        <p:nvSpPr>
-          <p:cNvPr id="300" name="Google Shape;300;p25"/>
-          <p:cNvSpPr/>
-          <p:nvPr/>
-        </p:nvSpPr>
-        <p:spPr>
-          <a:xfrm>
-            <a:off x="571500" y="3443287"/>
-            <a:ext cx="11049000" cy="28575"/>
-          </a:xfrm>
-          <a:prstGeom prst="rect">
-            <a:avLst/>
-          </a:prstGeom>
-          <a:solidFill>
-            <a:srgbClr val="CBD5E1"/>
-          </a:solidFill>
-          <a:ln>
-            <a:noFill/>
-          </a:ln>
-        </p:spPr>
-        <p:txBody>
-          <a:bodyPr anchorCtr="0" anchor="ctr" bIns="45700" lIns="91425" spcFirstLastPara="1" rIns="91425" wrap="square" tIns="45700">
-            <a:noAutofit/>
-          </a:bodyPr>
-          <a:lstStyle/>
-          <a:p>
-            <a:pPr indent="0" lvl="0" marL="0" marR="0" rtl="0" algn="ctr">
-              <a:spcBef>
-                <a:spcPts val="0"/>
-              </a:spcBef>
-              <a:spcAft>
-                <a:spcPts val="0"/>
-              </a:spcAft>
-              <a:buNone/>
-            </a:pPr>
-            <a:r>
-              <a:t/>
-            </a:r>
-            <a:endParaRPr b="0" i="0" sz="1800" u="none" cap="none" strike="noStrike">
-              <a:solidFill>
-                <a:schemeClr val="dk1"/>
-              </a:solidFill>
-              <a:latin typeface="Calibri"/>
-              <a:ea typeface="Calibri"/>
-              <a:cs typeface="Calibri"/>
-              <a:sym typeface="Calibri"/>
-            </a:endParaRPr>
-          </a:p>
-        </p:txBody>
-      </p:sp>
-      <p:pic>
-        <p:nvPicPr>
-          <p:cNvPr descr="image.png" id="301" name="Google Shape;301;p25"/>
-          <p:cNvPicPr preferRelativeResize="0"/>
-          <p:nvPr/>
-        </p:nvPicPr>
-        <p:blipFill rotWithShape="1">
-          <a:blip r:embed="rId3">
-            <a:alphaModFix/>
-          </a:blip>
-          <a:srcRect b="0" l="0" r="0" t="0"/>
-          <a:stretch/>
-        </p:blipFill>
-        <p:spPr>
-          <a:xfrm>
-            <a:off x="0" y="0"/>
-            <a:ext cx="12192000" cy="6858000"/>
+            <a:off x="7229475" y="3167062"/>
+            <a:ext cx="1428750" cy="581025"/>
           </a:xfrm>
           <a:prstGeom prst="rect">
             <a:avLst/>
@@ -14273,115 +13489,7 @@
       </p:pic>
       <p:pic>
         <p:nvPicPr>
-          <p:cNvPr descr="image.png" id="302" name="Google Shape;302;p25"/>
-          <p:cNvPicPr preferRelativeResize="0"/>
-          <p:nvPr/>
-        </p:nvPicPr>
-        <p:blipFill rotWithShape="1">
-          <a:blip r:embed="rId4">
-            <a:alphaModFix/>
-          </a:blip>
-          <a:srcRect b="0" l="0" r="0" t="0"/>
-          <a:stretch/>
-        </p:blipFill>
-        <p:spPr>
-          <a:xfrm>
-            <a:off x="1685925" y="3167062"/>
-            <a:ext cx="1428750" cy="581025"/>
-          </a:xfrm>
-          <a:prstGeom prst="rect">
-            <a:avLst/>
-          </a:prstGeom>
-          <a:noFill/>
-          <a:ln>
-            <a:noFill/>
-          </a:ln>
-        </p:spPr>
-      </p:pic>
-      <p:pic>
-        <p:nvPicPr>
-          <p:cNvPr descr="image.png" id="303" name="Google Shape;303;p25"/>
-          <p:cNvPicPr preferRelativeResize="0"/>
-          <p:nvPr/>
-        </p:nvPicPr>
-        <p:blipFill rotWithShape="1">
-          <a:blip r:embed="rId5">
-            <a:alphaModFix/>
-          </a:blip>
-          <a:srcRect b="0" l="0" r="0" t="0"/>
-          <a:stretch/>
-        </p:blipFill>
-        <p:spPr>
-          <a:xfrm>
-            <a:off x="3533775" y="3167062"/>
-            <a:ext cx="1428750" cy="581025"/>
-          </a:xfrm>
-          <a:prstGeom prst="rect">
-            <a:avLst/>
-          </a:prstGeom>
-          <a:noFill/>
-          <a:ln>
-            <a:noFill/>
-          </a:ln>
-        </p:spPr>
-      </p:pic>
-      <p:pic>
-        <p:nvPicPr>
-          <p:cNvPr descr="image.png" id="304" name="Google Shape;304;p25"/>
-          <p:cNvPicPr preferRelativeResize="0"/>
-          <p:nvPr/>
-        </p:nvPicPr>
-        <p:blipFill rotWithShape="1">
-          <a:blip r:embed="rId6">
-            <a:alphaModFix/>
-          </a:blip>
-          <a:srcRect b="0" l="0" r="0" t="0"/>
-          <a:stretch/>
-        </p:blipFill>
-        <p:spPr>
-          <a:xfrm>
-            <a:off x="5381625" y="3167062"/>
-            <a:ext cx="1428750" cy="581025"/>
-          </a:xfrm>
-          <a:prstGeom prst="rect">
-            <a:avLst/>
-          </a:prstGeom>
-          <a:noFill/>
-          <a:ln>
-            <a:noFill/>
-          </a:ln>
-        </p:spPr>
-      </p:pic>
-      <p:pic>
-        <p:nvPicPr>
-          <p:cNvPr descr="image.png" id="305" name="Google Shape;305;p25"/>
-          <p:cNvPicPr preferRelativeResize="0"/>
-          <p:nvPr/>
-        </p:nvPicPr>
-        <p:blipFill rotWithShape="1">
-          <a:blip r:embed="rId7">
-            <a:alphaModFix/>
-          </a:blip>
-          <a:srcRect b="0" l="0" r="0" t="0"/>
-          <a:stretch/>
-        </p:blipFill>
-        <p:spPr>
-          <a:xfrm>
-            <a:off x="7229475" y="3167062"/>
-            <a:ext cx="1428750" cy="581025"/>
-          </a:xfrm>
-          <a:prstGeom prst="rect">
-            <a:avLst/>
-          </a:prstGeom>
-          <a:noFill/>
-          <a:ln>
-            <a:noFill/>
-          </a:ln>
-        </p:spPr>
-      </p:pic>
-      <p:pic>
-        <p:nvPicPr>
-          <p:cNvPr descr="image.png" id="306" name="Google Shape;306;p25"/>
+          <p:cNvPr descr="image.png" id="283" name="Google Shape;283;p24"/>
           <p:cNvPicPr preferRelativeResize="0"/>
           <p:nvPr/>
         </p:nvPicPr>
@@ -14408,7 +13516,7 @@
       </p:pic>
       <p:sp>
         <p:nvSpPr>
-          <p:cNvPr id="307" name="Google Shape;307;p25"/>
+          <p:cNvPr id="284" name="Google Shape;284;p24"/>
           <p:cNvSpPr txBox="1"/>
           <p:nvPr/>
         </p:nvSpPr>
@@ -14458,7 +13566,7 @@
       </p:sp>
       <p:sp>
         <p:nvSpPr>
-          <p:cNvPr id="308" name="Google Shape;308;p25"/>
+          <p:cNvPr id="285" name="Google Shape;285;p24"/>
           <p:cNvSpPr/>
           <p:nvPr/>
         </p:nvSpPr>
@@ -14509,7 +13617,7 @@
       </p:sp>
       <p:sp>
         <p:nvSpPr>
-          <p:cNvPr id="309" name="Google Shape;309;p25"/>
+          <p:cNvPr id="286" name="Google Shape;286;p24"/>
           <p:cNvSpPr txBox="1"/>
           <p:nvPr/>
         </p:nvSpPr>
@@ -14562,7 +13670,7 @@
       </p:sp>
       <p:pic>
         <p:nvPicPr>
-          <p:cNvPr descr="image.png" id="310" name="Google Shape;310;p25"/>
+          <p:cNvPr descr="image.png" id="287" name="Google Shape;287;p24"/>
           <p:cNvPicPr preferRelativeResize="0"/>
           <p:nvPr/>
         </p:nvPicPr>
@@ -14589,7 +13697,7 @@
       </p:pic>
       <p:pic>
         <p:nvPicPr>
-          <p:cNvPr descr="image.png" id="311" name="Google Shape;311;p25"/>
+          <p:cNvPr descr="image.png" id="288" name="Google Shape;288;p24"/>
           <p:cNvPicPr preferRelativeResize="0"/>
           <p:nvPr/>
         </p:nvPicPr>
@@ -14616,7 +13724,7 @@
       </p:pic>
       <p:pic>
         <p:nvPicPr>
-          <p:cNvPr descr="image.png" id="312" name="Google Shape;312;p25"/>
+          <p:cNvPr descr="image.png" id="289" name="Google Shape;289;p24"/>
           <p:cNvPicPr preferRelativeResize="0"/>
           <p:nvPr/>
         </p:nvPicPr>
@@ -14643,7 +13751,7 @@
       </p:pic>
       <p:pic>
         <p:nvPicPr>
-          <p:cNvPr descr="image.png" id="313" name="Google Shape;313;p25"/>
+          <p:cNvPr descr="image.png" id="290" name="Google Shape;290;p24"/>
           <p:cNvPicPr preferRelativeResize="0"/>
           <p:nvPr/>
         </p:nvPicPr>
@@ -14658,6 +13766,59 @@
           <a:xfrm>
             <a:off x="8801100" y="3381375"/>
             <a:ext cx="133350" cy="152400"/>
+          </a:xfrm>
+          <a:prstGeom prst="rect">
+            <a:avLst/>
+          </a:prstGeom>
+          <a:noFill/>
+          <a:ln>
+            <a:noFill/>
+          </a:ln>
+        </p:spPr>
+      </p:pic>
+    </p:spTree>
+  </p:cSld>
+  <p:clrMapOvr>
+    <a:masterClrMapping/>
+  </p:clrMapOvr>
+</p:sld>
+</file>
+
+<file path=ppt/slides/slide13.xml><?xml version="1.0" encoding="utf-8"?>
+<p:sld xmlns:a="http://schemas.openxmlformats.org/drawingml/2006/main" xmlns:r="http://schemas.openxmlformats.org/officeDocument/2006/relationships" xmlns:mc="http://schemas.openxmlformats.org/markup-compatibility/2006" xmlns:mv="urn:schemas-microsoft-com:mac:vml" xmlns:p="http://schemas.openxmlformats.org/presentationml/2006/main" xmlns:c="http://schemas.openxmlformats.org/drawingml/2006/chart" xmlns:dgm="http://schemas.openxmlformats.org/drawingml/2006/diagram" xmlns:o="urn:schemas-microsoft-com:office:office" xmlns:v="urn:schemas-microsoft-com:vml" xmlns:pvml="urn:schemas-microsoft-com:office:powerpoint" xmlns:com="http://schemas.openxmlformats.org/drawingml/2006/compatibility" xmlns:p14="http://schemas.microsoft.com/office/powerpoint/2010/main" xmlns:p15="http://schemas.microsoft.com/office/powerpoint/2012/main" xmlns:ahyp="http://schemas.microsoft.com/office/drawing/2018/hyperlinkcolor">
+  <p:cSld>
+    <p:spTree>
+      <p:nvGrpSpPr>
+        <p:cNvPr id="294" name="Shape 294"/>
+        <p:cNvGrpSpPr/>
+        <p:nvPr/>
+      </p:nvGrpSpPr>
+      <p:grpSpPr>
+        <a:xfrm>
+          <a:off x="0" y="0"/>
+          <a:ext cx="0" cy="0"/>
+          <a:chOff x="0" y="0"/>
+          <a:chExt cx="0" cy="0"/>
+        </a:xfrm>
+      </p:grpSpPr>
+      <p:pic>
+        <p:nvPicPr>
+          <p:cNvPr descr="Beautify this slide" id="295" name="Google Shape;295;p25"/>
+          <p:cNvPicPr preferRelativeResize="0"/>
+          <p:nvPr/>
+        </p:nvPicPr>
+        <p:blipFill>
+          <a:blip r:embed="rId3">
+            <a:alphaModFix/>
+          </a:blip>
+          <a:stretch>
+            <a:fillRect/>
+          </a:stretch>
+        </p:blipFill>
+        <p:spPr>
+          <a:xfrm>
+            <a:off x="-47625" y="0"/>
+            <a:ext cx="12287250" cy="6858000"/>
           </a:xfrm>
           <a:prstGeom prst="rect">
             <a:avLst/>
@@ -14681,60 +13842,7 @@
   <p:cSld>
     <p:spTree>
       <p:nvGrpSpPr>
-        <p:cNvPr id="317" name="Shape 317"/>
-        <p:cNvGrpSpPr/>
-        <p:nvPr/>
-      </p:nvGrpSpPr>
-      <p:grpSpPr>
-        <a:xfrm>
-          <a:off x="0" y="0"/>
-          <a:ext cx="0" cy="0"/>
-          <a:chOff x="0" y="0"/>
-          <a:chExt cx="0" cy="0"/>
-        </a:xfrm>
-      </p:grpSpPr>
-      <p:pic>
-        <p:nvPicPr>
-          <p:cNvPr descr="Beautify this slide" id="318" name="Google Shape;318;p26"/>
-          <p:cNvPicPr preferRelativeResize="0"/>
-          <p:nvPr/>
-        </p:nvPicPr>
-        <p:blipFill>
-          <a:blip r:embed="rId3">
-            <a:alphaModFix/>
-          </a:blip>
-          <a:stretch>
-            <a:fillRect/>
-          </a:stretch>
-        </p:blipFill>
-        <p:spPr>
-          <a:xfrm>
-            <a:off x="-47625" y="0"/>
-            <a:ext cx="12287250" cy="6858000"/>
-          </a:xfrm>
-          <a:prstGeom prst="rect">
-            <a:avLst/>
-          </a:prstGeom>
-          <a:noFill/>
-          <a:ln>
-            <a:noFill/>
-          </a:ln>
-        </p:spPr>
-      </p:pic>
-    </p:spTree>
-  </p:cSld>
-  <p:clrMapOvr>
-    <a:masterClrMapping/>
-  </p:clrMapOvr>
-</p:sld>
-</file>
-
-<file path=ppt/slides/slide15.xml><?xml version="1.0" encoding="utf-8"?>
-<p:sld xmlns:a="http://schemas.openxmlformats.org/drawingml/2006/main" xmlns:r="http://schemas.openxmlformats.org/officeDocument/2006/relationships" xmlns:mc="http://schemas.openxmlformats.org/markup-compatibility/2006" xmlns:mv="urn:schemas-microsoft-com:mac:vml" xmlns:p="http://schemas.openxmlformats.org/presentationml/2006/main" xmlns:c="http://schemas.openxmlformats.org/drawingml/2006/chart" xmlns:dgm="http://schemas.openxmlformats.org/drawingml/2006/diagram" xmlns:o="urn:schemas-microsoft-com:office:office" xmlns:v="urn:schemas-microsoft-com:vml" xmlns:pvml="urn:schemas-microsoft-com:office:powerpoint" xmlns:com="http://schemas.openxmlformats.org/drawingml/2006/compatibility" xmlns:p14="http://schemas.microsoft.com/office/powerpoint/2010/main" xmlns:p15="http://schemas.microsoft.com/office/powerpoint/2012/main" xmlns:ahyp="http://schemas.microsoft.com/office/drawing/2018/hyperlinkcolor">
-  <p:cSld>
-    <p:spTree>
-      <p:nvGrpSpPr>
-        <p:cNvPr id="322" name="Shape 322"/>
+        <p:cNvPr id="299" name="Shape 299"/>
         <p:cNvGrpSpPr/>
         <p:nvPr/>
       </p:nvGrpSpPr>
@@ -14748,7 +13856,7 @@
       </p:grpSpPr>
       <p:sp>
         <p:nvSpPr>
-          <p:cNvPr id="323" name="Google Shape;323;p27"/>
+          <p:cNvPr id="300" name="Google Shape;300;p26"/>
           <p:cNvSpPr txBox="1"/>
           <p:nvPr/>
         </p:nvSpPr>
@@ -14802,7 +13910,7 @@
       </p:sp>
       <p:pic>
         <p:nvPicPr>
-          <p:cNvPr id="324" name="Google Shape;324;p27" title="Screenshot 2026-02-20 173743.png"/>
+          <p:cNvPr id="301" name="Google Shape;301;p26" title="Screenshot 2026-02-20 173743.png"/>
           <p:cNvPicPr preferRelativeResize="0"/>
           <p:nvPr/>
         </p:nvPicPr>
@@ -14830,7 +13938,7 @@
       </p:pic>
       <p:pic>
         <p:nvPicPr>
-          <p:cNvPr id="325" name="Google Shape;325;p27" title="Screenshot 2026-02-20 174020.png"/>
+          <p:cNvPr id="302" name="Google Shape;302;p26" title="Screenshot 2026-02-20 174020.png"/>
           <p:cNvPicPr preferRelativeResize="0"/>
           <p:nvPr/>
         </p:nvPicPr>
@@ -14858,7 +13966,7 @@
       </p:pic>
       <p:pic>
         <p:nvPicPr>
-          <p:cNvPr id="326" name="Google Shape;326;p27" title="Screenshot 2026-02-20 174108.png"/>
+          <p:cNvPr id="303" name="Google Shape;303;p26" title="Screenshot 2026-02-20 174108.png"/>
           <p:cNvPicPr preferRelativeResize="0"/>
           <p:nvPr/>
         </p:nvPicPr>
@@ -14885,7 +13993,7 @@
       </p:pic>
       <p:pic>
         <p:nvPicPr>
-          <p:cNvPr id="327" name="Google Shape;327;p27" title="Screenshot 2026-02-20 174135.png"/>
+          <p:cNvPr id="304" name="Google Shape;304;p26" title="Screenshot 2026-02-20 174135.png"/>
           <p:cNvPicPr preferRelativeResize="0"/>
           <p:nvPr/>
         </p:nvPicPr>
@@ -14911,6 +14019,898 @@
           </a:ln>
         </p:spPr>
       </p:pic>
+    </p:spTree>
+  </p:cSld>
+  <p:clrMapOvr>
+    <a:masterClrMapping/>
+  </p:clrMapOvr>
+</p:sld>
+</file>
+
+<file path=ppt/slides/slide15.xml><?xml version="1.0" encoding="utf-8"?>
+<p:sld xmlns:a="http://schemas.openxmlformats.org/drawingml/2006/main" xmlns:r="http://schemas.openxmlformats.org/officeDocument/2006/relationships" xmlns:mc="http://schemas.openxmlformats.org/markup-compatibility/2006" xmlns:mv="urn:schemas-microsoft-com:mac:vml" xmlns:p="http://schemas.openxmlformats.org/presentationml/2006/main" xmlns:c="http://schemas.openxmlformats.org/drawingml/2006/chart" xmlns:dgm="http://schemas.openxmlformats.org/drawingml/2006/diagram" xmlns:o="urn:schemas-microsoft-com:office:office" xmlns:v="urn:schemas-microsoft-com:vml" xmlns:pvml="urn:schemas-microsoft-com:office:powerpoint" xmlns:com="http://schemas.openxmlformats.org/drawingml/2006/compatibility" xmlns:p14="http://schemas.microsoft.com/office/powerpoint/2010/main" xmlns:p15="http://schemas.microsoft.com/office/powerpoint/2012/main" xmlns:ahyp="http://schemas.microsoft.com/office/drawing/2018/hyperlinkcolor">
+  <p:cSld>
+    <p:bg>
+      <p:bgPr>
+        <a:solidFill>
+          <a:srgbClr val="FFFFFF"/>
+        </a:solidFill>
+      </p:bgPr>
+    </p:bg>
+    <p:spTree>
+      <p:nvGrpSpPr>
+        <p:cNvPr id="308" name="Shape 308"/>
+        <p:cNvGrpSpPr/>
+        <p:nvPr/>
+      </p:nvGrpSpPr>
+      <p:grpSpPr>
+        <a:xfrm>
+          <a:off x="0" y="0"/>
+          <a:ext cx="0" cy="0"/>
+          <a:chOff x="0" y="0"/>
+          <a:chExt cx="0" cy="0"/>
+        </a:xfrm>
+      </p:grpSpPr>
+      <p:pic>
+        <p:nvPicPr>
+          <p:cNvPr descr="image.png" id="309" name="Google Shape;309;p27"/>
+          <p:cNvPicPr preferRelativeResize="0"/>
+          <p:nvPr/>
+        </p:nvPicPr>
+        <p:blipFill rotWithShape="1">
+          <a:blip r:embed="rId3">
+            <a:alphaModFix/>
+          </a:blip>
+          <a:srcRect b="0" l="0" r="0" t="0"/>
+          <a:stretch/>
+        </p:blipFill>
+        <p:spPr>
+          <a:xfrm>
+            <a:off x="0" y="0"/>
+            <a:ext cx="12192000" cy="6858000"/>
+          </a:xfrm>
+          <a:prstGeom prst="rect">
+            <a:avLst/>
+          </a:prstGeom>
+          <a:noFill/>
+          <a:ln>
+            <a:noFill/>
+          </a:ln>
+        </p:spPr>
+      </p:pic>
+      <p:sp>
+        <p:nvSpPr>
+          <p:cNvPr id="310" name="Google Shape;310;p27"/>
+          <p:cNvSpPr txBox="1"/>
+          <p:nvPr/>
+        </p:nvSpPr>
+        <p:spPr>
+          <a:xfrm>
+            <a:off x="762000" y="571500"/>
+            <a:ext cx="11401425" cy="600075"/>
+          </a:xfrm>
+          <a:prstGeom prst="rect">
+            <a:avLst/>
+          </a:prstGeom>
+          <a:noFill/>
+          <a:ln>
+            <a:noFill/>
+          </a:ln>
+        </p:spPr>
+        <p:txBody>
+          <a:bodyPr anchorCtr="0" anchor="t" bIns="0" lIns="0" spcFirstLastPara="1" rIns="0" wrap="square" tIns="0">
+            <a:spAutoFit/>
+          </a:bodyPr>
+          <a:lstStyle/>
+          <a:p>
+            <a:pPr indent="0" lvl="0" marL="0" marR="0" rtl="0" algn="l">
+              <a:spcBef>
+                <a:spcPts val="0"/>
+              </a:spcBef>
+              <a:spcAft>
+                <a:spcPts val="0"/>
+              </a:spcAft>
+              <a:buNone/>
+            </a:pPr>
+            <a:r>
+              <a:rPr b="0" i="0" lang="en-US" sz="3150" u="none" cap="none" strike="noStrike">
+                <a:solidFill>
+                  <a:srgbClr val="1E3A8A"/>
+                </a:solidFill>
+                <a:latin typeface="Poppins SemiBold"/>
+                <a:ea typeface="Poppins SemiBold"/>
+                <a:cs typeface="Poppins SemiBold"/>
+                <a:sym typeface="Poppins SemiBold"/>
+              </a:rPr>
+              <a:t>Team Roles &amp; Responsibilities</a:t>
+            </a:r>
+            <a:endParaRPr/>
+          </a:p>
+        </p:txBody>
+      </p:sp>
+      <p:sp>
+        <p:nvSpPr>
+          <p:cNvPr id="311" name="Google Shape;311;p27"/>
+          <p:cNvSpPr/>
+          <p:nvPr/>
+        </p:nvSpPr>
+        <p:spPr>
+          <a:xfrm>
+            <a:off x="571500" y="571500"/>
+            <a:ext cx="57150" cy="600075"/>
+          </a:xfrm>
+          <a:prstGeom prst="rect">
+            <a:avLst/>
+          </a:prstGeom>
+          <a:solidFill>
+            <a:srgbClr val="3B82F6"/>
+          </a:solidFill>
+          <a:ln>
+            <a:noFill/>
+          </a:ln>
+        </p:spPr>
+        <p:txBody>
+          <a:bodyPr anchorCtr="0" anchor="ctr" bIns="45700" lIns="91425" spcFirstLastPara="1" rIns="91425" wrap="square" tIns="45700">
+            <a:noAutofit/>
+          </a:bodyPr>
+          <a:lstStyle/>
+          <a:p>
+            <a:pPr indent="0" lvl="0" marL="0" marR="0" rtl="0" algn="ctr">
+              <a:spcBef>
+                <a:spcPts val="0"/>
+              </a:spcBef>
+              <a:spcAft>
+                <a:spcPts val="0"/>
+              </a:spcAft>
+              <a:buNone/>
+            </a:pPr>
+            <a:r>
+              <a:t/>
+            </a:r>
+            <a:endParaRPr b="0" i="0" sz="1800" u="none" cap="none" strike="noStrike">
+              <a:solidFill>
+                <a:schemeClr val="dk1"/>
+              </a:solidFill>
+              <a:latin typeface="Calibri"/>
+              <a:ea typeface="Calibri"/>
+              <a:cs typeface="Calibri"/>
+              <a:sym typeface="Calibri"/>
+            </a:endParaRPr>
+          </a:p>
+        </p:txBody>
+      </p:sp>
+      <p:pic>
+        <p:nvPicPr>
+          <p:cNvPr descr="image.png" id="312" name="Google Shape;312;p27"/>
+          <p:cNvPicPr preferRelativeResize="0"/>
+          <p:nvPr/>
+        </p:nvPicPr>
+        <p:blipFill rotWithShape="1">
+          <a:blip r:embed="rId4">
+            <a:alphaModFix/>
+          </a:blip>
+          <a:srcRect b="0" l="0" r="0" t="0"/>
+          <a:stretch/>
+        </p:blipFill>
+        <p:spPr>
+          <a:xfrm>
+            <a:off x="809625" y="2928937"/>
+            <a:ext cx="381000" cy="381000"/>
+          </a:xfrm>
+          <a:prstGeom prst="rect">
+            <a:avLst/>
+          </a:prstGeom>
+          <a:noFill/>
+          <a:ln>
+            <a:noFill/>
+          </a:ln>
+        </p:spPr>
+      </p:pic>
+      <p:pic>
+        <p:nvPicPr>
+          <p:cNvPr descr="image.png" id="313" name="Google Shape;313;p27"/>
+          <p:cNvPicPr preferRelativeResize="0"/>
+          <p:nvPr/>
+        </p:nvPicPr>
+        <p:blipFill rotWithShape="1">
+          <a:blip r:embed="rId5">
+            <a:alphaModFix/>
+          </a:blip>
+          <a:srcRect b="0" l="0" r="0" t="0"/>
+          <a:stretch/>
+        </p:blipFill>
+        <p:spPr>
+          <a:xfrm>
+            <a:off x="6524625" y="2928937"/>
+            <a:ext cx="285750" cy="381000"/>
+          </a:xfrm>
+          <a:prstGeom prst="rect">
+            <a:avLst/>
+          </a:prstGeom>
+          <a:noFill/>
+          <a:ln>
+            <a:noFill/>
+          </a:ln>
+        </p:spPr>
+      </p:pic>
+      <p:pic>
+        <p:nvPicPr>
+          <p:cNvPr descr="image.png" id="314" name="Google Shape;314;p27"/>
+          <p:cNvPicPr preferRelativeResize="0"/>
+          <p:nvPr/>
+        </p:nvPicPr>
+        <p:blipFill rotWithShape="1">
+          <a:blip r:embed="rId6">
+            <a:alphaModFix/>
+          </a:blip>
+          <a:srcRect b="0" l="0" r="0" t="0"/>
+          <a:stretch/>
+        </p:blipFill>
+        <p:spPr>
+          <a:xfrm>
+            <a:off x="809625" y="4433738"/>
+            <a:ext cx="428625" cy="381000"/>
+          </a:xfrm>
+          <a:prstGeom prst="rect">
+            <a:avLst/>
+          </a:prstGeom>
+          <a:noFill/>
+          <a:ln>
+            <a:noFill/>
+          </a:ln>
+        </p:spPr>
+      </p:pic>
+      <p:pic>
+        <p:nvPicPr>
+          <p:cNvPr descr="image.png" id="315" name="Google Shape;315;p27"/>
+          <p:cNvPicPr preferRelativeResize="0"/>
+          <p:nvPr/>
+        </p:nvPicPr>
+        <p:blipFill rotWithShape="1">
+          <a:blip r:embed="rId7">
+            <a:alphaModFix/>
+          </a:blip>
+          <a:srcRect b="0" l="0" r="0" t="0"/>
+          <a:stretch/>
+        </p:blipFill>
+        <p:spPr>
+          <a:xfrm>
+            <a:off x="6524625" y="4433738"/>
+            <a:ext cx="428625" cy="381000"/>
+          </a:xfrm>
+          <a:prstGeom prst="rect">
+            <a:avLst/>
+          </a:prstGeom>
+          <a:noFill/>
+          <a:ln>
+            <a:noFill/>
+          </a:ln>
+        </p:spPr>
+      </p:pic>
+      <p:sp>
+        <p:nvSpPr>
+          <p:cNvPr id="316" name="Google Shape;316;p27"/>
+          <p:cNvSpPr txBox="1"/>
+          <p:nvPr/>
+        </p:nvSpPr>
+        <p:spPr>
+          <a:xfrm>
+            <a:off x="1381125" y="2748111"/>
+            <a:ext cx="2070258" cy="238125"/>
+          </a:xfrm>
+          <a:prstGeom prst="rect">
+            <a:avLst/>
+          </a:prstGeom>
+          <a:noFill/>
+          <a:ln>
+            <a:noFill/>
+          </a:ln>
+        </p:spPr>
+        <p:txBody>
+          <a:bodyPr anchorCtr="0" anchor="t" bIns="0" lIns="0" spcFirstLastPara="1" rIns="0" wrap="square" tIns="0">
+            <a:spAutoFit/>
+          </a:bodyPr>
+          <a:lstStyle/>
+          <a:p>
+            <a:pPr indent="0" lvl="0" marL="0" marR="0" rtl="0" algn="l">
+              <a:spcBef>
+                <a:spcPts val="0"/>
+              </a:spcBef>
+              <a:spcAft>
+                <a:spcPts val="0"/>
+              </a:spcAft>
+              <a:buNone/>
+            </a:pPr>
+            <a:r>
+              <a:rPr b="1" i="0" lang="en-US" sz="1200" u="none" cap="none" strike="noStrike">
+                <a:solidFill>
+                  <a:srgbClr val="1E3A8A"/>
+                </a:solidFill>
+                <a:latin typeface="Poppins"/>
+                <a:ea typeface="Poppins"/>
+                <a:cs typeface="Poppins"/>
+                <a:sym typeface="Poppins"/>
+              </a:rPr>
+              <a:t>Abhay Maurya</a:t>
+            </a:r>
+            <a:endParaRPr/>
+          </a:p>
+        </p:txBody>
+      </p:sp>
+      <p:sp>
+        <p:nvSpPr>
+          <p:cNvPr id="317" name="Google Shape;317;p27"/>
+          <p:cNvSpPr txBox="1"/>
+          <p:nvPr/>
+        </p:nvSpPr>
+        <p:spPr>
+          <a:xfrm>
+            <a:off x="1381125" y="3033861"/>
+            <a:ext cx="1971675" cy="243780"/>
+          </a:xfrm>
+          <a:prstGeom prst="rect">
+            <a:avLst/>
+          </a:prstGeom>
+          <a:noFill/>
+          <a:ln>
+            <a:noFill/>
+          </a:ln>
+        </p:spPr>
+        <p:txBody>
+          <a:bodyPr anchorCtr="0" anchor="t" bIns="0" lIns="0" spcFirstLastPara="1" rIns="0" wrap="square" tIns="0">
+            <a:spAutoFit/>
+          </a:bodyPr>
+          <a:lstStyle/>
+          <a:p>
+            <a:pPr indent="0" lvl="0" marL="0" marR="0" rtl="0" algn="l">
+              <a:lnSpc>
+                <a:spcPct val="160000"/>
+              </a:lnSpc>
+              <a:spcBef>
+                <a:spcPts val="0"/>
+              </a:spcBef>
+              <a:spcAft>
+                <a:spcPts val="0"/>
+              </a:spcAft>
+              <a:buNone/>
+            </a:pPr>
+            <a:r>
+              <a:rPr b="0" i="0" lang="en-US" sz="1200" u="none" cap="none" strike="noStrike">
+                <a:solidFill>
+                  <a:srgbClr val="475569"/>
+                </a:solidFill>
+                <a:latin typeface="Inter"/>
+                <a:ea typeface="Inter"/>
+                <a:cs typeface="Inter"/>
+                <a:sym typeface="Inter"/>
+              </a:rPr>
+              <a:t>Visualization Module</a:t>
+            </a:r>
+            <a:endParaRPr/>
+          </a:p>
+        </p:txBody>
+      </p:sp>
+      <p:sp>
+        <p:nvSpPr>
+          <p:cNvPr id="318" name="Google Shape;318;p27"/>
+          <p:cNvSpPr txBox="1"/>
+          <p:nvPr/>
+        </p:nvSpPr>
+        <p:spPr>
+          <a:xfrm>
+            <a:off x="1381125" y="3277641"/>
+            <a:ext cx="1971675" cy="213270"/>
+          </a:xfrm>
+          <a:prstGeom prst="rect">
+            <a:avLst/>
+          </a:prstGeom>
+          <a:noFill/>
+          <a:ln>
+            <a:noFill/>
+          </a:ln>
+        </p:spPr>
+        <p:txBody>
+          <a:bodyPr anchorCtr="0" anchor="t" bIns="0" lIns="0" spcFirstLastPara="1" rIns="0" wrap="square" tIns="0">
+            <a:spAutoFit/>
+          </a:bodyPr>
+          <a:lstStyle/>
+          <a:p>
+            <a:pPr indent="0" lvl="0" marL="0" marR="0" rtl="0" algn="l">
+              <a:lnSpc>
+                <a:spcPct val="159904"/>
+              </a:lnSpc>
+              <a:spcBef>
+                <a:spcPts val="0"/>
+              </a:spcBef>
+              <a:spcAft>
+                <a:spcPts val="0"/>
+              </a:spcAft>
+              <a:buNone/>
+            </a:pPr>
+            <a:r>
+              <a:rPr b="0" i="0" lang="en-US" sz="1050" u="none" cap="none" strike="noStrike">
+                <a:solidFill>
+                  <a:srgbClr val="64748B"/>
+                </a:solidFill>
+                <a:latin typeface="Inter"/>
+                <a:ea typeface="Inter"/>
+                <a:cs typeface="Inter"/>
+                <a:sym typeface="Inter"/>
+              </a:rPr>
+              <a:t>Charts &amp; Dashboard Integration</a:t>
+            </a:r>
+            <a:endParaRPr/>
+          </a:p>
+        </p:txBody>
+      </p:sp>
+      <p:sp>
+        <p:nvSpPr>
+          <p:cNvPr id="319" name="Google Shape;319;p27"/>
+          <p:cNvSpPr txBox="1"/>
+          <p:nvPr/>
+        </p:nvSpPr>
+        <p:spPr>
+          <a:xfrm>
+            <a:off x="7000875" y="2748111"/>
+            <a:ext cx="1580197" cy="238125"/>
+          </a:xfrm>
+          <a:prstGeom prst="rect">
+            <a:avLst/>
+          </a:prstGeom>
+          <a:noFill/>
+          <a:ln>
+            <a:noFill/>
+          </a:ln>
+        </p:spPr>
+        <p:txBody>
+          <a:bodyPr anchorCtr="0" anchor="t" bIns="0" lIns="0" spcFirstLastPara="1" rIns="0" wrap="square" tIns="0">
+            <a:spAutoFit/>
+          </a:bodyPr>
+          <a:lstStyle/>
+          <a:p>
+            <a:pPr indent="0" lvl="0" marL="0" marR="0" rtl="0" algn="l">
+              <a:spcBef>
+                <a:spcPts val="0"/>
+              </a:spcBef>
+              <a:spcAft>
+                <a:spcPts val="0"/>
+              </a:spcAft>
+              <a:buNone/>
+            </a:pPr>
+            <a:r>
+              <a:rPr b="1" i="0" lang="en-US" sz="1200" u="none" cap="none" strike="noStrike">
+                <a:solidFill>
+                  <a:srgbClr val="1E3A8A"/>
+                </a:solidFill>
+                <a:latin typeface="Poppins"/>
+                <a:ea typeface="Poppins"/>
+                <a:cs typeface="Poppins"/>
+                <a:sym typeface="Poppins"/>
+              </a:rPr>
+              <a:t>Harini Kaveti</a:t>
+            </a:r>
+            <a:endParaRPr/>
+          </a:p>
+        </p:txBody>
+      </p:sp>
+      <p:sp>
+        <p:nvSpPr>
+          <p:cNvPr id="320" name="Google Shape;320;p27"/>
+          <p:cNvSpPr txBox="1"/>
+          <p:nvPr/>
+        </p:nvSpPr>
+        <p:spPr>
+          <a:xfrm>
+            <a:off x="7000875" y="3033861"/>
+            <a:ext cx="1504950" cy="243780"/>
+          </a:xfrm>
+          <a:prstGeom prst="rect">
+            <a:avLst/>
+          </a:prstGeom>
+          <a:noFill/>
+          <a:ln>
+            <a:noFill/>
+          </a:ln>
+        </p:spPr>
+        <p:txBody>
+          <a:bodyPr anchorCtr="0" anchor="t" bIns="0" lIns="0" spcFirstLastPara="1" rIns="0" wrap="square" tIns="0">
+            <a:spAutoFit/>
+          </a:bodyPr>
+          <a:lstStyle/>
+          <a:p>
+            <a:pPr indent="0" lvl="0" marL="0" marR="0" rtl="0" algn="l">
+              <a:lnSpc>
+                <a:spcPct val="160000"/>
+              </a:lnSpc>
+              <a:spcBef>
+                <a:spcPts val="0"/>
+              </a:spcBef>
+              <a:spcAft>
+                <a:spcPts val="0"/>
+              </a:spcAft>
+              <a:buNone/>
+            </a:pPr>
+            <a:r>
+              <a:rPr b="0" i="0" lang="en-US" sz="1200" u="none" cap="none" strike="noStrike">
+                <a:solidFill>
+                  <a:srgbClr val="475569"/>
+                </a:solidFill>
+                <a:latin typeface="Inter"/>
+                <a:ea typeface="Inter"/>
+                <a:cs typeface="Inter"/>
+                <a:sym typeface="Inter"/>
+              </a:rPr>
+              <a:t>Analytics Module</a:t>
+            </a:r>
+            <a:endParaRPr/>
+          </a:p>
+        </p:txBody>
+      </p:sp>
+      <p:sp>
+        <p:nvSpPr>
+          <p:cNvPr id="321" name="Google Shape;321;p27"/>
+          <p:cNvSpPr txBox="1"/>
+          <p:nvPr/>
+        </p:nvSpPr>
+        <p:spPr>
+          <a:xfrm>
+            <a:off x="7000875" y="3277641"/>
+            <a:ext cx="1504950" cy="213270"/>
+          </a:xfrm>
+          <a:prstGeom prst="rect">
+            <a:avLst/>
+          </a:prstGeom>
+          <a:noFill/>
+          <a:ln>
+            <a:noFill/>
+          </a:ln>
+        </p:spPr>
+        <p:txBody>
+          <a:bodyPr anchorCtr="0" anchor="t" bIns="0" lIns="0" spcFirstLastPara="1" rIns="0" wrap="square" tIns="0">
+            <a:spAutoFit/>
+          </a:bodyPr>
+          <a:lstStyle/>
+          <a:p>
+            <a:pPr indent="0" lvl="0" marL="0" marR="0" rtl="0" algn="l">
+              <a:lnSpc>
+                <a:spcPct val="159904"/>
+              </a:lnSpc>
+              <a:spcBef>
+                <a:spcPts val="0"/>
+              </a:spcBef>
+              <a:spcAft>
+                <a:spcPts val="0"/>
+              </a:spcAft>
+              <a:buNone/>
+            </a:pPr>
+            <a:r>
+              <a:rPr b="0" i="0" lang="en-US" sz="1050" u="none" cap="none" strike="noStrike">
+                <a:solidFill>
+                  <a:srgbClr val="64748B"/>
+                </a:solidFill>
+                <a:latin typeface="Inter"/>
+                <a:ea typeface="Inter"/>
+                <a:cs typeface="Inter"/>
+                <a:sym typeface="Inter"/>
+              </a:rPr>
+              <a:t>KPI Calculations &amp; Logic</a:t>
+            </a:r>
+            <a:endParaRPr/>
+          </a:p>
+        </p:txBody>
+      </p:sp>
+      <p:sp>
+        <p:nvSpPr>
+          <p:cNvPr id="322" name="Google Shape;322;p27"/>
+          <p:cNvSpPr txBox="1"/>
+          <p:nvPr/>
+        </p:nvSpPr>
+        <p:spPr>
+          <a:xfrm>
+            <a:off x="1428750" y="4252912"/>
+            <a:ext cx="1600200" cy="238125"/>
+          </a:xfrm>
+          <a:prstGeom prst="rect">
+            <a:avLst/>
+          </a:prstGeom>
+          <a:noFill/>
+          <a:ln>
+            <a:noFill/>
+          </a:ln>
+        </p:spPr>
+        <p:txBody>
+          <a:bodyPr anchorCtr="0" anchor="t" bIns="0" lIns="0" spcFirstLastPara="1" rIns="0" wrap="square" tIns="0">
+            <a:spAutoFit/>
+          </a:bodyPr>
+          <a:lstStyle/>
+          <a:p>
+            <a:pPr indent="0" lvl="0" marL="0" marR="0" rtl="0" algn="l">
+              <a:spcBef>
+                <a:spcPts val="0"/>
+              </a:spcBef>
+              <a:spcAft>
+                <a:spcPts val="0"/>
+              </a:spcAft>
+              <a:buNone/>
+            </a:pPr>
+            <a:r>
+              <a:rPr b="1" i="0" lang="en-US" sz="1200" u="none" cap="none" strike="noStrike">
+                <a:solidFill>
+                  <a:srgbClr val="1E3A8A"/>
+                </a:solidFill>
+                <a:latin typeface="Poppins"/>
+                <a:ea typeface="Poppins"/>
+                <a:cs typeface="Poppins"/>
+                <a:sym typeface="Poppins"/>
+              </a:rPr>
+              <a:t>Vaibhavi Vernekar</a:t>
+            </a:r>
+            <a:endParaRPr/>
+          </a:p>
+        </p:txBody>
+      </p:sp>
+      <p:sp>
+        <p:nvSpPr>
+          <p:cNvPr id="323" name="Google Shape;323;p27"/>
+          <p:cNvSpPr txBox="1"/>
+          <p:nvPr/>
+        </p:nvSpPr>
+        <p:spPr>
+          <a:xfrm>
+            <a:off x="1428750" y="4538662"/>
+            <a:ext cx="1524000" cy="243780"/>
+          </a:xfrm>
+          <a:prstGeom prst="rect">
+            <a:avLst/>
+          </a:prstGeom>
+          <a:noFill/>
+          <a:ln>
+            <a:noFill/>
+          </a:ln>
+        </p:spPr>
+        <p:txBody>
+          <a:bodyPr anchorCtr="0" anchor="t" bIns="0" lIns="0" spcFirstLastPara="1" rIns="0" wrap="square" tIns="0">
+            <a:spAutoFit/>
+          </a:bodyPr>
+          <a:lstStyle/>
+          <a:p>
+            <a:pPr indent="0" lvl="0" marL="0" marR="0" rtl="0" algn="l">
+              <a:lnSpc>
+                <a:spcPct val="160000"/>
+              </a:lnSpc>
+              <a:spcBef>
+                <a:spcPts val="0"/>
+              </a:spcBef>
+              <a:spcAft>
+                <a:spcPts val="0"/>
+              </a:spcAft>
+              <a:buNone/>
+            </a:pPr>
+            <a:r>
+              <a:rPr b="0" i="0" lang="en-US" sz="1200" u="none" cap="none" strike="noStrike">
+                <a:solidFill>
+                  <a:srgbClr val="475569"/>
+                </a:solidFill>
+                <a:latin typeface="Inter"/>
+                <a:ea typeface="Inter"/>
+                <a:cs typeface="Inter"/>
+                <a:sym typeface="Inter"/>
+              </a:rPr>
+              <a:t>Dashboard UI</a:t>
+            </a:r>
+            <a:endParaRPr/>
+          </a:p>
+        </p:txBody>
+      </p:sp>
+      <p:sp>
+        <p:nvSpPr>
+          <p:cNvPr id="324" name="Google Shape;324;p27"/>
+          <p:cNvSpPr txBox="1"/>
+          <p:nvPr/>
+        </p:nvSpPr>
+        <p:spPr>
+          <a:xfrm>
+            <a:off x="1428750" y="4782442"/>
+            <a:ext cx="1524000" cy="213270"/>
+          </a:xfrm>
+          <a:prstGeom prst="rect">
+            <a:avLst/>
+          </a:prstGeom>
+          <a:noFill/>
+          <a:ln>
+            <a:noFill/>
+          </a:ln>
+        </p:spPr>
+        <p:txBody>
+          <a:bodyPr anchorCtr="0" anchor="t" bIns="0" lIns="0" spcFirstLastPara="1" rIns="0" wrap="square" tIns="0">
+            <a:spAutoFit/>
+          </a:bodyPr>
+          <a:lstStyle/>
+          <a:p>
+            <a:pPr indent="0" lvl="0" marL="0" marR="0" rtl="0" algn="l">
+              <a:lnSpc>
+                <a:spcPct val="159904"/>
+              </a:lnSpc>
+              <a:spcBef>
+                <a:spcPts val="0"/>
+              </a:spcBef>
+              <a:spcAft>
+                <a:spcPts val="0"/>
+              </a:spcAft>
+              <a:buNone/>
+            </a:pPr>
+            <a:r>
+              <a:rPr b="0" i="0" lang="en-US" sz="1050" u="none" cap="none" strike="noStrike">
+                <a:solidFill>
+                  <a:srgbClr val="64748B"/>
+                </a:solidFill>
+                <a:latin typeface="Inter"/>
+                <a:ea typeface="Inter"/>
+                <a:cs typeface="Inter"/>
+                <a:sym typeface="Inter"/>
+              </a:rPr>
+              <a:t>Streamlit Development</a:t>
+            </a:r>
+            <a:endParaRPr/>
+          </a:p>
+        </p:txBody>
+      </p:sp>
+      <p:sp>
+        <p:nvSpPr>
+          <p:cNvPr id="325" name="Google Shape;325;p27"/>
+          <p:cNvSpPr txBox="1"/>
+          <p:nvPr/>
+        </p:nvSpPr>
+        <p:spPr>
+          <a:xfrm>
+            <a:off x="7143750" y="4252912"/>
+            <a:ext cx="1840230" cy="238125"/>
+          </a:xfrm>
+          <a:prstGeom prst="rect">
+            <a:avLst/>
+          </a:prstGeom>
+          <a:noFill/>
+          <a:ln>
+            <a:noFill/>
+          </a:ln>
+        </p:spPr>
+        <p:txBody>
+          <a:bodyPr anchorCtr="0" anchor="t" bIns="0" lIns="0" spcFirstLastPara="1" rIns="0" wrap="square" tIns="0">
+            <a:spAutoFit/>
+          </a:bodyPr>
+          <a:lstStyle/>
+          <a:p>
+            <a:pPr indent="0" lvl="0" marL="0" marR="0" rtl="0" algn="l">
+              <a:spcBef>
+                <a:spcPts val="0"/>
+              </a:spcBef>
+              <a:spcAft>
+                <a:spcPts val="0"/>
+              </a:spcAft>
+              <a:buNone/>
+            </a:pPr>
+            <a:r>
+              <a:rPr b="1" i="0" lang="en-US" sz="1200" u="none" cap="none" strike="noStrike">
+                <a:solidFill>
+                  <a:srgbClr val="1E3A8A"/>
+                </a:solidFill>
+                <a:latin typeface="Poppins"/>
+                <a:ea typeface="Poppins"/>
+                <a:cs typeface="Poppins"/>
+                <a:sym typeface="Poppins"/>
+              </a:rPr>
+              <a:t>Pattem Dharmika</a:t>
+            </a:r>
+            <a:endParaRPr/>
+          </a:p>
+        </p:txBody>
+      </p:sp>
+      <p:sp>
+        <p:nvSpPr>
+          <p:cNvPr id="326" name="Google Shape;326;p27"/>
+          <p:cNvSpPr txBox="1"/>
+          <p:nvPr/>
+        </p:nvSpPr>
+        <p:spPr>
+          <a:xfrm>
+            <a:off x="7143750" y="4538662"/>
+            <a:ext cx="1752600" cy="243780"/>
+          </a:xfrm>
+          <a:prstGeom prst="rect">
+            <a:avLst/>
+          </a:prstGeom>
+          <a:noFill/>
+          <a:ln>
+            <a:noFill/>
+          </a:ln>
+        </p:spPr>
+        <p:txBody>
+          <a:bodyPr anchorCtr="0" anchor="t" bIns="0" lIns="0" spcFirstLastPara="1" rIns="0" wrap="square" tIns="0">
+            <a:spAutoFit/>
+          </a:bodyPr>
+          <a:lstStyle/>
+          <a:p>
+            <a:pPr indent="0" lvl="0" marL="0" marR="0" rtl="0" algn="l">
+              <a:lnSpc>
+                <a:spcPct val="160000"/>
+              </a:lnSpc>
+              <a:spcBef>
+                <a:spcPts val="0"/>
+              </a:spcBef>
+              <a:spcAft>
+                <a:spcPts val="0"/>
+              </a:spcAft>
+              <a:buNone/>
+            </a:pPr>
+            <a:r>
+              <a:rPr b="0" i="0" lang="en-US" sz="1200" u="none" cap="none" strike="noStrike">
+                <a:solidFill>
+                  <a:srgbClr val="475569"/>
+                </a:solidFill>
+                <a:latin typeface="Inter"/>
+                <a:ea typeface="Inter"/>
+                <a:cs typeface="Inter"/>
+                <a:sym typeface="Inter"/>
+              </a:rPr>
+              <a:t>Reporting Module</a:t>
+            </a:r>
+            <a:endParaRPr/>
+          </a:p>
+        </p:txBody>
+      </p:sp>
+      <p:sp>
+        <p:nvSpPr>
+          <p:cNvPr id="327" name="Google Shape;327;p27"/>
+          <p:cNvSpPr txBox="1"/>
+          <p:nvPr/>
+        </p:nvSpPr>
+        <p:spPr>
+          <a:xfrm>
+            <a:off x="7143750" y="4782442"/>
+            <a:ext cx="1752600" cy="213270"/>
+          </a:xfrm>
+          <a:prstGeom prst="rect">
+            <a:avLst/>
+          </a:prstGeom>
+          <a:noFill/>
+          <a:ln>
+            <a:noFill/>
+          </a:ln>
+        </p:spPr>
+        <p:txBody>
+          <a:bodyPr anchorCtr="0" anchor="t" bIns="0" lIns="0" spcFirstLastPara="1" rIns="0" wrap="square" tIns="0">
+            <a:spAutoFit/>
+          </a:bodyPr>
+          <a:lstStyle/>
+          <a:p>
+            <a:pPr indent="0" lvl="0" marL="0" marR="0" rtl="0" algn="l">
+              <a:lnSpc>
+                <a:spcPct val="159904"/>
+              </a:lnSpc>
+              <a:spcBef>
+                <a:spcPts val="0"/>
+              </a:spcBef>
+              <a:spcAft>
+                <a:spcPts val="0"/>
+              </a:spcAft>
+              <a:buNone/>
+            </a:pPr>
+            <a:r>
+              <a:rPr b="0" i="0" lang="en-US" sz="1050" u="none" cap="none" strike="noStrike">
+                <a:solidFill>
+                  <a:srgbClr val="64748B"/>
+                </a:solidFill>
+                <a:latin typeface="Inter"/>
+                <a:ea typeface="Inter"/>
+                <a:cs typeface="Inter"/>
+                <a:sym typeface="Inter"/>
+              </a:rPr>
+              <a:t>Export &amp; Reporting Features</a:t>
+            </a:r>
+            <a:endParaRPr/>
+          </a:p>
+        </p:txBody>
+      </p:sp>
     </p:spTree>
   </p:cSld>
   <p:clrMapOvr>
@@ -17680,6 +17680,13 @@
 <file path=ppt/slides/slide4.xml><?xml version="1.0" encoding="utf-8"?>
 <p:sld xmlns:a="http://schemas.openxmlformats.org/drawingml/2006/main" xmlns:r="http://schemas.openxmlformats.org/officeDocument/2006/relationships" xmlns:mc="http://schemas.openxmlformats.org/markup-compatibility/2006" xmlns:mv="urn:schemas-microsoft-com:mac:vml" xmlns:p="http://schemas.openxmlformats.org/presentationml/2006/main" xmlns:c="http://schemas.openxmlformats.org/drawingml/2006/chart" xmlns:dgm="http://schemas.openxmlformats.org/drawingml/2006/diagram" xmlns:o="urn:schemas-microsoft-com:office:office" xmlns:v="urn:schemas-microsoft-com:vml" xmlns:pvml="urn:schemas-microsoft-com:office:powerpoint" xmlns:com="http://schemas.openxmlformats.org/drawingml/2006/compatibility" xmlns:p14="http://schemas.microsoft.com/office/powerpoint/2010/main" xmlns:p15="http://schemas.microsoft.com/office/powerpoint/2012/main" xmlns:ahyp="http://schemas.microsoft.com/office/drawing/2018/hyperlinkcolor">
   <p:cSld>
+    <p:bg>
+      <p:bgPr>
+        <a:solidFill>
+          <a:srgbClr val="FFFFFF"/>
+        </a:solidFill>
+      </p:bgPr>
+    </p:bg>
     <p:spTree>
       <p:nvGrpSpPr>
         <p:cNvPr id="132" name="Shape 132"/>
@@ -17694,240 +17701,22 @@
           <a:chExt cx="0" cy="0"/>
         </a:xfrm>
       </p:grpSpPr>
-      <p:pic>
-        <p:nvPicPr>
-          <p:cNvPr descr="Beautify this slide" id="133" name="Google Shape;133;p16"/>
-          <p:cNvPicPr preferRelativeResize="0"/>
-          <p:nvPr/>
-        </p:nvPicPr>
-        <p:blipFill>
-          <a:blip r:embed="rId3">
-            <a:alphaModFix/>
-          </a:blip>
-          <a:stretch>
-            <a:fillRect/>
-          </a:stretch>
-        </p:blipFill>
-        <p:spPr>
-          <a:xfrm>
-            <a:off x="-47625" y="0"/>
-            <a:ext cx="12287250" cy="6858000"/>
-          </a:xfrm>
-          <a:prstGeom prst="rect">
-            <a:avLst/>
-          </a:prstGeom>
-          <a:noFill/>
-          <a:ln>
-            <a:noFill/>
-          </a:ln>
-        </p:spPr>
-      </p:pic>
-    </p:spTree>
-  </p:cSld>
-  <p:clrMapOvr>
-    <a:masterClrMapping/>
-  </p:clrMapOvr>
-</p:sld>
-</file>
-
-<file path=ppt/slides/slide5.xml><?xml version="1.0" encoding="utf-8"?>
-<p:sld xmlns:a="http://schemas.openxmlformats.org/drawingml/2006/main" xmlns:r="http://schemas.openxmlformats.org/officeDocument/2006/relationships" xmlns:mc="http://schemas.openxmlformats.org/markup-compatibility/2006" xmlns:mv="urn:schemas-microsoft-com:mac:vml" xmlns:p="http://schemas.openxmlformats.org/presentationml/2006/main" xmlns:c="http://schemas.openxmlformats.org/drawingml/2006/chart" xmlns:dgm="http://schemas.openxmlformats.org/drawingml/2006/diagram" xmlns:o="urn:schemas-microsoft-com:office:office" xmlns:v="urn:schemas-microsoft-com:vml" xmlns:pvml="urn:schemas-microsoft-com:office:powerpoint" xmlns:com="http://schemas.openxmlformats.org/drawingml/2006/compatibility" xmlns:p14="http://schemas.microsoft.com/office/powerpoint/2010/main" xmlns:p15="http://schemas.microsoft.com/office/powerpoint/2012/main" xmlns:ahyp="http://schemas.microsoft.com/office/drawing/2018/hyperlinkcolor">
-  <p:cSld>
-    <p:bg>
-      <p:bgPr>
-        <a:solidFill>
-          <a:srgbClr val="FFFFFF"/>
-        </a:solidFill>
-      </p:bgPr>
-    </p:bg>
-    <p:spTree>
-      <p:nvGrpSpPr>
-        <p:cNvPr id="137" name="Shape 137"/>
-        <p:cNvGrpSpPr/>
-        <p:nvPr/>
-      </p:nvGrpSpPr>
-      <p:grpSpPr>
-        <a:xfrm>
-          <a:off x="0" y="0"/>
-          <a:ext cx="0" cy="0"/>
-          <a:chOff x="0" y="0"/>
-          <a:chExt cx="0" cy="0"/>
-        </a:xfrm>
-      </p:grpSpPr>
-      <p:pic>
-        <p:nvPicPr>
-          <p:cNvPr descr="image.png" id="138" name="Google Shape;138;p17"/>
-          <p:cNvPicPr preferRelativeResize="0"/>
-          <p:nvPr/>
-        </p:nvPicPr>
-        <p:blipFill rotWithShape="1">
-          <a:blip r:embed="rId3">
-            <a:alphaModFix/>
-          </a:blip>
-          <a:srcRect b="0" l="0" r="0" t="0"/>
-          <a:stretch/>
-        </p:blipFill>
-        <p:spPr>
-          <a:xfrm>
-            <a:off x="0" y="0"/>
-            <a:ext cx="12192000" cy="6858000"/>
-          </a:xfrm>
-          <a:prstGeom prst="rect">
-            <a:avLst/>
-          </a:prstGeom>
-          <a:noFill/>
-          <a:ln>
-            <a:noFill/>
-          </a:ln>
-        </p:spPr>
-      </p:pic>
-      <p:pic>
-        <p:nvPicPr>
-          <p:cNvPr descr="image.png" id="139" name="Google Shape;139;p17"/>
-          <p:cNvPicPr preferRelativeResize="0"/>
-          <p:nvPr/>
-        </p:nvPicPr>
-        <p:blipFill rotWithShape="1">
-          <a:blip r:embed="rId4">
-            <a:alphaModFix/>
-          </a:blip>
-          <a:srcRect b="0" l="0" r="0" t="0"/>
-          <a:stretch/>
-        </p:blipFill>
-        <p:spPr>
-          <a:xfrm>
-            <a:off x="571500" y="1694557"/>
-            <a:ext cx="4953000" cy="1337220"/>
-          </a:xfrm>
-          <a:prstGeom prst="rect">
-            <a:avLst/>
-          </a:prstGeom>
-          <a:noFill/>
-          <a:ln>
-            <a:noFill/>
-          </a:ln>
-        </p:spPr>
-      </p:pic>
-      <p:pic>
-        <p:nvPicPr>
-          <p:cNvPr descr="image.png" id="140" name="Google Shape;140;p17"/>
-          <p:cNvPicPr preferRelativeResize="0"/>
-          <p:nvPr/>
-        </p:nvPicPr>
-        <p:blipFill rotWithShape="1">
-          <a:blip r:embed="rId5">
-            <a:alphaModFix/>
-          </a:blip>
-          <a:srcRect b="0" l="0" r="0" t="0"/>
-          <a:stretch/>
-        </p:blipFill>
-        <p:spPr>
-          <a:xfrm>
-            <a:off x="571500" y="3222277"/>
-            <a:ext cx="4953000" cy="1337220"/>
-          </a:xfrm>
-          <a:prstGeom prst="rect">
-            <a:avLst/>
-          </a:prstGeom>
-          <a:noFill/>
-          <a:ln>
-            <a:noFill/>
-          </a:ln>
-        </p:spPr>
-      </p:pic>
-      <p:pic>
-        <p:nvPicPr>
-          <p:cNvPr descr="image.png" id="141" name="Google Shape;141;p17"/>
-          <p:cNvPicPr preferRelativeResize="0"/>
-          <p:nvPr/>
-        </p:nvPicPr>
-        <p:blipFill rotWithShape="1">
-          <a:blip r:embed="rId6">
-            <a:alphaModFix/>
-          </a:blip>
-          <a:srcRect b="0" l="0" r="0" t="0"/>
-          <a:stretch/>
-        </p:blipFill>
-        <p:spPr>
-          <a:xfrm>
-            <a:off x="571500" y="4749998"/>
-            <a:ext cx="4953000" cy="1337220"/>
-          </a:xfrm>
-          <a:prstGeom prst="rect">
-            <a:avLst/>
-          </a:prstGeom>
-          <a:noFill/>
-          <a:ln>
-            <a:noFill/>
-          </a:ln>
-        </p:spPr>
-      </p:pic>
       <p:sp>
         <p:nvSpPr>
-          <p:cNvPr id="142" name="Google Shape;142;p17"/>
-          <p:cNvSpPr txBox="1"/>
-          <p:nvPr/>
-        </p:nvSpPr>
-        <p:spPr>
-          <a:xfrm>
-            <a:off x="762000" y="808732"/>
-            <a:ext cx="5000625" cy="600075"/>
-          </a:xfrm>
-          <a:prstGeom prst="rect">
-            <a:avLst/>
-          </a:prstGeom>
-          <a:noFill/>
-          <a:ln>
-            <a:noFill/>
-          </a:ln>
-        </p:spPr>
-        <p:txBody>
-          <a:bodyPr anchorCtr="0" anchor="t" bIns="0" lIns="0" spcFirstLastPara="1" rIns="0" wrap="square" tIns="0">
-            <a:spAutoFit/>
-          </a:bodyPr>
-          <a:lstStyle/>
-          <a:p>
-            <a:pPr indent="0" lvl="0" marL="0" marR="0" rtl="0" algn="l">
-              <a:spcBef>
-                <a:spcPts val="0"/>
-              </a:spcBef>
-              <a:spcAft>
-                <a:spcPts val="0"/>
-              </a:spcAft>
-              <a:buNone/>
-            </a:pPr>
-            <a:r>
-              <a:rPr b="0" i="0" lang="en-US" sz="3150" u="none" cap="none" strike="noStrike">
-                <a:solidFill>
-                  <a:srgbClr val="1E3A8A"/>
-                </a:solidFill>
-                <a:latin typeface="Poppins SemiBold"/>
-                <a:ea typeface="Poppins SemiBold"/>
-                <a:cs typeface="Poppins SemiBold"/>
-                <a:sym typeface="Poppins SemiBold"/>
-              </a:rPr>
-              <a:t>System Architecture</a:t>
-            </a:r>
-            <a:endParaRPr/>
-          </a:p>
-        </p:txBody>
-      </p:sp>
-      <p:sp>
-        <p:nvSpPr>
-          <p:cNvPr id="143" name="Google Shape;143;p17"/>
+          <p:cNvPr id="133" name="Google Shape;133;p16"/>
           <p:cNvSpPr/>
           <p:nvPr/>
         </p:nvSpPr>
         <p:spPr>
           <a:xfrm>
-            <a:off x="571500" y="808732"/>
-            <a:ext cx="57150" cy="600075"/>
+            <a:off x="571500" y="3857625"/>
+            <a:ext cx="11049000" cy="28575"/>
           </a:xfrm>
           <a:prstGeom prst="rect">
             <a:avLst/>
           </a:prstGeom>
           <a:solidFill>
-            <a:srgbClr val="3B82F6"/>
+            <a:srgbClr val="CBD5E1"/>
           </a:solidFill>
           <a:ln>
             <a:noFill/>
@@ -17963,16 +17752,151 @@
           </a:p>
         </p:txBody>
       </p:sp>
+      <p:pic>
+        <p:nvPicPr>
+          <p:cNvPr descr="image.png" id="134" name="Google Shape;134;p16"/>
+          <p:cNvPicPr preferRelativeResize="0"/>
+          <p:nvPr/>
+        </p:nvPicPr>
+        <p:blipFill rotWithShape="1">
+          <a:blip r:embed="rId3">
+            <a:alphaModFix/>
+          </a:blip>
+          <a:srcRect b="0" l="0" r="0" t="0"/>
+          <a:stretch/>
+        </p:blipFill>
+        <p:spPr>
+          <a:xfrm>
+            <a:off x="0" y="0"/>
+            <a:ext cx="12192000" cy="6858000"/>
+          </a:xfrm>
+          <a:prstGeom prst="rect">
+            <a:avLst/>
+          </a:prstGeom>
+          <a:noFill/>
+          <a:ln>
+            <a:noFill/>
+          </a:ln>
+        </p:spPr>
+      </p:pic>
+      <p:pic>
+        <p:nvPicPr>
+          <p:cNvPr descr="image.png" id="135" name="Google Shape;135;p16"/>
+          <p:cNvPicPr preferRelativeResize="0"/>
+          <p:nvPr/>
+        </p:nvPicPr>
+        <p:blipFill rotWithShape="1">
+          <a:blip r:embed="rId4">
+            <a:alphaModFix/>
+          </a:blip>
+          <a:srcRect b="0" l="0" r="0" t="0"/>
+          <a:stretch/>
+        </p:blipFill>
+        <p:spPr>
+          <a:xfrm>
+            <a:off x="571500" y="3134766"/>
+            <a:ext cx="1714500" cy="1474291"/>
+          </a:xfrm>
+          <a:prstGeom prst="rect">
+            <a:avLst/>
+          </a:prstGeom>
+          <a:noFill/>
+          <a:ln>
+            <a:noFill/>
+          </a:ln>
+        </p:spPr>
+      </p:pic>
+      <p:pic>
+        <p:nvPicPr>
+          <p:cNvPr descr="image.png" id="136" name="Google Shape;136;p16"/>
+          <p:cNvPicPr preferRelativeResize="0"/>
+          <p:nvPr/>
+        </p:nvPicPr>
+        <p:blipFill rotWithShape="1">
+          <a:blip r:embed="rId5">
+            <a:alphaModFix/>
+          </a:blip>
+          <a:srcRect b="0" l="0" r="0" t="0"/>
+          <a:stretch/>
+        </p:blipFill>
+        <p:spPr>
+          <a:xfrm>
+            <a:off x="3682900" y="3134766"/>
+            <a:ext cx="1714500" cy="1474291"/>
+          </a:xfrm>
+          <a:prstGeom prst="rect">
+            <a:avLst/>
+          </a:prstGeom>
+          <a:noFill/>
+          <a:ln>
+            <a:noFill/>
+          </a:ln>
+        </p:spPr>
+      </p:pic>
+      <p:pic>
+        <p:nvPicPr>
+          <p:cNvPr descr="image.png" id="137" name="Google Shape;137;p16"/>
+          <p:cNvPicPr preferRelativeResize="0"/>
+          <p:nvPr/>
+        </p:nvPicPr>
+        <p:blipFill rotWithShape="1">
+          <a:blip r:embed="rId6">
+            <a:alphaModFix/>
+          </a:blip>
+          <a:srcRect b="0" l="0" r="0" t="0"/>
+          <a:stretch/>
+        </p:blipFill>
+        <p:spPr>
+          <a:xfrm>
+            <a:off x="6794301" y="3134766"/>
+            <a:ext cx="1714500" cy="1474291"/>
+          </a:xfrm>
+          <a:prstGeom prst="rect">
+            <a:avLst/>
+          </a:prstGeom>
+          <a:noFill/>
+          <a:ln>
+            <a:noFill/>
+          </a:ln>
+        </p:spPr>
+      </p:pic>
+      <p:pic>
+        <p:nvPicPr>
+          <p:cNvPr descr="image.png" id="138" name="Google Shape;138;p16"/>
+          <p:cNvPicPr preferRelativeResize="0"/>
+          <p:nvPr/>
+        </p:nvPicPr>
+        <p:blipFill rotWithShape="1">
+          <a:blip r:embed="rId7">
+            <a:alphaModFix/>
+          </a:blip>
+          <a:srcRect b="0" l="0" r="0" t="0"/>
+          <a:stretch/>
+        </p:blipFill>
+        <p:spPr>
+          <a:xfrm>
+            <a:off x="9905702" y="3134766"/>
+            <a:ext cx="1714500" cy="1474291"/>
+          </a:xfrm>
+          <a:prstGeom prst="rect">
+            <a:avLst/>
+          </a:prstGeom>
+          <a:noFill/>
+          <a:ln>
+            <a:noFill/>
+          </a:ln>
+        </p:spPr>
+      </p:pic>
       <p:sp>
         <p:nvSpPr>
-          <p:cNvPr id="144" name="Google Shape;144;p17"/>
+          <p:cNvPr id="139" name="Google Shape;139;p16"/>
           <p:cNvSpPr txBox="1"/>
           <p:nvPr/>
         </p:nvSpPr>
         <p:spPr>
           <a:xfrm>
-            <a:off x="723900" y="1917295"/>
-            <a:ext cx="4880700" cy="1293000"/>
+            <a:off x="762000" y="571500"/>
+            <a:ext cx="11401425" cy="600075"/>
           </a:xfrm>
           <a:prstGeom prst="rect">
             <a:avLst/>
@@ -17983,7 +17907,7 @@
           </a:ln>
         </p:spPr>
         <p:txBody>
-          <a:bodyPr anchorCtr="0" anchor="t" bIns="0" lIns="4648200" spcFirstLastPara="1" rIns="0" wrap="square" tIns="0">
+          <a:bodyPr anchorCtr="0" anchor="t" bIns="0" lIns="0" spcFirstLastPara="1" rIns="0" wrap="square" tIns="0">
             <a:spAutoFit/>
           </a:bodyPr>
           <a:lstStyle/>
@@ -17998,16 +17922,16 @@
               <a:buNone/>
             </a:pPr>
             <a:r>
-              <a:rPr b="1" i="0" lang="en-US" sz="1200" u="none" cap="none" strike="noStrike">
+              <a:rPr b="0" i="0" lang="en-US" sz="3150" u="none" cap="none" strike="noStrike">
                 <a:solidFill>
-                  <a:srgbClr val="0F172A"/>
+                  <a:srgbClr val="1E3A8A"/>
                 </a:solidFill>
-                <a:latin typeface="Poppins"/>
-                <a:ea typeface="Poppins"/>
-                <a:cs typeface="Poppins"/>
-                <a:sym typeface="Poppins"/>
+                <a:latin typeface="Poppins SemiBold"/>
+                <a:ea typeface="Poppins SemiBold"/>
+                <a:cs typeface="Poppins SemiBold"/>
+                <a:sym typeface="Poppins SemiBold"/>
               </a:rPr>
-              <a:t>Input &amp; Ingestion</a:t>
+              <a:t>Milestone Progress</a:t>
             </a:r>
             <a:endParaRPr/>
           </a:p>
@@ -18015,14 +17939,173 @@
       </p:sp>
       <p:sp>
         <p:nvSpPr>
-          <p:cNvPr id="145" name="Google Shape;145;p17"/>
+          <p:cNvPr id="140" name="Google Shape;140;p16"/>
+          <p:cNvSpPr/>
+          <p:nvPr/>
+        </p:nvSpPr>
+        <p:spPr>
+          <a:xfrm>
+            <a:off x="571500" y="571500"/>
+            <a:ext cx="57150" cy="600075"/>
+          </a:xfrm>
+          <a:prstGeom prst="rect">
+            <a:avLst/>
+          </a:prstGeom>
+          <a:solidFill>
+            <a:srgbClr val="3B82F6"/>
+          </a:solidFill>
+          <a:ln>
+            <a:noFill/>
+          </a:ln>
+        </p:spPr>
+        <p:txBody>
+          <a:bodyPr anchorCtr="0" anchor="ctr" bIns="45700" lIns="91425" spcFirstLastPara="1" rIns="91425" wrap="square" tIns="45700">
+            <a:noAutofit/>
+          </a:bodyPr>
+          <a:lstStyle/>
+          <a:p>
+            <a:pPr indent="0" lvl="0" marL="0" marR="0" rtl="0" algn="ctr">
+              <a:spcBef>
+                <a:spcPts val="0"/>
+              </a:spcBef>
+              <a:spcAft>
+                <a:spcPts val="0"/>
+              </a:spcAft>
+              <a:buNone/>
+            </a:pPr>
+            <a:r>
+              <a:t/>
+            </a:r>
+            <a:endParaRPr b="0" i="0" sz="1800" u="none" cap="none" strike="noStrike">
+              <a:solidFill>
+                <a:schemeClr val="dk1"/>
+              </a:solidFill>
+              <a:latin typeface="Calibri"/>
+              <a:ea typeface="Calibri"/>
+              <a:cs typeface="Calibri"/>
+              <a:sym typeface="Calibri"/>
+            </a:endParaRPr>
+          </a:p>
+        </p:txBody>
+      </p:sp>
+      <p:pic>
+        <p:nvPicPr>
+          <p:cNvPr descr="image.png" id="141" name="Google Shape;141;p16"/>
+          <p:cNvPicPr preferRelativeResize="0"/>
+          <p:nvPr/>
+        </p:nvPicPr>
+        <p:blipFill rotWithShape="1">
+          <a:blip r:embed="rId8">
+            <a:alphaModFix/>
+          </a:blip>
+          <a:srcRect b="0" l="0" r="0" t="0"/>
+          <a:stretch/>
+        </p:blipFill>
+        <p:spPr>
+          <a:xfrm>
+            <a:off x="2884437" y="3757612"/>
+            <a:ext cx="200025" cy="228600"/>
+          </a:xfrm>
+          <a:prstGeom prst="rect">
+            <a:avLst/>
+          </a:prstGeom>
+          <a:noFill/>
+          <a:ln>
+            <a:noFill/>
+          </a:ln>
+        </p:spPr>
+      </p:pic>
+      <p:pic>
+        <p:nvPicPr>
+          <p:cNvPr descr="image.png" id="142" name="Google Shape;142;p16"/>
+          <p:cNvPicPr preferRelativeResize="0"/>
+          <p:nvPr/>
+        </p:nvPicPr>
+        <p:blipFill rotWithShape="1">
+          <a:blip r:embed="rId9">
+            <a:alphaModFix/>
+          </a:blip>
+          <a:srcRect b="0" l="0" r="0" t="0"/>
+          <a:stretch/>
+        </p:blipFill>
+        <p:spPr>
+          <a:xfrm>
+            <a:off x="5995838" y="3757612"/>
+            <a:ext cx="200025" cy="228600"/>
+          </a:xfrm>
+          <a:prstGeom prst="rect">
+            <a:avLst/>
+          </a:prstGeom>
+          <a:noFill/>
+          <a:ln>
+            <a:noFill/>
+          </a:ln>
+        </p:spPr>
+      </p:pic>
+      <p:pic>
+        <p:nvPicPr>
+          <p:cNvPr descr="image.png" id="143" name="Google Shape;143;p16"/>
+          <p:cNvPicPr preferRelativeResize="0"/>
+          <p:nvPr/>
+        </p:nvPicPr>
+        <p:blipFill rotWithShape="1">
+          <a:blip r:embed="rId9">
+            <a:alphaModFix/>
+          </a:blip>
+          <a:srcRect b="0" l="0" r="0" t="0"/>
+          <a:stretch/>
+        </p:blipFill>
+        <p:spPr>
+          <a:xfrm>
+            <a:off x="9107239" y="3757612"/>
+            <a:ext cx="200025" cy="228600"/>
+          </a:xfrm>
+          <a:prstGeom prst="rect">
+            <a:avLst/>
+          </a:prstGeom>
+          <a:noFill/>
+          <a:ln>
+            <a:noFill/>
+          </a:ln>
+        </p:spPr>
+      </p:pic>
+      <p:pic>
+        <p:nvPicPr>
+          <p:cNvPr descr="image.png" id="144" name="Google Shape;144;p16"/>
+          <p:cNvPicPr preferRelativeResize="0"/>
+          <p:nvPr/>
+        </p:nvPicPr>
+        <p:blipFill rotWithShape="1">
+          <a:blip r:embed="rId10">
+            <a:alphaModFix/>
+          </a:blip>
+          <a:srcRect b="0" l="0" r="0" t="0"/>
+          <a:stretch/>
+        </p:blipFill>
+        <p:spPr>
+          <a:xfrm>
+            <a:off x="781050" y="3344316"/>
+            <a:ext cx="1295400" cy="228600"/>
+          </a:xfrm>
+          <a:prstGeom prst="rect">
+            <a:avLst/>
+          </a:prstGeom>
+          <a:noFill/>
+          <a:ln>
+            <a:noFill/>
+          </a:ln>
+        </p:spPr>
+      </p:pic>
+      <p:sp>
+        <p:nvSpPr>
+          <p:cNvPr id="145" name="Google Shape;145;p16"/>
           <p:cNvSpPr txBox="1"/>
           <p:nvPr/>
         </p:nvSpPr>
         <p:spPr>
           <a:xfrm>
-            <a:off x="723900" y="2666107"/>
-            <a:ext cx="4648200" cy="213270"/>
+            <a:off x="748665" y="3668166"/>
+            <a:ext cx="1360170" cy="257175"/>
           </a:xfrm>
           <a:prstGeom prst="rect">
             <a:avLst/>
@@ -18038,9 +18121,59 @@
           </a:bodyPr>
           <a:lstStyle/>
           <a:p>
-            <a:pPr indent="0" lvl="0" marL="0" marR="0" rtl="0" algn="l">
+            <a:pPr indent="0" lvl="0" marL="0" marR="0" rtl="0" algn="ctr">
+              <a:spcBef>
+                <a:spcPts val="0"/>
+              </a:spcBef>
+              <a:spcAft>
+                <a:spcPts val="0"/>
+              </a:spcAft>
+              <a:buNone/>
+            </a:pPr>
+            <a:r>
+              <a:rPr b="1" i="0" lang="en-US" sz="1350" u="none" cap="none" strike="noStrike">
+                <a:solidFill>
+                  <a:srgbClr val="1E3A8A"/>
+                </a:solidFill>
+                <a:latin typeface="Poppins"/>
+                <a:ea typeface="Poppins"/>
+                <a:cs typeface="Poppins"/>
+                <a:sym typeface="Poppins"/>
+              </a:rPr>
+              <a:t>Milestone 1</a:t>
+            </a:r>
+            <a:endParaRPr/>
+          </a:p>
+        </p:txBody>
+      </p:sp>
+      <p:sp>
+        <p:nvSpPr>
+          <p:cNvPr id="146" name="Google Shape;146;p16"/>
+          <p:cNvSpPr txBox="1"/>
+          <p:nvPr/>
+        </p:nvSpPr>
+        <p:spPr>
+          <a:xfrm>
+            <a:off x="781050" y="3972966"/>
+            <a:ext cx="1295400" cy="426541"/>
+          </a:xfrm>
+          <a:prstGeom prst="rect">
+            <a:avLst/>
+          </a:prstGeom>
+          <a:noFill/>
+          <a:ln>
+            <a:noFill/>
+          </a:ln>
+        </p:spPr>
+        <p:txBody>
+          <a:bodyPr anchorCtr="0" anchor="t" bIns="0" lIns="0" spcFirstLastPara="1" rIns="0" wrap="square" tIns="0">
+            <a:spAutoFit/>
+          </a:bodyPr>
+          <a:lstStyle/>
+          <a:p>
+            <a:pPr indent="0" lvl="0" marL="0" marR="0" rtl="0" algn="ctr">
               <a:lnSpc>
-                <a:spcPct val="159904"/>
+                <a:spcPct val="93277"/>
               </a:lnSpc>
               <a:spcBef>
                 <a:spcPts val="0"/>
@@ -18060,7 +18193,107 @@
                 <a:cs typeface="Inter"/>
                 <a:sym typeface="Inter"/>
               </a:rPr>
-              <a:t>User uploads image -&gt; Preprocessing (OpenCV)</a:t>
+              <a:t>OCR Extraction</a:t>
+            </a:r>
+            <a:br>
+              <a:rPr b="0" i="0" lang="en-US" sz="1800" u="none" cap="none" strike="noStrike">
+                <a:solidFill>
+                  <a:schemeClr val="dk1"/>
+                </a:solidFill>
+                <a:latin typeface="Calibri"/>
+                <a:ea typeface="Calibri"/>
+                <a:cs typeface="Calibri"/>
+                <a:sym typeface="Calibri"/>
+              </a:rPr>
+            </a:br>
+            <a:r>
+              <a:rPr b="0" i="0" lang="en-US" sz="1050" u="none" cap="none" strike="noStrike">
+                <a:solidFill>
+                  <a:srgbClr val="475569"/>
+                </a:solidFill>
+                <a:latin typeface="Inter"/>
+                <a:ea typeface="Inter"/>
+                <a:cs typeface="Inter"/>
+                <a:sym typeface="Inter"/>
+              </a:rPr>
+              <a:t> Database Storage</a:t>
+            </a:r>
+            <a:endParaRPr/>
+          </a:p>
+        </p:txBody>
+      </p:sp>
+      <p:pic>
+        <p:nvPicPr>
+          <p:cNvPr descr="image.png" id="147" name="Google Shape;147;p16"/>
+          <p:cNvPicPr preferRelativeResize="0"/>
+          <p:nvPr/>
+        </p:nvPicPr>
+        <p:blipFill rotWithShape="1">
+          <a:blip r:embed="rId11">
+            <a:alphaModFix/>
+          </a:blip>
+          <a:srcRect b="0" l="0" r="0" t="0"/>
+          <a:stretch/>
+        </p:blipFill>
+        <p:spPr>
+          <a:xfrm>
+            <a:off x="3892450" y="3344316"/>
+            <a:ext cx="1295400" cy="228600"/>
+          </a:xfrm>
+          <a:prstGeom prst="rect">
+            <a:avLst/>
+          </a:prstGeom>
+          <a:noFill/>
+          <a:ln>
+            <a:noFill/>
+          </a:ln>
+        </p:spPr>
+      </p:pic>
+      <p:sp>
+        <p:nvSpPr>
+          <p:cNvPr id="148" name="Google Shape;148;p16"/>
+          <p:cNvSpPr txBox="1"/>
+          <p:nvPr/>
+        </p:nvSpPr>
+        <p:spPr>
+          <a:xfrm>
+            <a:off x="3860065" y="3668166"/>
+            <a:ext cx="1360170" cy="257175"/>
+          </a:xfrm>
+          <a:prstGeom prst="rect">
+            <a:avLst/>
+          </a:prstGeom>
+          <a:noFill/>
+          <a:ln>
+            <a:noFill/>
+          </a:ln>
+        </p:spPr>
+        <p:txBody>
+          <a:bodyPr anchorCtr="0" anchor="t" bIns="0" lIns="0" spcFirstLastPara="1" rIns="0" wrap="square" tIns="0">
+            <a:spAutoFit/>
+          </a:bodyPr>
+          <a:lstStyle/>
+          <a:p>
+            <a:pPr indent="0" lvl="0" marL="0" marR="0" rtl="0" algn="ctr">
+              <a:spcBef>
+                <a:spcPts val="0"/>
+              </a:spcBef>
+              <a:spcAft>
+                <a:spcPts val="0"/>
+              </a:spcAft>
+              <a:buNone/>
+            </a:pPr>
+            <a:r>
+              <a:rPr b="1" i="0" lang="en-US" sz="1350" u="none" cap="none" strike="noStrike">
+                <a:solidFill>
+                  <a:srgbClr val="1E3A8A"/>
+                </a:solidFill>
+                <a:latin typeface="Poppins"/>
+                <a:ea typeface="Poppins"/>
+                <a:cs typeface="Poppins"/>
+                <a:sym typeface="Poppins"/>
+              </a:rPr>
+              <a:t>Milestone 2</a:t>
             </a:r>
             <a:endParaRPr/>
           </a:p>
@@ -18068,64 +18301,14 @@
       </p:sp>
       <p:sp>
         <p:nvSpPr>
-          <p:cNvPr id="146" name="Google Shape;146;p17"/>
+          <p:cNvPr id="149" name="Google Shape;149;p16"/>
           <p:cNvSpPr txBox="1"/>
           <p:nvPr/>
         </p:nvSpPr>
         <p:spPr>
           <a:xfrm>
-            <a:off x="762000" y="3374677"/>
-            <a:ext cx="4840605" cy="771525"/>
-          </a:xfrm>
-          <a:prstGeom prst="rect">
-            <a:avLst/>
-          </a:prstGeom>
-          <a:noFill/>
-          <a:ln>
-            <a:noFill/>
-          </a:ln>
-        </p:spPr>
-        <p:txBody>
-          <a:bodyPr anchorCtr="0" anchor="t" bIns="0" lIns="4610100" spcFirstLastPara="1" rIns="0" wrap="square" tIns="0">
-            <a:spAutoFit/>
-          </a:bodyPr>
-          <a:lstStyle/>
-          <a:p>
-            <a:pPr indent="0" lvl="0" marL="0" marR="0" rtl="0" algn="l">
-              <a:spcBef>
-                <a:spcPts val="0"/>
-              </a:spcBef>
-              <a:spcAft>
-                <a:spcPts val="0"/>
-              </a:spcAft>
-              <a:buNone/>
-            </a:pPr>
-            <a:r>
-              <a:rPr b="1" i="0" lang="en-US" sz="1200" u="none" cap="none" strike="noStrike">
-                <a:solidFill>
-                  <a:srgbClr val="0F172A"/>
-                </a:solidFill>
-                <a:latin typeface="Poppins"/>
-                <a:ea typeface="Poppins"/>
-                <a:cs typeface="Poppins"/>
-                <a:sym typeface="Poppins"/>
-              </a:rPr>
-              <a:t>Core Processing</a:t>
-            </a:r>
-            <a:endParaRPr/>
-          </a:p>
-        </p:txBody>
-      </p:sp>
-      <p:sp>
-        <p:nvSpPr>
-          <p:cNvPr id="147" name="Google Shape;147;p17"/>
-          <p:cNvSpPr txBox="1"/>
-          <p:nvPr/>
-        </p:nvSpPr>
-        <p:spPr>
-          <a:xfrm>
-            <a:off x="762000" y="4193827"/>
-            <a:ext cx="4610100" cy="213270"/>
+            <a:off x="3892450" y="3972966"/>
+            <a:ext cx="1295400" cy="426541"/>
           </a:xfrm>
           <a:prstGeom prst="rect">
             <a:avLst/>
@@ -18141,9 +18324,9 @@
           </a:bodyPr>
           <a:lstStyle/>
           <a:p>
-            <a:pPr indent="0" lvl="0" marL="0" marR="0" rtl="0" algn="l">
+            <a:pPr indent="0" lvl="0" marL="0" marR="0" rtl="0" algn="ctr">
               <a:lnSpc>
-                <a:spcPct val="159904"/>
+                <a:spcPct val="93277"/>
               </a:lnSpc>
               <a:spcBef>
                 <a:spcPts val="0"/>
@@ -18163,7 +18346,107 @@
                 <a:cs typeface="Inter"/>
                 <a:sym typeface="Inter"/>
               </a:rPr>
-              <a:t>OCR (Gemini) -&gt; Template Parser -&gt; Validation</a:t>
+              <a:t>Data Validation</a:t>
+            </a:r>
+            <a:br>
+              <a:rPr b="0" i="0" lang="en-US" sz="1800" u="none" cap="none" strike="noStrike">
+                <a:solidFill>
+                  <a:schemeClr val="dk1"/>
+                </a:solidFill>
+                <a:latin typeface="Calibri"/>
+                <a:ea typeface="Calibri"/>
+                <a:cs typeface="Calibri"/>
+                <a:sym typeface="Calibri"/>
+              </a:rPr>
+            </a:br>
+            <a:r>
+              <a:rPr b="0" i="0" lang="en-US" sz="1050" u="none" cap="none" strike="noStrike">
+                <a:solidFill>
+                  <a:srgbClr val="475569"/>
+                </a:solidFill>
+                <a:latin typeface="Inter"/>
+                <a:ea typeface="Inter"/>
+                <a:cs typeface="Inter"/>
+                <a:sym typeface="Inter"/>
+              </a:rPr>
+              <a:t> Duplicate Detection</a:t>
+            </a:r>
+            <a:endParaRPr/>
+          </a:p>
+        </p:txBody>
+      </p:sp>
+      <p:pic>
+        <p:nvPicPr>
+          <p:cNvPr descr="image.png" id="150" name="Google Shape;150;p16"/>
+          <p:cNvPicPr preferRelativeResize="0"/>
+          <p:nvPr/>
+        </p:nvPicPr>
+        <p:blipFill rotWithShape="1">
+          <a:blip r:embed="rId12">
+            <a:alphaModFix/>
+          </a:blip>
+          <a:srcRect b="0" l="0" r="0" t="0"/>
+          <a:stretch/>
+        </p:blipFill>
+        <p:spPr>
+          <a:xfrm>
+            <a:off x="7003851" y="3344316"/>
+            <a:ext cx="1295400" cy="228600"/>
+          </a:xfrm>
+          <a:prstGeom prst="rect">
+            <a:avLst/>
+          </a:prstGeom>
+          <a:noFill/>
+          <a:ln>
+            <a:noFill/>
+          </a:ln>
+        </p:spPr>
+      </p:pic>
+      <p:sp>
+        <p:nvSpPr>
+          <p:cNvPr id="151" name="Google Shape;151;p16"/>
+          <p:cNvSpPr txBox="1"/>
+          <p:nvPr/>
+        </p:nvSpPr>
+        <p:spPr>
+          <a:xfrm>
+            <a:off x="6971466" y="3668166"/>
+            <a:ext cx="1360170" cy="257175"/>
+          </a:xfrm>
+          <a:prstGeom prst="rect">
+            <a:avLst/>
+          </a:prstGeom>
+          <a:noFill/>
+          <a:ln>
+            <a:noFill/>
+          </a:ln>
+        </p:spPr>
+        <p:txBody>
+          <a:bodyPr anchorCtr="0" anchor="t" bIns="0" lIns="0" spcFirstLastPara="1" rIns="0" wrap="square" tIns="0">
+            <a:spAutoFit/>
+          </a:bodyPr>
+          <a:lstStyle/>
+          <a:p>
+            <a:pPr indent="0" lvl="0" marL="0" marR="0" rtl="0" algn="ctr">
+              <a:spcBef>
+                <a:spcPts val="0"/>
+              </a:spcBef>
+              <a:spcAft>
+                <a:spcPts val="0"/>
+              </a:spcAft>
+              <a:buNone/>
+            </a:pPr>
+            <a:r>
+              <a:rPr b="1" i="0" lang="en-US" sz="1350" u="none" cap="none" strike="noStrike">
+                <a:solidFill>
+                  <a:srgbClr val="1E3A8A"/>
+                </a:solidFill>
+                <a:latin typeface="Poppins"/>
+                <a:ea typeface="Poppins"/>
+                <a:cs typeface="Poppins"/>
+                <a:sym typeface="Poppins"/>
+              </a:rPr>
+              <a:t>Milestone 3</a:t>
             </a:r>
             <a:endParaRPr/>
           </a:p>
@@ -18171,64 +18454,14 @@
       </p:sp>
       <p:sp>
         <p:nvSpPr>
-          <p:cNvPr id="148" name="Google Shape;148;p17"/>
+          <p:cNvPr id="152" name="Google Shape;152;p16"/>
           <p:cNvSpPr txBox="1"/>
           <p:nvPr/>
         </p:nvSpPr>
         <p:spPr>
           <a:xfrm>
-            <a:off x="723900" y="4902398"/>
-            <a:ext cx="4880610" cy="771525"/>
-          </a:xfrm>
-          <a:prstGeom prst="rect">
-            <a:avLst/>
-          </a:prstGeom>
-          <a:noFill/>
-          <a:ln>
-            <a:noFill/>
-          </a:ln>
-        </p:spPr>
-        <p:txBody>
-          <a:bodyPr anchorCtr="0" anchor="t" bIns="0" lIns="4648200" spcFirstLastPara="1" rIns="0" wrap="square" tIns="0">
-            <a:spAutoFit/>
-          </a:bodyPr>
-          <a:lstStyle/>
-          <a:p>
-            <a:pPr indent="0" lvl="0" marL="0" marR="0" rtl="0" algn="l">
-              <a:spcBef>
-                <a:spcPts val="0"/>
-              </a:spcBef>
-              <a:spcAft>
-                <a:spcPts val="0"/>
-              </a:spcAft>
-              <a:buNone/>
-            </a:pPr>
-            <a:r>
-              <a:rPr b="1" i="0" lang="en-US" sz="1200" u="none" cap="none" strike="noStrike">
-                <a:solidFill>
-                  <a:srgbClr val="0F172A"/>
-                </a:solidFill>
-                <a:latin typeface="Poppins"/>
-                <a:ea typeface="Poppins"/>
-                <a:cs typeface="Poppins"/>
-                <a:sym typeface="Poppins"/>
-              </a:rPr>
-              <a:t>Storage &amp; Output</a:t>
-            </a:r>
-            <a:endParaRPr/>
-          </a:p>
-        </p:txBody>
-      </p:sp>
-      <p:sp>
-        <p:nvSpPr>
-          <p:cNvPr id="149" name="Google Shape;149;p17"/>
-          <p:cNvSpPr txBox="1"/>
-          <p:nvPr/>
-        </p:nvSpPr>
-        <p:spPr>
-          <a:xfrm>
-            <a:off x="723900" y="5721548"/>
-            <a:ext cx="4648200" cy="213270"/>
+            <a:off x="7003851" y="3972966"/>
+            <a:ext cx="1295400" cy="426541"/>
           </a:xfrm>
           <a:prstGeom prst="rect">
             <a:avLst/>
@@ -18244,9 +18477,9 @@
           </a:bodyPr>
           <a:lstStyle/>
           <a:p>
-            <a:pPr indent="0" lvl="0" marL="0" marR="0" rtl="0" algn="l">
+            <a:pPr indent="0" lvl="0" marL="0" marR="0" rtl="0" algn="ctr">
               <a:lnSpc>
-                <a:spcPct val="159904"/>
+                <a:spcPct val="93277"/>
               </a:lnSpc>
               <a:spcBef>
                 <a:spcPts val="0"/>
@@ -18266,7 +18499,30 @@
                 <a:cs typeface="Inter"/>
                 <a:sym typeface="Inter"/>
               </a:rPr>
-              <a:t>SQLite Database -&gt; Streamlit Dashboard -&gt; Insights</a:t>
+              <a:t>Dashboard UI</a:t>
+            </a:r>
+            <a:br>
+              <a:rPr b="0" i="0" lang="en-US" sz="1800" u="none" cap="none" strike="noStrike">
+                <a:solidFill>
+                  <a:schemeClr val="dk1"/>
+                </a:solidFill>
+                <a:latin typeface="Calibri"/>
+                <a:ea typeface="Calibri"/>
+                <a:cs typeface="Calibri"/>
+                <a:sym typeface="Calibri"/>
+              </a:rPr>
+            </a:br>
+            <a:r>
+              <a:rPr b="0" i="0" lang="en-US" sz="1050" u="none" cap="none" strike="noStrike">
+                <a:solidFill>
+                  <a:srgbClr val="475569"/>
+                </a:solidFill>
+                <a:latin typeface="Inter"/>
+                <a:ea typeface="Inter"/>
+                <a:cs typeface="Inter"/>
+                <a:sym typeface="Inter"/>
+              </a:rPr>
+              <a:t> Charts &amp; Analytics</a:t>
             </a:r>
             <a:endParaRPr/>
           </a:p>
@@ -18274,12 +18530,12 @@
       </p:sp>
       <p:pic>
         <p:nvPicPr>
-          <p:cNvPr descr="image.png" id="150" name="Google Shape;150;p17"/>
+          <p:cNvPr descr="image.png" id="153" name="Google Shape;153;p16"/>
           <p:cNvPicPr preferRelativeResize="0"/>
           <p:nvPr/>
         </p:nvPicPr>
         <p:blipFill rotWithShape="1">
-          <a:blip r:embed="rId7">
+          <a:blip r:embed="rId13">
             <a:alphaModFix/>
           </a:blip>
           <a:srcRect b="0" l="0" r="0" t="0"/>
@@ -18287,8 +18543,8 @@
         </p:blipFill>
         <p:spPr>
           <a:xfrm>
-            <a:off x="723900" y="1846957"/>
-            <a:ext cx="4648200" cy="342900"/>
+            <a:off x="10115252" y="3344316"/>
+            <a:ext cx="1295400" cy="228600"/>
           </a:xfrm>
           <a:prstGeom prst="rect">
             <a:avLst/>
@@ -18299,68 +18555,165 @@
           </a:ln>
         </p:spPr>
       </p:pic>
+      <p:sp>
+        <p:nvSpPr>
+          <p:cNvPr id="154" name="Google Shape;154;p16"/>
+          <p:cNvSpPr txBox="1"/>
+          <p:nvPr/>
+        </p:nvSpPr>
+        <p:spPr>
+          <a:xfrm>
+            <a:off x="10082867" y="3668166"/>
+            <a:ext cx="1360170" cy="257175"/>
+          </a:xfrm>
+          <a:prstGeom prst="rect">
+            <a:avLst/>
+          </a:prstGeom>
+          <a:noFill/>
+          <a:ln>
+            <a:noFill/>
+          </a:ln>
+        </p:spPr>
+        <p:txBody>
+          <a:bodyPr anchorCtr="0" anchor="t" bIns="0" lIns="0" spcFirstLastPara="1" rIns="0" wrap="square" tIns="0">
+            <a:spAutoFit/>
+          </a:bodyPr>
+          <a:lstStyle/>
+          <a:p>
+            <a:pPr indent="0" lvl="0" marL="0" marR="0" rtl="0" algn="ctr">
+              <a:spcBef>
+                <a:spcPts val="0"/>
+              </a:spcBef>
+              <a:spcAft>
+                <a:spcPts val="0"/>
+              </a:spcAft>
+              <a:buNone/>
+            </a:pPr>
+            <a:r>
+              <a:rPr b="1" i="0" lang="en-US" sz="1350" u="none" cap="none" strike="noStrike">
+                <a:solidFill>
+                  <a:srgbClr val="1E3A8A"/>
+                </a:solidFill>
+                <a:latin typeface="Poppins"/>
+                <a:ea typeface="Poppins"/>
+                <a:cs typeface="Poppins"/>
+                <a:sym typeface="Poppins"/>
+              </a:rPr>
+              <a:t>Milestone 4</a:t>
+            </a:r>
+            <a:endParaRPr/>
+          </a:p>
+        </p:txBody>
+      </p:sp>
+      <p:sp>
+        <p:nvSpPr>
+          <p:cNvPr id="155" name="Google Shape;155;p16"/>
+          <p:cNvSpPr txBox="1"/>
+          <p:nvPr/>
+        </p:nvSpPr>
+        <p:spPr>
+          <a:xfrm>
+            <a:off x="10115252" y="3972966"/>
+            <a:ext cx="1295400" cy="426541"/>
+          </a:xfrm>
+          <a:prstGeom prst="rect">
+            <a:avLst/>
+          </a:prstGeom>
+          <a:noFill/>
+          <a:ln>
+            <a:noFill/>
+          </a:ln>
+        </p:spPr>
+        <p:txBody>
+          <a:bodyPr anchorCtr="0" anchor="t" bIns="0" lIns="0" spcFirstLastPara="1" rIns="0" wrap="square" tIns="0">
+            <a:spAutoFit/>
+          </a:bodyPr>
+          <a:lstStyle/>
+          <a:p>
+            <a:pPr indent="0" lvl="0" marL="0" marR="0" rtl="0" algn="ctr">
+              <a:lnSpc>
+                <a:spcPct val="93277"/>
+              </a:lnSpc>
+              <a:spcBef>
+                <a:spcPts val="0"/>
+              </a:spcBef>
+              <a:spcAft>
+                <a:spcPts val="0"/>
+              </a:spcAft>
+              <a:buNone/>
+            </a:pPr>
+            <a:r>
+              <a:rPr b="0" i="0" lang="en-US" sz="1050" u="none" cap="none" strike="noStrike">
+                <a:solidFill>
+                  <a:srgbClr val="475569"/>
+                </a:solidFill>
+                <a:latin typeface="Inter"/>
+                <a:ea typeface="Inter"/>
+                <a:cs typeface="Inter"/>
+                <a:sym typeface="Inter"/>
+              </a:rPr>
+              <a:t>Template Parsing</a:t>
+            </a:r>
+            <a:br>
+              <a:rPr b="0" i="0" lang="en-US" sz="1800" u="none" cap="none" strike="noStrike">
+                <a:solidFill>
+                  <a:schemeClr val="dk1"/>
+                </a:solidFill>
+                <a:latin typeface="Calibri"/>
+                <a:ea typeface="Calibri"/>
+                <a:cs typeface="Calibri"/>
+                <a:sym typeface="Calibri"/>
+              </a:rPr>
+            </a:br>
+            <a:r>
+              <a:rPr b="0" i="0" lang="en-US" sz="1050" u="none" cap="none" strike="noStrike">
+                <a:solidFill>
+                  <a:srgbClr val="475569"/>
+                </a:solidFill>
+                <a:latin typeface="Inter"/>
+                <a:ea typeface="Inter"/>
+                <a:cs typeface="Inter"/>
+                <a:sym typeface="Inter"/>
+              </a:rPr>
+              <a:t> Accuracy Boost</a:t>
+            </a:r>
+            <a:endParaRPr/>
+          </a:p>
+        </p:txBody>
+      </p:sp>
+    </p:spTree>
+  </p:cSld>
+  <p:clrMapOvr>
+    <a:masterClrMapping/>
+  </p:clrMapOvr>
+</p:sld>
+</file>
+
+<file path=ppt/slides/slide5.xml><?xml version="1.0" encoding="utf-8"?>
+<p:sld xmlns:a="http://schemas.openxmlformats.org/drawingml/2006/main" xmlns:r="http://schemas.openxmlformats.org/officeDocument/2006/relationships" xmlns:mc="http://schemas.openxmlformats.org/markup-compatibility/2006" xmlns:mv="urn:schemas-microsoft-com:mac:vml" xmlns:p="http://schemas.openxmlformats.org/presentationml/2006/main" xmlns:c="http://schemas.openxmlformats.org/drawingml/2006/chart" xmlns:dgm="http://schemas.openxmlformats.org/drawingml/2006/diagram" xmlns:o="urn:schemas-microsoft-com:office:office" xmlns:v="urn:schemas-microsoft-com:vml" xmlns:pvml="urn:schemas-microsoft-com:office:powerpoint" xmlns:com="http://schemas.openxmlformats.org/drawingml/2006/compatibility" xmlns:p14="http://schemas.microsoft.com/office/powerpoint/2010/main" xmlns:p15="http://schemas.microsoft.com/office/powerpoint/2012/main" xmlns:ahyp="http://schemas.microsoft.com/office/drawing/2018/hyperlinkcolor">
+  <p:cSld>
+    <p:spTree>
+      <p:nvGrpSpPr>
+        <p:cNvPr id="159" name="Shape 159"/>
+        <p:cNvGrpSpPr/>
+        <p:nvPr/>
+      </p:nvGrpSpPr>
+      <p:grpSpPr>
+        <a:xfrm>
+          <a:off x="0" y="0"/>
+          <a:ext cx="0" cy="0"/>
+          <a:chOff x="0" y="0"/>
+          <a:chExt cx="0" cy="0"/>
+        </a:xfrm>
+      </p:grpSpPr>
       <p:pic>
         <p:nvPicPr>
-          <p:cNvPr descr="image.png" id="151" name="Google Shape;151;p17"/>
-          <p:cNvPicPr preferRelativeResize="0"/>
-          <p:nvPr/>
-        </p:nvPicPr>
-        <p:blipFill rotWithShape="1">
-          <a:blip r:embed="rId8">
-            <a:alphaModFix/>
-          </a:blip>
-          <a:srcRect b="0" l="0" r="0" t="0"/>
-          <a:stretch/>
-        </p:blipFill>
-        <p:spPr>
-          <a:xfrm>
-            <a:off x="762000" y="3374677"/>
-            <a:ext cx="4610100" cy="342900"/>
-          </a:xfrm>
-          <a:prstGeom prst="rect">
-            <a:avLst/>
-          </a:prstGeom>
-          <a:noFill/>
-          <a:ln>
-            <a:noFill/>
-          </a:ln>
-        </p:spPr>
-      </p:pic>
-      <p:pic>
-        <p:nvPicPr>
-          <p:cNvPr descr="image.png" id="152" name="Google Shape;152;p17"/>
-          <p:cNvPicPr preferRelativeResize="0"/>
-          <p:nvPr/>
-        </p:nvPicPr>
-        <p:blipFill rotWithShape="1">
-          <a:blip r:embed="rId9">
-            <a:alphaModFix/>
-          </a:blip>
-          <a:srcRect b="0" l="0" r="0" t="0"/>
-          <a:stretch/>
-        </p:blipFill>
-        <p:spPr>
-          <a:xfrm>
-            <a:off x="723900" y="4902398"/>
-            <a:ext cx="4648200" cy="342900"/>
-          </a:xfrm>
-          <a:prstGeom prst="rect">
-            <a:avLst/>
-          </a:prstGeom>
-          <a:noFill/>
-          <a:ln>
-            <a:noFill/>
-          </a:ln>
-        </p:spPr>
-      </p:pic>
-      <p:pic>
-        <p:nvPicPr>
-          <p:cNvPr descr="Beautify this slide" id="153" name="Google Shape;153;p17"/>
+          <p:cNvPr descr="Beautify this slide" id="160" name="Google Shape;160;p17"/>
           <p:cNvPicPr preferRelativeResize="0"/>
           <p:nvPr/>
         </p:nvPicPr>
         <p:blipFill>
-          <a:blip r:embed="rId10">
+          <a:blip r:embed="rId3">
             <a:alphaModFix/>
           </a:blip>
           <a:stretch>
@@ -18369,8 +18722,8 @@
         </p:blipFill>
         <p:spPr>
           <a:xfrm>
-            <a:off x="0" y="32059"/>
-            <a:ext cx="12192000" cy="6786572"/>
+            <a:off x="-47625" y="0"/>
+            <a:ext cx="12287250" cy="6858000"/>
           </a:xfrm>
           <a:prstGeom prst="rect">
             <a:avLst/>
@@ -18401,7 +18754,7 @@
     </p:bg>
     <p:spTree>
       <p:nvGrpSpPr>
-        <p:cNvPr id="157" name="Shape 157"/>
+        <p:cNvPr id="164" name="Shape 164"/>
         <p:cNvGrpSpPr/>
         <p:nvPr/>
       </p:nvGrpSpPr>
@@ -18415,7 +18768,7 @@
       </p:grpSpPr>
       <p:pic>
         <p:nvPicPr>
-          <p:cNvPr descr="image.png" id="158" name="Google Shape;158;p18"/>
+          <p:cNvPr descr="image.png" id="165" name="Google Shape;165;p18"/>
           <p:cNvPicPr preferRelativeResize="0"/>
           <p:nvPr/>
         </p:nvPicPr>
@@ -18442,7 +18795,7 @@
       </p:pic>
       <p:pic>
         <p:nvPicPr>
-          <p:cNvPr descr="image.png" id="159" name="Google Shape;159;p18"/>
+          <p:cNvPr descr="image.png" id="166" name="Google Shape;166;p18"/>
           <p:cNvPicPr preferRelativeResize="0"/>
           <p:nvPr/>
         </p:nvPicPr>
@@ -18455,8 +18808,8 @@
         </p:blipFill>
         <p:spPr>
           <a:xfrm>
-            <a:off x="571500" y="1700212"/>
-            <a:ext cx="5381625" cy="2028825"/>
+            <a:off x="571500" y="1694557"/>
+            <a:ext cx="4953000" cy="1337220"/>
           </a:xfrm>
           <a:prstGeom prst="rect">
             <a:avLst/>
@@ -18469,7 +18822,7 @@
       </p:pic>
       <p:pic>
         <p:nvPicPr>
-          <p:cNvPr descr="image.png" id="160" name="Google Shape;160;p18"/>
+          <p:cNvPr descr="image.png" id="167" name="Google Shape;167;p18"/>
           <p:cNvPicPr preferRelativeResize="0"/>
           <p:nvPr/>
         </p:nvPicPr>
@@ -18482,8 +18835,8 @@
         </p:blipFill>
         <p:spPr>
           <a:xfrm>
-            <a:off x="6238875" y="1700212"/>
-            <a:ext cx="5381625" cy="2028825"/>
+            <a:off x="571500" y="3222277"/>
+            <a:ext cx="4953000" cy="1337220"/>
           </a:xfrm>
           <a:prstGeom prst="rect">
             <a:avLst/>
@@ -18496,7 +18849,7 @@
       </p:pic>
       <p:pic>
         <p:nvPicPr>
-          <p:cNvPr descr="image.png" id="161" name="Google Shape;161;p18"/>
+          <p:cNvPr descr="image.png" id="168" name="Google Shape;168;p18"/>
           <p:cNvPicPr preferRelativeResize="0"/>
           <p:nvPr/>
         </p:nvPicPr>
@@ -18509,35 +18862,8 @@
         </p:blipFill>
         <p:spPr>
           <a:xfrm>
-            <a:off x="571500" y="4014787"/>
-            <a:ext cx="5381625" cy="2028825"/>
-          </a:xfrm>
-          <a:prstGeom prst="rect">
-            <a:avLst/>
-          </a:prstGeom>
-          <a:noFill/>
-          <a:ln>
-            <a:noFill/>
-          </a:ln>
-        </p:spPr>
-      </p:pic>
-      <p:pic>
-        <p:nvPicPr>
-          <p:cNvPr descr="image.png" id="162" name="Google Shape;162;p18"/>
-          <p:cNvPicPr preferRelativeResize="0"/>
-          <p:nvPr/>
-        </p:nvPicPr>
-        <p:blipFill rotWithShape="1">
-          <a:blip r:embed="rId7">
-            <a:alphaModFix/>
-          </a:blip>
-          <a:srcRect b="0" l="0" r="0" t="0"/>
-          <a:stretch/>
-        </p:blipFill>
-        <p:spPr>
-          <a:xfrm>
-            <a:off x="6238875" y="4014787"/>
-            <a:ext cx="5381625" cy="2028825"/>
+            <a:off x="571500" y="4749998"/>
+            <a:ext cx="4953000" cy="1337220"/>
           </a:xfrm>
           <a:prstGeom prst="rect">
             <a:avLst/>
@@ -18550,14 +18876,14 @@
       </p:pic>
       <p:sp>
         <p:nvSpPr>
-          <p:cNvPr id="163" name="Google Shape;163;p18"/>
+          <p:cNvPr id="169" name="Google Shape;169;p18"/>
           <p:cNvSpPr txBox="1"/>
           <p:nvPr/>
         </p:nvSpPr>
         <p:spPr>
           <a:xfrm>
-            <a:off x="762000" y="571500"/>
-            <a:ext cx="11401425" cy="600075"/>
+            <a:off x="762000" y="808732"/>
+            <a:ext cx="5000625" cy="600075"/>
           </a:xfrm>
           <a:prstGeom prst="rect">
             <a:avLst/>
@@ -18592,7 +18918,7 @@
                 <a:cs typeface="Poppins SemiBold"/>
                 <a:sym typeface="Poppins SemiBold"/>
               </a:rPr>
-              <a:t>Technology Stack</a:t>
+              <a:t>System Architecture</a:t>
             </a:r>
             <a:endParaRPr/>
           </a:p>
@@ -18600,13 +18926,13 @@
       </p:sp>
       <p:sp>
         <p:nvSpPr>
-          <p:cNvPr id="164" name="Google Shape;164;p18"/>
+          <p:cNvPr id="170" name="Google Shape;170;p18"/>
           <p:cNvSpPr/>
           <p:nvPr/>
         </p:nvSpPr>
         <p:spPr>
           <a:xfrm>
-            <a:off x="571500" y="571500"/>
+            <a:off x="571500" y="808732"/>
             <a:ext cx="57150" cy="600075"/>
           </a:xfrm>
           <a:prstGeom prst="rect">
@@ -18649,9 +18975,345 @@
           </a:p>
         </p:txBody>
       </p:sp>
+      <p:sp>
+        <p:nvSpPr>
+          <p:cNvPr id="171" name="Google Shape;171;p18"/>
+          <p:cNvSpPr txBox="1"/>
+          <p:nvPr/>
+        </p:nvSpPr>
+        <p:spPr>
+          <a:xfrm>
+            <a:off x="723900" y="1917295"/>
+            <a:ext cx="4880700" cy="1293000"/>
+          </a:xfrm>
+          <a:prstGeom prst="rect">
+            <a:avLst/>
+          </a:prstGeom>
+          <a:noFill/>
+          <a:ln>
+            <a:noFill/>
+          </a:ln>
+        </p:spPr>
+        <p:txBody>
+          <a:bodyPr anchorCtr="0" anchor="t" bIns="0" lIns="4648200" spcFirstLastPara="1" rIns="0" wrap="square" tIns="0">
+            <a:spAutoFit/>
+          </a:bodyPr>
+          <a:lstStyle/>
+          <a:p>
+            <a:pPr indent="0" lvl="0" marL="0" marR="0" rtl="0" algn="l">
+              <a:spcBef>
+                <a:spcPts val="0"/>
+              </a:spcBef>
+              <a:spcAft>
+                <a:spcPts val="0"/>
+              </a:spcAft>
+              <a:buNone/>
+            </a:pPr>
+            <a:r>
+              <a:rPr b="1" i="0" lang="en-US" sz="1200" u="none" cap="none" strike="noStrike">
+                <a:solidFill>
+                  <a:srgbClr val="0F172A"/>
+                </a:solidFill>
+                <a:latin typeface="Poppins"/>
+                <a:ea typeface="Poppins"/>
+                <a:cs typeface="Poppins"/>
+                <a:sym typeface="Poppins"/>
+              </a:rPr>
+              <a:t>Input &amp; Ingestion</a:t>
+            </a:r>
+            <a:endParaRPr/>
+          </a:p>
+        </p:txBody>
+      </p:sp>
+      <p:sp>
+        <p:nvSpPr>
+          <p:cNvPr id="172" name="Google Shape;172;p18"/>
+          <p:cNvSpPr txBox="1"/>
+          <p:nvPr/>
+        </p:nvSpPr>
+        <p:spPr>
+          <a:xfrm>
+            <a:off x="723900" y="2666107"/>
+            <a:ext cx="4648200" cy="213270"/>
+          </a:xfrm>
+          <a:prstGeom prst="rect">
+            <a:avLst/>
+          </a:prstGeom>
+          <a:noFill/>
+          <a:ln>
+            <a:noFill/>
+          </a:ln>
+        </p:spPr>
+        <p:txBody>
+          <a:bodyPr anchorCtr="0" anchor="t" bIns="0" lIns="0" spcFirstLastPara="1" rIns="0" wrap="square" tIns="0">
+            <a:spAutoFit/>
+          </a:bodyPr>
+          <a:lstStyle/>
+          <a:p>
+            <a:pPr indent="0" lvl="0" marL="0" marR="0" rtl="0" algn="l">
+              <a:lnSpc>
+                <a:spcPct val="159904"/>
+              </a:lnSpc>
+              <a:spcBef>
+                <a:spcPts val="0"/>
+              </a:spcBef>
+              <a:spcAft>
+                <a:spcPts val="0"/>
+              </a:spcAft>
+              <a:buNone/>
+            </a:pPr>
+            <a:r>
+              <a:rPr b="0" i="0" lang="en-US" sz="1050" u="none" cap="none" strike="noStrike">
+                <a:solidFill>
+                  <a:srgbClr val="475569"/>
+                </a:solidFill>
+                <a:latin typeface="Inter"/>
+                <a:ea typeface="Inter"/>
+                <a:cs typeface="Inter"/>
+                <a:sym typeface="Inter"/>
+              </a:rPr>
+              <a:t>User uploads image -&gt; Preprocessing (OpenCV)</a:t>
+            </a:r>
+            <a:endParaRPr/>
+          </a:p>
+        </p:txBody>
+      </p:sp>
+      <p:sp>
+        <p:nvSpPr>
+          <p:cNvPr id="173" name="Google Shape;173;p18"/>
+          <p:cNvSpPr txBox="1"/>
+          <p:nvPr/>
+        </p:nvSpPr>
+        <p:spPr>
+          <a:xfrm>
+            <a:off x="762000" y="3374677"/>
+            <a:ext cx="4840605" cy="771525"/>
+          </a:xfrm>
+          <a:prstGeom prst="rect">
+            <a:avLst/>
+          </a:prstGeom>
+          <a:noFill/>
+          <a:ln>
+            <a:noFill/>
+          </a:ln>
+        </p:spPr>
+        <p:txBody>
+          <a:bodyPr anchorCtr="0" anchor="t" bIns="0" lIns="4610100" spcFirstLastPara="1" rIns="0" wrap="square" tIns="0">
+            <a:spAutoFit/>
+          </a:bodyPr>
+          <a:lstStyle/>
+          <a:p>
+            <a:pPr indent="0" lvl="0" marL="0" marR="0" rtl="0" algn="l">
+              <a:spcBef>
+                <a:spcPts val="0"/>
+              </a:spcBef>
+              <a:spcAft>
+                <a:spcPts val="0"/>
+              </a:spcAft>
+              <a:buNone/>
+            </a:pPr>
+            <a:r>
+              <a:rPr b="1" i="0" lang="en-US" sz="1200" u="none" cap="none" strike="noStrike">
+                <a:solidFill>
+                  <a:srgbClr val="0F172A"/>
+                </a:solidFill>
+                <a:latin typeface="Poppins"/>
+                <a:ea typeface="Poppins"/>
+                <a:cs typeface="Poppins"/>
+                <a:sym typeface="Poppins"/>
+              </a:rPr>
+              <a:t>Core Processing</a:t>
+            </a:r>
+            <a:endParaRPr/>
+          </a:p>
+        </p:txBody>
+      </p:sp>
+      <p:sp>
+        <p:nvSpPr>
+          <p:cNvPr id="174" name="Google Shape;174;p18"/>
+          <p:cNvSpPr txBox="1"/>
+          <p:nvPr/>
+        </p:nvSpPr>
+        <p:spPr>
+          <a:xfrm>
+            <a:off x="762000" y="4193827"/>
+            <a:ext cx="4610100" cy="213270"/>
+          </a:xfrm>
+          <a:prstGeom prst="rect">
+            <a:avLst/>
+          </a:prstGeom>
+          <a:noFill/>
+          <a:ln>
+            <a:noFill/>
+          </a:ln>
+        </p:spPr>
+        <p:txBody>
+          <a:bodyPr anchorCtr="0" anchor="t" bIns="0" lIns="0" spcFirstLastPara="1" rIns="0" wrap="square" tIns="0">
+            <a:spAutoFit/>
+          </a:bodyPr>
+          <a:lstStyle/>
+          <a:p>
+            <a:pPr indent="0" lvl="0" marL="0" marR="0" rtl="0" algn="l">
+              <a:lnSpc>
+                <a:spcPct val="159904"/>
+              </a:lnSpc>
+              <a:spcBef>
+                <a:spcPts val="0"/>
+              </a:spcBef>
+              <a:spcAft>
+                <a:spcPts val="0"/>
+              </a:spcAft>
+              <a:buNone/>
+            </a:pPr>
+            <a:r>
+              <a:rPr b="0" i="0" lang="en-US" sz="1050" u="none" cap="none" strike="noStrike">
+                <a:solidFill>
+                  <a:srgbClr val="475569"/>
+                </a:solidFill>
+                <a:latin typeface="Inter"/>
+                <a:ea typeface="Inter"/>
+                <a:cs typeface="Inter"/>
+                <a:sym typeface="Inter"/>
+              </a:rPr>
+              <a:t>OCR (Gemini) -&gt; Template Parser -&gt; Validation</a:t>
+            </a:r>
+            <a:endParaRPr/>
+          </a:p>
+        </p:txBody>
+      </p:sp>
+      <p:sp>
+        <p:nvSpPr>
+          <p:cNvPr id="175" name="Google Shape;175;p18"/>
+          <p:cNvSpPr txBox="1"/>
+          <p:nvPr/>
+        </p:nvSpPr>
+        <p:spPr>
+          <a:xfrm>
+            <a:off x="723900" y="4902398"/>
+            <a:ext cx="4880610" cy="771525"/>
+          </a:xfrm>
+          <a:prstGeom prst="rect">
+            <a:avLst/>
+          </a:prstGeom>
+          <a:noFill/>
+          <a:ln>
+            <a:noFill/>
+          </a:ln>
+        </p:spPr>
+        <p:txBody>
+          <a:bodyPr anchorCtr="0" anchor="t" bIns="0" lIns="4648200" spcFirstLastPara="1" rIns="0" wrap="square" tIns="0">
+            <a:spAutoFit/>
+          </a:bodyPr>
+          <a:lstStyle/>
+          <a:p>
+            <a:pPr indent="0" lvl="0" marL="0" marR="0" rtl="0" algn="l">
+              <a:spcBef>
+                <a:spcPts val="0"/>
+              </a:spcBef>
+              <a:spcAft>
+                <a:spcPts val="0"/>
+              </a:spcAft>
+              <a:buNone/>
+            </a:pPr>
+            <a:r>
+              <a:rPr b="1" i="0" lang="en-US" sz="1200" u="none" cap="none" strike="noStrike">
+                <a:solidFill>
+                  <a:srgbClr val="0F172A"/>
+                </a:solidFill>
+                <a:latin typeface="Poppins"/>
+                <a:ea typeface="Poppins"/>
+                <a:cs typeface="Poppins"/>
+                <a:sym typeface="Poppins"/>
+              </a:rPr>
+              <a:t>Storage &amp; Output</a:t>
+            </a:r>
+            <a:endParaRPr/>
+          </a:p>
+        </p:txBody>
+      </p:sp>
+      <p:sp>
+        <p:nvSpPr>
+          <p:cNvPr id="176" name="Google Shape;176;p18"/>
+          <p:cNvSpPr txBox="1"/>
+          <p:nvPr/>
+        </p:nvSpPr>
+        <p:spPr>
+          <a:xfrm>
+            <a:off x="723900" y="5721548"/>
+            <a:ext cx="4648200" cy="213270"/>
+          </a:xfrm>
+          <a:prstGeom prst="rect">
+            <a:avLst/>
+          </a:prstGeom>
+          <a:noFill/>
+          <a:ln>
+            <a:noFill/>
+          </a:ln>
+        </p:spPr>
+        <p:txBody>
+          <a:bodyPr anchorCtr="0" anchor="t" bIns="0" lIns="0" spcFirstLastPara="1" rIns="0" wrap="square" tIns="0">
+            <a:spAutoFit/>
+          </a:bodyPr>
+          <a:lstStyle/>
+          <a:p>
+            <a:pPr indent="0" lvl="0" marL="0" marR="0" rtl="0" algn="l">
+              <a:lnSpc>
+                <a:spcPct val="159904"/>
+              </a:lnSpc>
+              <a:spcBef>
+                <a:spcPts val="0"/>
+              </a:spcBef>
+              <a:spcAft>
+                <a:spcPts val="0"/>
+              </a:spcAft>
+              <a:buNone/>
+            </a:pPr>
+            <a:r>
+              <a:rPr b="0" i="0" lang="en-US" sz="1050" u="none" cap="none" strike="noStrike">
+                <a:solidFill>
+                  <a:srgbClr val="475569"/>
+                </a:solidFill>
+                <a:latin typeface="Inter"/>
+                <a:ea typeface="Inter"/>
+                <a:cs typeface="Inter"/>
+                <a:sym typeface="Inter"/>
+              </a:rPr>
+              <a:t>SQLite Database -&gt; Streamlit Dashboard -&gt; Insights</a:t>
+            </a:r>
+            <a:endParaRPr/>
+          </a:p>
+        </p:txBody>
+      </p:sp>
       <p:pic>
         <p:nvPicPr>
-          <p:cNvPr descr="image.png" id="165" name="Google Shape;165;p18"/>
+          <p:cNvPr descr="image.png" id="177" name="Google Shape;177;p18"/>
+          <p:cNvPicPr preferRelativeResize="0"/>
+          <p:nvPr/>
+        </p:nvPicPr>
+        <p:blipFill rotWithShape="1">
+          <a:blip r:embed="rId7">
+            <a:alphaModFix/>
+          </a:blip>
+          <a:srcRect b="0" l="0" r="0" t="0"/>
+          <a:stretch/>
+        </p:blipFill>
+        <p:spPr>
+          <a:xfrm>
+            <a:off x="723900" y="1846957"/>
+            <a:ext cx="4648200" cy="342900"/>
+          </a:xfrm>
+          <a:prstGeom prst="rect">
+            <a:avLst/>
+          </a:prstGeom>
+          <a:noFill/>
+          <a:ln>
+            <a:noFill/>
+          </a:ln>
+        </p:spPr>
+      </p:pic>
+      <p:pic>
+        <p:nvPicPr>
+          <p:cNvPr descr="image.png" id="178" name="Google Shape;178;p18"/>
           <p:cNvPicPr preferRelativeResize="0"/>
           <p:nvPr/>
         </p:nvPicPr>
@@ -18664,8 +19326,8 @@
         </p:blipFill>
         <p:spPr>
           <a:xfrm>
-            <a:off x="866775" y="1995487"/>
-            <a:ext cx="4791075" cy="342900"/>
+            <a:off x="762000" y="3374677"/>
+            <a:ext cx="4610100" cy="342900"/>
           </a:xfrm>
           <a:prstGeom prst="rect">
             <a:avLst/>
@@ -18676,59 +19338,9 @@
           </a:ln>
         </p:spPr>
       </p:pic>
-      <p:sp>
-        <p:nvSpPr>
-          <p:cNvPr id="166" name="Google Shape;166;p18"/>
-          <p:cNvSpPr txBox="1"/>
-          <p:nvPr/>
-        </p:nvSpPr>
-        <p:spPr>
-          <a:xfrm>
-            <a:off x="866775" y="2528887"/>
-            <a:ext cx="5030628" cy="333375"/>
-          </a:xfrm>
-          <a:prstGeom prst="rect">
-            <a:avLst/>
-          </a:prstGeom>
-          <a:noFill/>
-          <a:ln>
-            <a:noFill/>
-          </a:ln>
-        </p:spPr>
-        <p:txBody>
-          <a:bodyPr anchorCtr="0" anchor="t" bIns="0" lIns="0" spcFirstLastPara="1" rIns="0" wrap="square" tIns="0">
-            <a:spAutoFit/>
-          </a:bodyPr>
-          <a:lstStyle/>
-          <a:p>
-            <a:pPr indent="0" lvl="0" marL="0" marR="0" rtl="0" algn="l">
-              <a:spcBef>
-                <a:spcPts val="0"/>
-              </a:spcBef>
-              <a:spcAft>
-                <a:spcPts val="0"/>
-              </a:spcAft>
-              <a:buNone/>
-            </a:pPr>
-            <a:r>
-              <a:rPr b="0" i="0" lang="en-US" sz="1800" u="none" cap="none" strike="noStrike">
-                <a:solidFill>
-                  <a:srgbClr val="3B82F6"/>
-                </a:solidFill>
-                <a:latin typeface="Poppins SemiBold"/>
-                <a:ea typeface="Poppins SemiBold"/>
-                <a:cs typeface="Poppins SemiBold"/>
-                <a:sym typeface="Poppins SemiBold"/>
-              </a:rPr>
-              <a:t>Frontend</a:t>
-            </a:r>
-            <a:endParaRPr/>
-          </a:p>
-        </p:txBody>
-      </p:sp>
       <p:pic>
         <p:nvPicPr>
-          <p:cNvPr descr="image.png" id="167" name="Google Shape;167;p18"/>
+          <p:cNvPr descr="image.png" id="179" name="Google Shape;179;p18"/>
           <p:cNvPicPr preferRelativeResize="0"/>
           <p:nvPr/>
         </p:nvPicPr>
@@ -18741,8 +19353,8 @@
         </p:blipFill>
         <p:spPr>
           <a:xfrm>
-            <a:off x="914400" y="3024187"/>
-            <a:ext cx="4695825" cy="361950"/>
+            <a:off x="723900" y="4902398"/>
+            <a:ext cx="4648200" cy="342900"/>
           </a:xfrm>
           <a:prstGeom prst="rect">
             <a:avLst/>
@@ -18755,438 +19367,22 @@
       </p:pic>
       <p:pic>
         <p:nvPicPr>
-          <p:cNvPr descr="image.png" id="168" name="Google Shape;168;p18"/>
+          <p:cNvPr descr="Beautify this slide" id="180" name="Google Shape;180;p18"/>
           <p:cNvPicPr preferRelativeResize="0"/>
           <p:nvPr/>
         </p:nvPicPr>
-        <p:blipFill rotWithShape="1">
+        <p:blipFill>
           <a:blip r:embed="rId10">
             <a:alphaModFix/>
           </a:blip>
-          <a:srcRect b="0" l="0" r="0" t="0"/>
-          <a:stretch/>
+          <a:stretch>
+            <a:fillRect/>
+          </a:stretch>
         </p:blipFill>
         <p:spPr>
           <a:xfrm>
-            <a:off x="6534150" y="1995487"/>
-            <a:ext cx="4791075" cy="342900"/>
-          </a:xfrm>
-          <a:prstGeom prst="rect">
-            <a:avLst/>
-          </a:prstGeom>
-          <a:noFill/>
-          <a:ln>
-            <a:noFill/>
-          </a:ln>
-        </p:spPr>
-      </p:pic>
-      <p:sp>
-        <p:nvSpPr>
-          <p:cNvPr id="169" name="Google Shape;169;p18"/>
-          <p:cNvSpPr txBox="1"/>
-          <p:nvPr/>
-        </p:nvSpPr>
-        <p:spPr>
-          <a:xfrm>
-            <a:off x="6534150" y="2528887"/>
-            <a:ext cx="5030628" cy="333375"/>
-          </a:xfrm>
-          <a:prstGeom prst="rect">
-            <a:avLst/>
-          </a:prstGeom>
-          <a:noFill/>
-          <a:ln>
-            <a:noFill/>
-          </a:ln>
-        </p:spPr>
-        <p:txBody>
-          <a:bodyPr anchorCtr="0" anchor="t" bIns="0" lIns="0" spcFirstLastPara="1" rIns="0" wrap="square" tIns="0">
-            <a:spAutoFit/>
-          </a:bodyPr>
-          <a:lstStyle/>
-          <a:p>
-            <a:pPr indent="0" lvl="0" marL="0" marR="0" rtl="0" algn="l">
-              <a:spcBef>
-                <a:spcPts val="0"/>
-              </a:spcBef>
-              <a:spcAft>
-                <a:spcPts val="0"/>
-              </a:spcAft>
-              <a:buNone/>
-            </a:pPr>
-            <a:r>
-              <a:rPr b="0" i="0" lang="en-US" sz="1800" u="none" cap="none" strike="noStrike">
-                <a:solidFill>
-                  <a:srgbClr val="3B82F6"/>
-                </a:solidFill>
-                <a:latin typeface="Poppins SemiBold"/>
-                <a:ea typeface="Poppins SemiBold"/>
-                <a:cs typeface="Poppins SemiBold"/>
-                <a:sym typeface="Poppins SemiBold"/>
-              </a:rPr>
-              <a:t>Backend</a:t>
-            </a:r>
-            <a:endParaRPr/>
-          </a:p>
-        </p:txBody>
-      </p:sp>
-      <p:pic>
-        <p:nvPicPr>
-          <p:cNvPr descr="image.png" id="170" name="Google Shape;170;p18"/>
-          <p:cNvPicPr preferRelativeResize="0"/>
-          <p:nvPr/>
-        </p:nvPicPr>
-        <p:blipFill rotWithShape="1">
-          <a:blip r:embed="rId11">
-            <a:alphaModFix/>
-          </a:blip>
-          <a:srcRect b="0" l="0" r="0" t="0"/>
-          <a:stretch/>
-        </p:blipFill>
-        <p:spPr>
-          <a:xfrm>
-            <a:off x="6581775" y="3024187"/>
-            <a:ext cx="4695825" cy="361950"/>
-          </a:xfrm>
-          <a:prstGeom prst="rect">
-            <a:avLst/>
-          </a:prstGeom>
-          <a:noFill/>
-          <a:ln>
-            <a:noFill/>
-          </a:ln>
-        </p:spPr>
-      </p:pic>
-      <p:pic>
-        <p:nvPicPr>
-          <p:cNvPr descr="image.png" id="171" name="Google Shape;171;p18"/>
-          <p:cNvPicPr preferRelativeResize="0"/>
-          <p:nvPr/>
-        </p:nvPicPr>
-        <p:blipFill rotWithShape="1">
-          <a:blip r:embed="rId12">
-            <a:alphaModFix/>
-          </a:blip>
-          <a:srcRect b="0" l="0" r="0" t="0"/>
-          <a:stretch/>
-        </p:blipFill>
-        <p:spPr>
-          <a:xfrm>
-            <a:off x="866775" y="4310062"/>
-            <a:ext cx="4791075" cy="342900"/>
-          </a:xfrm>
-          <a:prstGeom prst="rect">
-            <a:avLst/>
-          </a:prstGeom>
-          <a:noFill/>
-          <a:ln>
-            <a:noFill/>
-          </a:ln>
-        </p:spPr>
-      </p:pic>
-      <p:sp>
-        <p:nvSpPr>
-          <p:cNvPr id="172" name="Google Shape;172;p18"/>
-          <p:cNvSpPr txBox="1"/>
-          <p:nvPr/>
-        </p:nvSpPr>
-        <p:spPr>
-          <a:xfrm>
-            <a:off x="866775" y="4843462"/>
-            <a:ext cx="5030628" cy="333375"/>
-          </a:xfrm>
-          <a:prstGeom prst="rect">
-            <a:avLst/>
-          </a:prstGeom>
-          <a:noFill/>
-          <a:ln>
-            <a:noFill/>
-          </a:ln>
-        </p:spPr>
-        <p:txBody>
-          <a:bodyPr anchorCtr="0" anchor="t" bIns="0" lIns="0" spcFirstLastPara="1" rIns="0" wrap="square" tIns="0">
-            <a:spAutoFit/>
-          </a:bodyPr>
-          <a:lstStyle/>
-          <a:p>
-            <a:pPr indent="0" lvl="0" marL="0" marR="0" rtl="0" algn="l">
-              <a:spcBef>
-                <a:spcPts val="0"/>
-              </a:spcBef>
-              <a:spcAft>
-                <a:spcPts val="0"/>
-              </a:spcAft>
-              <a:buNone/>
-            </a:pPr>
-            <a:r>
-              <a:rPr b="0" i="0" lang="en-US" sz="1800" u="none" cap="none" strike="noStrike">
-                <a:solidFill>
-                  <a:srgbClr val="3B82F6"/>
-                </a:solidFill>
-                <a:latin typeface="Poppins SemiBold"/>
-                <a:ea typeface="Poppins SemiBold"/>
-                <a:cs typeface="Poppins SemiBold"/>
-                <a:sym typeface="Poppins SemiBold"/>
-              </a:rPr>
-              <a:t>AI &amp; Processing</a:t>
-            </a:r>
-            <a:endParaRPr/>
-          </a:p>
-        </p:txBody>
-      </p:sp>
-      <p:pic>
-        <p:nvPicPr>
-          <p:cNvPr descr="image.png" id="173" name="Google Shape;173;p18"/>
-          <p:cNvPicPr preferRelativeResize="0"/>
-          <p:nvPr/>
-        </p:nvPicPr>
-        <p:blipFill rotWithShape="1">
-          <a:blip r:embed="rId13">
-            <a:alphaModFix/>
-          </a:blip>
-          <a:srcRect b="0" l="0" r="0" t="0"/>
-          <a:stretch/>
-        </p:blipFill>
-        <p:spPr>
-          <a:xfrm>
-            <a:off x="6534150" y="4310062"/>
-            <a:ext cx="4791075" cy="342900"/>
-          </a:xfrm>
-          <a:prstGeom prst="rect">
-            <a:avLst/>
-          </a:prstGeom>
-          <a:noFill/>
-          <a:ln>
-            <a:noFill/>
-          </a:ln>
-        </p:spPr>
-      </p:pic>
-      <p:sp>
-        <p:nvSpPr>
-          <p:cNvPr id="174" name="Google Shape;174;p18"/>
-          <p:cNvSpPr txBox="1"/>
-          <p:nvPr/>
-        </p:nvSpPr>
-        <p:spPr>
-          <a:xfrm>
-            <a:off x="6534150" y="4843462"/>
-            <a:ext cx="5030700" cy="277200"/>
-          </a:xfrm>
-          <a:prstGeom prst="rect">
-            <a:avLst/>
-          </a:prstGeom>
-          <a:noFill/>
-          <a:ln>
-            <a:noFill/>
-          </a:ln>
-        </p:spPr>
-        <p:txBody>
-          <a:bodyPr anchorCtr="0" anchor="t" bIns="0" lIns="0" spcFirstLastPara="1" rIns="0" wrap="square" tIns="0">
-            <a:spAutoFit/>
-          </a:bodyPr>
-          <a:lstStyle/>
-          <a:p>
-            <a:pPr indent="0" lvl="0" marL="0" marR="0" rtl="0" algn="l">
-              <a:spcBef>
-                <a:spcPts val="0"/>
-              </a:spcBef>
-              <a:spcAft>
-                <a:spcPts val="0"/>
-              </a:spcAft>
-              <a:buNone/>
-            </a:pPr>
-            <a:r>
-              <a:rPr b="0" i="0" lang="en-US" sz="1800" u="none" cap="none" strike="noStrike">
-                <a:solidFill>
-                  <a:srgbClr val="3B82F6"/>
-                </a:solidFill>
-                <a:latin typeface="Poppins SemiBold"/>
-                <a:ea typeface="Poppins SemiBold"/>
-                <a:cs typeface="Poppins SemiBold"/>
-                <a:sym typeface="Poppins SemiBold"/>
-              </a:rPr>
-              <a:t>Data &amp; Vi</a:t>
-            </a:r>
-            <a:r>
-              <a:rPr lang="en-US" sz="1800">
-                <a:solidFill>
-                  <a:srgbClr val="3B82F6"/>
-                </a:solidFill>
-                <a:latin typeface="Poppins SemiBold"/>
-                <a:ea typeface="Poppins SemiBold"/>
-                <a:cs typeface="Poppins SemiBold"/>
-                <a:sym typeface="Poppins SemiBold"/>
-              </a:rPr>
-              <a:t>s</a:t>
-            </a:r>
-            <a:r>
-              <a:rPr b="0" i="0" lang="en-US" sz="1800" u="none" cap="none" strike="noStrike">
-                <a:solidFill>
-                  <a:srgbClr val="3B82F6"/>
-                </a:solidFill>
-                <a:latin typeface="Poppins SemiBold"/>
-                <a:ea typeface="Poppins SemiBold"/>
-                <a:cs typeface="Poppins SemiBold"/>
-                <a:sym typeface="Poppins SemiBold"/>
-              </a:rPr>
-              <a:t>ualization</a:t>
-            </a:r>
-            <a:endParaRPr/>
-          </a:p>
-        </p:txBody>
-      </p:sp>
-      <p:pic>
-        <p:nvPicPr>
-          <p:cNvPr descr="image.png" id="175" name="Google Shape;175;p18"/>
-          <p:cNvPicPr preferRelativeResize="0"/>
-          <p:nvPr/>
-        </p:nvPicPr>
-        <p:blipFill rotWithShape="1">
-          <a:blip r:embed="rId14">
-            <a:alphaModFix/>
-          </a:blip>
-          <a:srcRect b="0" l="0" r="0" t="0"/>
-          <a:stretch/>
-        </p:blipFill>
-        <p:spPr>
-          <a:xfrm>
-            <a:off x="914400" y="5338762"/>
-            <a:ext cx="1390650" cy="361950"/>
-          </a:xfrm>
-          <a:prstGeom prst="rect">
-            <a:avLst/>
-          </a:prstGeom>
-          <a:noFill/>
-          <a:ln>
-            <a:noFill/>
-          </a:ln>
-        </p:spPr>
-      </p:pic>
-      <p:pic>
-        <p:nvPicPr>
-          <p:cNvPr descr="image.png" id="176" name="Google Shape;176;p18"/>
-          <p:cNvPicPr preferRelativeResize="0"/>
-          <p:nvPr/>
-        </p:nvPicPr>
-        <p:blipFill rotWithShape="1">
-          <a:blip r:embed="rId15">
-            <a:alphaModFix/>
-          </a:blip>
-          <a:srcRect b="0" l="0" r="0" t="0"/>
-          <a:stretch/>
-        </p:blipFill>
-        <p:spPr>
-          <a:xfrm>
-            <a:off x="2447925" y="5338762"/>
-            <a:ext cx="790575" cy="361950"/>
-          </a:xfrm>
-          <a:prstGeom prst="rect">
-            <a:avLst/>
-          </a:prstGeom>
-          <a:noFill/>
-          <a:ln>
-            <a:noFill/>
-          </a:ln>
-        </p:spPr>
-      </p:pic>
-      <p:pic>
-        <p:nvPicPr>
-          <p:cNvPr descr="image.png" id="177" name="Google Shape;177;p18"/>
-          <p:cNvPicPr preferRelativeResize="0"/>
-          <p:nvPr/>
-        </p:nvPicPr>
-        <p:blipFill rotWithShape="1">
-          <a:blip r:embed="rId16">
-            <a:alphaModFix/>
-          </a:blip>
-          <a:srcRect b="0" l="0" r="0" t="0"/>
-          <a:stretch/>
-        </p:blipFill>
-        <p:spPr>
-          <a:xfrm>
-            <a:off x="3381375" y="5338762"/>
-            <a:ext cx="942975" cy="361950"/>
-          </a:xfrm>
-          <a:prstGeom prst="rect">
-            <a:avLst/>
-          </a:prstGeom>
-          <a:noFill/>
-          <a:ln>
-            <a:noFill/>
-          </a:ln>
-        </p:spPr>
-      </p:pic>
-      <p:pic>
-        <p:nvPicPr>
-          <p:cNvPr descr="image.png" id="178" name="Google Shape;178;p18"/>
-          <p:cNvPicPr preferRelativeResize="0"/>
-          <p:nvPr/>
-        </p:nvPicPr>
-        <p:blipFill rotWithShape="1">
-          <a:blip r:embed="rId17">
-            <a:alphaModFix/>
-          </a:blip>
-          <a:srcRect b="0" l="0" r="0" t="0"/>
-          <a:stretch/>
-        </p:blipFill>
-        <p:spPr>
-          <a:xfrm>
-            <a:off x="6581775" y="5338762"/>
-            <a:ext cx="800100" cy="361950"/>
-          </a:xfrm>
-          <a:prstGeom prst="rect">
-            <a:avLst/>
-          </a:prstGeom>
-          <a:noFill/>
-          <a:ln>
-            <a:noFill/>
-          </a:ln>
-        </p:spPr>
-      </p:pic>
-      <p:pic>
-        <p:nvPicPr>
-          <p:cNvPr descr="image.png" id="179" name="Google Shape;179;p18"/>
-          <p:cNvPicPr preferRelativeResize="0"/>
-          <p:nvPr/>
-        </p:nvPicPr>
-        <p:blipFill rotWithShape="1">
-          <a:blip r:embed="rId18">
-            <a:alphaModFix/>
-          </a:blip>
-          <a:srcRect b="0" l="0" r="0" t="0"/>
-          <a:stretch/>
-        </p:blipFill>
-        <p:spPr>
-          <a:xfrm>
-            <a:off x="7524750" y="5338762"/>
-            <a:ext cx="733425" cy="361950"/>
-          </a:xfrm>
-          <a:prstGeom prst="rect">
-            <a:avLst/>
-          </a:prstGeom>
-          <a:noFill/>
-          <a:ln>
-            <a:noFill/>
-          </a:ln>
-        </p:spPr>
-      </p:pic>
-      <p:pic>
-        <p:nvPicPr>
-          <p:cNvPr descr="image.png" id="180" name="Google Shape;180;p18"/>
-          <p:cNvPicPr preferRelativeResize="0"/>
-          <p:nvPr/>
-        </p:nvPicPr>
-        <p:blipFill rotWithShape="1">
-          <a:blip r:embed="rId19">
-            <a:alphaModFix/>
-          </a:blip>
-          <a:srcRect b="0" l="0" r="0" t="0"/>
-          <a:stretch/>
-        </p:blipFill>
-        <p:spPr>
-          <a:xfrm>
-            <a:off x="8401050" y="5338762"/>
-            <a:ext cx="866775" cy="361950"/>
+            <a:off x="0" y="32059"/>
+            <a:ext cx="12192000" cy="6786572"/>
           </a:xfrm>
           <a:prstGeom prst="rect">
             <a:avLst/>
@@ -19271,8 +19467,8 @@
         </p:blipFill>
         <p:spPr>
           <a:xfrm>
-            <a:off x="571500" y="2334666"/>
-            <a:ext cx="5238750" cy="881955"/>
+            <a:off x="571500" y="1700212"/>
+            <a:ext cx="5381625" cy="2028825"/>
           </a:xfrm>
           <a:prstGeom prst="rect">
             <a:avLst/>
@@ -19298,8 +19494,8 @@
         </p:blipFill>
         <p:spPr>
           <a:xfrm>
-            <a:off x="571500" y="3359497"/>
-            <a:ext cx="5238750" cy="881955"/>
+            <a:off x="6238875" y="1700212"/>
+            <a:ext cx="5381625" cy="2028825"/>
           </a:xfrm>
           <a:prstGeom prst="rect">
             <a:avLst/>
@@ -19325,8 +19521,8 @@
         </p:blipFill>
         <p:spPr>
           <a:xfrm>
-            <a:off x="571500" y="4384327"/>
-            <a:ext cx="5238750" cy="881955"/>
+            <a:off x="571500" y="4014787"/>
+            <a:ext cx="5381625" cy="2028825"/>
           </a:xfrm>
           <a:prstGeom prst="rect">
             <a:avLst/>
@@ -19352,62 +19548,8 @@
         </p:blipFill>
         <p:spPr>
           <a:xfrm>
-            <a:off x="6381750" y="2334666"/>
-            <a:ext cx="5238750" cy="881955"/>
-          </a:xfrm>
-          <a:prstGeom prst="rect">
-            <a:avLst/>
-          </a:prstGeom>
-          <a:noFill/>
-          <a:ln>
-            <a:noFill/>
-          </a:ln>
-        </p:spPr>
-      </p:pic>
-      <p:pic>
-        <p:nvPicPr>
-          <p:cNvPr descr="image.png" id="190" name="Google Shape;190;p19"/>
-          <p:cNvPicPr preferRelativeResize="0"/>
-          <p:nvPr/>
-        </p:nvPicPr>
-        <p:blipFill rotWithShape="1">
-          <a:blip r:embed="rId8">
-            <a:alphaModFix/>
-          </a:blip>
-          <a:srcRect b="0" l="0" r="0" t="0"/>
-          <a:stretch/>
-        </p:blipFill>
-        <p:spPr>
-          <a:xfrm>
-            <a:off x="6381750" y="3359497"/>
-            <a:ext cx="5238750" cy="881955"/>
-          </a:xfrm>
-          <a:prstGeom prst="rect">
-            <a:avLst/>
-          </a:prstGeom>
-          <a:noFill/>
-          <a:ln>
-            <a:noFill/>
-          </a:ln>
-        </p:spPr>
-      </p:pic>
-      <p:pic>
-        <p:nvPicPr>
-          <p:cNvPr descr="image.png" id="191" name="Google Shape;191;p19"/>
-          <p:cNvPicPr preferRelativeResize="0"/>
-          <p:nvPr/>
-        </p:nvPicPr>
-        <p:blipFill rotWithShape="1">
-          <a:blip r:embed="rId9">
-            <a:alphaModFix/>
-          </a:blip>
-          <a:srcRect b="0" l="0" r="0" t="0"/>
-          <a:stretch/>
-        </p:blipFill>
-        <p:spPr>
-          <a:xfrm>
-            <a:off x="6381750" y="4384327"/>
-            <a:ext cx="5238750" cy="881955"/>
+            <a:off x="6238875" y="4014787"/>
+            <a:ext cx="5381625" cy="2028825"/>
           </a:xfrm>
           <a:prstGeom prst="rect">
             <a:avLst/>
@@ -19420,7 +19562,7 @@
       </p:pic>
       <p:sp>
         <p:nvSpPr>
-          <p:cNvPr id="192" name="Google Shape;192;p19"/>
+          <p:cNvPr id="190" name="Google Shape;190;p19"/>
           <p:cNvSpPr txBox="1"/>
           <p:nvPr/>
         </p:nvSpPr>
@@ -19462,7 +19604,7 @@
                 <a:cs typeface="Poppins SemiBold"/>
                 <a:sym typeface="Poppins SemiBold"/>
               </a:rPr>
-              <a:t>Core Modules</a:t>
+              <a:t>Technology Stack</a:t>
             </a:r>
             <a:endParaRPr/>
           </a:p>
@@ -19470,7 +19612,7 @@
       </p:sp>
       <p:sp>
         <p:nvSpPr>
-          <p:cNvPr id="193" name="Google Shape;193;p19"/>
+          <p:cNvPr id="191" name="Google Shape;191;p19"/>
           <p:cNvSpPr/>
           <p:nvPr/>
         </p:nvSpPr>
@@ -19519,16 +19661,43 @@
           </a:p>
         </p:txBody>
       </p:sp>
+      <p:pic>
+        <p:nvPicPr>
+          <p:cNvPr descr="image.png" id="192" name="Google Shape;192;p19"/>
+          <p:cNvPicPr preferRelativeResize="0"/>
+          <p:nvPr/>
+        </p:nvPicPr>
+        <p:blipFill rotWithShape="1">
+          <a:blip r:embed="rId8">
+            <a:alphaModFix/>
+          </a:blip>
+          <a:srcRect b="0" l="0" r="0" t="0"/>
+          <a:stretch/>
+        </p:blipFill>
+        <p:spPr>
+          <a:xfrm>
+            <a:off x="866775" y="1995487"/>
+            <a:ext cx="4791075" cy="342900"/>
+          </a:xfrm>
+          <a:prstGeom prst="rect">
+            <a:avLst/>
+          </a:prstGeom>
+          <a:noFill/>
+          <a:ln>
+            <a:noFill/>
+          </a:ln>
+        </p:spPr>
+      </p:pic>
       <p:sp>
         <p:nvSpPr>
-          <p:cNvPr id="194" name="Google Shape;194;p19"/>
+          <p:cNvPr id="193" name="Google Shape;193;p19"/>
           <p:cNvSpPr txBox="1"/>
           <p:nvPr/>
         </p:nvSpPr>
         <p:spPr>
           <a:xfrm>
-            <a:off x="771525" y="2534691"/>
-            <a:ext cx="5080635" cy="238125"/>
+            <a:off x="866775" y="2528887"/>
+            <a:ext cx="5030628" cy="333375"/>
           </a:xfrm>
           <a:prstGeom prst="rect">
             <a:avLst/>
@@ -19554,31 +19723,85 @@
               <a:buNone/>
             </a:pPr>
             <a:r>
-              <a:rPr b="1" i="0" lang="en-US" sz="1200" u="none" cap="none" strike="noStrike">
+              <a:rPr b="0" i="0" lang="en-US" sz="1800" u="none" cap="none" strike="noStrike">
                 <a:solidFill>
-                  <a:srgbClr val="1E40AF"/>
+                  <a:srgbClr val="3B82F6"/>
                 </a:solidFill>
-                <a:latin typeface="Poppins"/>
-                <a:ea typeface="Poppins"/>
-                <a:cs typeface="Poppins"/>
-                <a:sym typeface="Poppins"/>
+                <a:latin typeface="Poppins SemiBold"/>
+                <a:ea typeface="Poppins SemiBold"/>
+                <a:cs typeface="Poppins SemiBold"/>
+                <a:sym typeface="Poppins SemiBold"/>
               </a:rPr>
-              <a:t>1. Ingestion Module</a:t>
+              <a:t>Frontend</a:t>
             </a:r>
             <a:endParaRPr/>
           </a:p>
         </p:txBody>
       </p:sp>
+      <p:pic>
+        <p:nvPicPr>
+          <p:cNvPr descr="image.png" id="194" name="Google Shape;194;p19"/>
+          <p:cNvPicPr preferRelativeResize="0"/>
+          <p:nvPr/>
+        </p:nvPicPr>
+        <p:blipFill rotWithShape="1">
+          <a:blip r:embed="rId9">
+            <a:alphaModFix/>
+          </a:blip>
+          <a:srcRect b="0" l="0" r="0" t="0"/>
+          <a:stretch/>
+        </p:blipFill>
+        <p:spPr>
+          <a:xfrm>
+            <a:off x="914400" y="3024187"/>
+            <a:ext cx="4695825" cy="361950"/>
+          </a:xfrm>
+          <a:prstGeom prst="rect">
+            <a:avLst/>
+          </a:prstGeom>
+          <a:noFill/>
+          <a:ln>
+            <a:noFill/>
+          </a:ln>
+        </p:spPr>
+      </p:pic>
+      <p:pic>
+        <p:nvPicPr>
+          <p:cNvPr descr="image.png" id="195" name="Google Shape;195;p19"/>
+          <p:cNvPicPr preferRelativeResize="0"/>
+          <p:nvPr/>
+        </p:nvPicPr>
+        <p:blipFill rotWithShape="1">
+          <a:blip r:embed="rId10">
+            <a:alphaModFix/>
+          </a:blip>
+          <a:srcRect b="0" l="0" r="0" t="0"/>
+          <a:stretch/>
+        </p:blipFill>
+        <p:spPr>
+          <a:xfrm>
+            <a:off x="6534150" y="1995487"/>
+            <a:ext cx="4791075" cy="342900"/>
+          </a:xfrm>
+          <a:prstGeom prst="rect">
+            <a:avLst/>
+          </a:prstGeom>
+          <a:noFill/>
+          <a:ln>
+            <a:noFill/>
+          </a:ln>
+        </p:spPr>
+      </p:pic>
       <p:sp>
         <p:nvSpPr>
-          <p:cNvPr id="195" name="Google Shape;195;p19"/>
+          <p:cNvPr id="196" name="Google Shape;196;p19"/>
           <p:cNvSpPr txBox="1"/>
           <p:nvPr/>
         </p:nvSpPr>
         <p:spPr>
           <a:xfrm>
-            <a:off x="771525" y="2772816"/>
-            <a:ext cx="4838700" cy="243780"/>
+            <a:off x="6534150" y="2528887"/>
+            <a:ext cx="5030628" cy="333375"/>
           </a:xfrm>
           <a:prstGeom prst="rect">
             <a:avLst/>
@@ -19595,9 +19818,6 @@
           <a:lstStyle/>
           <a:p>
             <a:pPr indent="0" lvl="0" marL="0" marR="0" rtl="0" algn="l">
-              <a:lnSpc>
-                <a:spcPct val="160000"/>
-              </a:lnSpc>
               <a:spcBef>
                 <a:spcPts val="0"/>
               </a:spcBef>
@@ -19607,31 +19827,85 @@
               <a:buNone/>
             </a:pPr>
             <a:r>
-              <a:rPr b="0" i="0" lang="en-US" sz="1200" u="none" cap="none" strike="noStrike">
+              <a:rPr b="0" i="0" lang="en-US" sz="1800" u="none" cap="none" strike="noStrike">
                 <a:solidFill>
-                  <a:srgbClr val="475569"/>
+                  <a:srgbClr val="3B82F6"/>
                 </a:solidFill>
-                <a:latin typeface="Inter"/>
-                <a:ea typeface="Inter"/>
-                <a:cs typeface="Inter"/>
-                <a:sym typeface="Inter"/>
+                <a:latin typeface="Poppins SemiBold"/>
+                <a:ea typeface="Poppins SemiBold"/>
+                <a:cs typeface="Poppins SemiBold"/>
+                <a:sym typeface="Poppins SemiBold"/>
               </a:rPr>
-              <a:t>Handles image uploads and basic preprocessing.</a:t>
+              <a:t>Backend</a:t>
             </a:r>
             <a:endParaRPr/>
           </a:p>
         </p:txBody>
       </p:sp>
+      <p:pic>
+        <p:nvPicPr>
+          <p:cNvPr descr="image.png" id="197" name="Google Shape;197;p19"/>
+          <p:cNvPicPr preferRelativeResize="0"/>
+          <p:nvPr/>
+        </p:nvPicPr>
+        <p:blipFill rotWithShape="1">
+          <a:blip r:embed="rId11">
+            <a:alphaModFix/>
+          </a:blip>
+          <a:srcRect b="0" l="0" r="0" t="0"/>
+          <a:stretch/>
+        </p:blipFill>
+        <p:spPr>
+          <a:xfrm>
+            <a:off x="6581775" y="3024187"/>
+            <a:ext cx="4695825" cy="361950"/>
+          </a:xfrm>
+          <a:prstGeom prst="rect">
+            <a:avLst/>
+          </a:prstGeom>
+          <a:noFill/>
+          <a:ln>
+            <a:noFill/>
+          </a:ln>
+        </p:spPr>
+      </p:pic>
+      <p:pic>
+        <p:nvPicPr>
+          <p:cNvPr descr="image.png" id="198" name="Google Shape;198;p19"/>
+          <p:cNvPicPr preferRelativeResize="0"/>
+          <p:nvPr/>
+        </p:nvPicPr>
+        <p:blipFill rotWithShape="1">
+          <a:blip r:embed="rId12">
+            <a:alphaModFix/>
+          </a:blip>
+          <a:srcRect b="0" l="0" r="0" t="0"/>
+          <a:stretch/>
+        </p:blipFill>
+        <p:spPr>
+          <a:xfrm>
+            <a:off x="866775" y="4310062"/>
+            <a:ext cx="4791075" cy="342900"/>
+          </a:xfrm>
+          <a:prstGeom prst="rect">
+            <a:avLst/>
+          </a:prstGeom>
+          <a:noFill/>
+          <a:ln>
+            <a:noFill/>
+          </a:ln>
+        </p:spPr>
+      </p:pic>
       <p:sp>
         <p:nvSpPr>
-          <p:cNvPr id="196" name="Google Shape;196;p19"/>
+          <p:cNvPr id="199" name="Google Shape;199;p19"/>
           <p:cNvSpPr txBox="1"/>
           <p:nvPr/>
         </p:nvSpPr>
         <p:spPr>
           <a:xfrm>
-            <a:off x="771525" y="3559522"/>
-            <a:ext cx="5080635" cy="238125"/>
+            <a:off x="866775" y="4843462"/>
+            <a:ext cx="5030628" cy="333375"/>
           </a:xfrm>
           <a:prstGeom prst="rect">
             <a:avLst/>
@@ -19657,31 +19931,58 @@
               <a:buNone/>
             </a:pPr>
             <a:r>
-              <a:rPr b="1" i="0" lang="en-US" sz="1200" u="none" cap="none" strike="noStrike">
+              <a:rPr b="0" i="0" lang="en-US" sz="1800" u="none" cap="none" strike="noStrike">
                 <a:solidFill>
-                  <a:srgbClr val="1E40AF"/>
+                  <a:srgbClr val="3B82F6"/>
                 </a:solidFill>
-                <a:latin typeface="Poppins"/>
-                <a:ea typeface="Poppins"/>
-                <a:cs typeface="Poppins"/>
-                <a:sym typeface="Poppins"/>
+                <a:latin typeface="Poppins SemiBold"/>
+                <a:ea typeface="Poppins SemiBold"/>
+                <a:cs typeface="Poppins SemiBold"/>
+                <a:sym typeface="Poppins SemiBold"/>
               </a:rPr>
-              <a:t>2. OCR &amp; Template Module</a:t>
+              <a:t>AI &amp; Processing</a:t>
             </a:r>
             <a:endParaRPr/>
           </a:p>
         </p:txBody>
       </p:sp>
+      <p:pic>
+        <p:nvPicPr>
+          <p:cNvPr descr="image.png" id="200" name="Google Shape;200;p19"/>
+          <p:cNvPicPr preferRelativeResize="0"/>
+          <p:nvPr/>
+        </p:nvPicPr>
+        <p:blipFill rotWithShape="1">
+          <a:blip r:embed="rId13">
+            <a:alphaModFix/>
+          </a:blip>
+          <a:srcRect b="0" l="0" r="0" t="0"/>
+          <a:stretch/>
+        </p:blipFill>
+        <p:spPr>
+          <a:xfrm>
+            <a:off x="6534150" y="4310062"/>
+            <a:ext cx="4791075" cy="342900"/>
+          </a:xfrm>
+          <a:prstGeom prst="rect">
+            <a:avLst/>
+          </a:prstGeom>
+          <a:noFill/>
+          <a:ln>
+            <a:noFill/>
+          </a:ln>
+        </p:spPr>
+      </p:pic>
       <p:sp>
         <p:nvSpPr>
-          <p:cNvPr id="197" name="Google Shape;197;p19"/>
+          <p:cNvPr id="201" name="Google Shape;201;p19"/>
           <p:cNvSpPr txBox="1"/>
           <p:nvPr/>
         </p:nvSpPr>
         <p:spPr>
           <a:xfrm>
-            <a:off x="771525" y="3797647"/>
-            <a:ext cx="4838700" cy="243780"/>
+            <a:off x="6534150" y="4843462"/>
+            <a:ext cx="5030700" cy="277200"/>
           </a:xfrm>
           <a:prstGeom prst="rect">
             <a:avLst/>
@@ -19698,9 +19999,6 @@
           <a:lstStyle/>
           <a:p>
             <a:pPr indent="0" lvl="0" marL="0" marR="0" rtl="0" algn="l">
-              <a:lnSpc>
-                <a:spcPct val="160000"/>
-              </a:lnSpc>
               <a:spcBef>
                 <a:spcPts val="0"/>
               </a:spcBef>
@@ -19710,433 +20008,207 @@
               <a:buNone/>
             </a:pPr>
             <a:r>
-              <a:rPr b="0" i="0" lang="en-US" sz="1200" u="none" cap="none" strike="noStrike">
+              <a:rPr b="0" i="0" lang="en-US" sz="1800" u="none" cap="none" strike="noStrike">
                 <a:solidFill>
-                  <a:srgbClr val="475569"/>
+                  <a:srgbClr val="3B82F6"/>
                 </a:solidFill>
-                <a:latin typeface="Inter"/>
-                <a:ea typeface="Inter"/>
-                <a:cs typeface="Inter"/>
-                <a:sym typeface="Inter"/>
+                <a:latin typeface="Poppins SemiBold"/>
+                <a:ea typeface="Poppins SemiBold"/>
+                <a:cs typeface="Poppins SemiBold"/>
+                <a:sym typeface="Poppins SemiBold"/>
               </a:rPr>
-              <a:t>Extracts text using AI and maps to vendor templates.</a:t>
+              <a:t>Data &amp; Vi</a:t>
+            </a:r>
+            <a:r>
+              <a:rPr lang="en-US" sz="1800">
+                <a:solidFill>
+                  <a:srgbClr val="3B82F6"/>
+                </a:solidFill>
+                <a:latin typeface="Poppins SemiBold"/>
+                <a:ea typeface="Poppins SemiBold"/>
+                <a:cs typeface="Poppins SemiBold"/>
+                <a:sym typeface="Poppins SemiBold"/>
+              </a:rPr>
+              <a:t>s</a:t>
+            </a:r>
+            <a:r>
+              <a:rPr b="0" i="0" lang="en-US" sz="1800" u="none" cap="none" strike="noStrike">
+                <a:solidFill>
+                  <a:srgbClr val="3B82F6"/>
+                </a:solidFill>
+                <a:latin typeface="Poppins SemiBold"/>
+                <a:ea typeface="Poppins SemiBold"/>
+                <a:cs typeface="Poppins SemiBold"/>
+                <a:sym typeface="Poppins SemiBold"/>
+              </a:rPr>
+              <a:t>ualization</a:t>
             </a:r>
             <a:endParaRPr/>
           </a:p>
         </p:txBody>
       </p:sp>
-      <p:sp>
-        <p:nvSpPr>
-          <p:cNvPr id="198" name="Google Shape;198;p19"/>
-          <p:cNvSpPr txBox="1"/>
+      <p:pic>
+        <p:nvPicPr>
+          <p:cNvPr descr="image.png" id="202" name="Google Shape;202;p19"/>
+          <p:cNvPicPr preferRelativeResize="0"/>
           <p:nvPr/>
-        </p:nvSpPr>
-        <p:spPr>
-          <a:xfrm>
-            <a:off x="771525" y="4584352"/>
-            <a:ext cx="5080635" cy="238125"/>
-          </a:xfrm>
-          <a:prstGeom prst="rect">
-            <a:avLst/>
-          </a:prstGeom>
-          <a:noFill/>
-          <a:ln>
-            <a:noFill/>
-          </a:ln>
-        </p:spPr>
-        <p:txBody>
-          <a:bodyPr anchorCtr="0" anchor="t" bIns="0" lIns="0" spcFirstLastPara="1" rIns="0" wrap="square" tIns="0">
-            <a:spAutoFit/>
-          </a:bodyPr>
-          <a:lstStyle/>
-          <a:p>
-            <a:pPr indent="0" lvl="0" marL="0" marR="0" rtl="0" algn="l">
-              <a:spcBef>
-                <a:spcPts val="0"/>
-              </a:spcBef>
-              <a:spcAft>
-                <a:spcPts val="0"/>
-              </a:spcAft>
-              <a:buNone/>
-            </a:pPr>
-            <a:r>
-              <a:rPr b="1" i="0" lang="en-US" sz="1200" u="none" cap="none" strike="noStrike">
-                <a:solidFill>
-                  <a:srgbClr val="1E40AF"/>
-                </a:solidFill>
-                <a:latin typeface="Poppins"/>
-                <a:ea typeface="Poppins"/>
-                <a:cs typeface="Poppins"/>
-                <a:sym typeface="Poppins"/>
-              </a:rPr>
-              <a:t>3. Database Module</a:t>
-            </a:r>
-            <a:endParaRPr/>
-          </a:p>
-        </p:txBody>
-      </p:sp>
-      <p:sp>
-        <p:nvSpPr>
-          <p:cNvPr id="199" name="Google Shape;199;p19"/>
-          <p:cNvSpPr txBox="1"/>
+        </p:nvPicPr>
+        <p:blipFill rotWithShape="1">
+          <a:blip r:embed="rId14">
+            <a:alphaModFix/>
+          </a:blip>
+          <a:srcRect b="0" l="0" r="0" t="0"/>
+          <a:stretch/>
+        </p:blipFill>
+        <p:spPr>
+          <a:xfrm>
+            <a:off x="914400" y="5338762"/>
+            <a:ext cx="1390650" cy="361950"/>
+          </a:xfrm>
+          <a:prstGeom prst="rect">
+            <a:avLst/>
+          </a:prstGeom>
+          <a:noFill/>
+          <a:ln>
+            <a:noFill/>
+          </a:ln>
+        </p:spPr>
+      </p:pic>
+      <p:pic>
+        <p:nvPicPr>
+          <p:cNvPr descr="image.png" id="203" name="Google Shape;203;p19"/>
+          <p:cNvPicPr preferRelativeResize="0"/>
           <p:nvPr/>
-        </p:nvSpPr>
-        <p:spPr>
-          <a:xfrm>
-            <a:off x="771525" y="4822477"/>
-            <a:ext cx="4838700" cy="243780"/>
-          </a:xfrm>
-          <a:prstGeom prst="rect">
-            <a:avLst/>
-          </a:prstGeom>
-          <a:noFill/>
-          <a:ln>
-            <a:noFill/>
-          </a:ln>
-        </p:spPr>
-        <p:txBody>
-          <a:bodyPr anchorCtr="0" anchor="t" bIns="0" lIns="0" spcFirstLastPara="1" rIns="0" wrap="square" tIns="0">
-            <a:spAutoFit/>
-          </a:bodyPr>
-          <a:lstStyle/>
-          <a:p>
-            <a:pPr indent="0" lvl="0" marL="0" marR="0" rtl="0" algn="l">
-              <a:lnSpc>
-                <a:spcPct val="160000"/>
-              </a:lnSpc>
-              <a:spcBef>
-                <a:spcPts val="0"/>
-              </a:spcBef>
-              <a:spcAft>
-                <a:spcPts val="0"/>
-              </a:spcAft>
-              <a:buNone/>
-            </a:pPr>
-            <a:r>
-              <a:rPr b="0" i="0" lang="en-US" sz="1200" u="none" cap="none" strike="noStrike">
-                <a:solidFill>
-                  <a:srgbClr val="475569"/>
-                </a:solidFill>
-                <a:latin typeface="Inter"/>
-                <a:ea typeface="Inter"/>
-                <a:cs typeface="Inter"/>
-                <a:sym typeface="Inter"/>
-              </a:rPr>
-              <a:t>Manages schema and CRUD operations for receipts.</a:t>
-            </a:r>
-            <a:endParaRPr/>
-          </a:p>
-        </p:txBody>
-      </p:sp>
-      <p:sp>
-        <p:nvSpPr>
-          <p:cNvPr id="200" name="Google Shape;200;p19"/>
-          <p:cNvSpPr txBox="1"/>
+        </p:nvPicPr>
+        <p:blipFill rotWithShape="1">
+          <a:blip r:embed="rId15">
+            <a:alphaModFix/>
+          </a:blip>
+          <a:srcRect b="0" l="0" r="0" t="0"/>
+          <a:stretch/>
+        </p:blipFill>
+        <p:spPr>
+          <a:xfrm>
+            <a:off x="2447925" y="5338762"/>
+            <a:ext cx="790575" cy="361950"/>
+          </a:xfrm>
+          <a:prstGeom prst="rect">
+            <a:avLst/>
+          </a:prstGeom>
+          <a:noFill/>
+          <a:ln>
+            <a:noFill/>
+          </a:ln>
+        </p:spPr>
+      </p:pic>
+      <p:pic>
+        <p:nvPicPr>
+          <p:cNvPr descr="image.png" id="204" name="Google Shape;204;p19"/>
+          <p:cNvPicPr preferRelativeResize="0"/>
           <p:nvPr/>
-        </p:nvSpPr>
-        <p:spPr>
-          <a:xfrm>
-            <a:off x="6581775" y="2534691"/>
-            <a:ext cx="5080635" cy="238125"/>
-          </a:xfrm>
-          <a:prstGeom prst="rect">
-            <a:avLst/>
-          </a:prstGeom>
-          <a:noFill/>
-          <a:ln>
-            <a:noFill/>
-          </a:ln>
-        </p:spPr>
-        <p:txBody>
-          <a:bodyPr anchorCtr="0" anchor="t" bIns="0" lIns="0" spcFirstLastPara="1" rIns="0" wrap="square" tIns="0">
-            <a:spAutoFit/>
-          </a:bodyPr>
-          <a:lstStyle/>
-          <a:p>
-            <a:pPr indent="0" lvl="0" marL="0" marR="0" rtl="0" algn="l">
-              <a:spcBef>
-                <a:spcPts val="0"/>
-              </a:spcBef>
-              <a:spcAft>
-                <a:spcPts val="0"/>
-              </a:spcAft>
-              <a:buNone/>
-            </a:pPr>
-            <a:r>
-              <a:rPr b="1" i="0" lang="en-US" sz="1200" u="none" cap="none" strike="noStrike">
-                <a:solidFill>
-                  <a:srgbClr val="1E40AF"/>
-                </a:solidFill>
-                <a:latin typeface="Poppins"/>
-                <a:ea typeface="Poppins"/>
-                <a:cs typeface="Poppins"/>
-                <a:sym typeface="Poppins"/>
-              </a:rPr>
-              <a:t>4. Analytics Module</a:t>
-            </a:r>
-            <a:endParaRPr/>
-          </a:p>
-        </p:txBody>
-      </p:sp>
-      <p:sp>
-        <p:nvSpPr>
-          <p:cNvPr id="201" name="Google Shape;201;p19"/>
-          <p:cNvSpPr txBox="1"/>
+        </p:nvPicPr>
+        <p:blipFill rotWithShape="1">
+          <a:blip r:embed="rId16">
+            <a:alphaModFix/>
+          </a:blip>
+          <a:srcRect b="0" l="0" r="0" t="0"/>
+          <a:stretch/>
+        </p:blipFill>
+        <p:spPr>
+          <a:xfrm>
+            <a:off x="3381375" y="5338762"/>
+            <a:ext cx="942975" cy="361950"/>
+          </a:xfrm>
+          <a:prstGeom prst="rect">
+            <a:avLst/>
+          </a:prstGeom>
+          <a:noFill/>
+          <a:ln>
+            <a:noFill/>
+          </a:ln>
+        </p:spPr>
+      </p:pic>
+      <p:pic>
+        <p:nvPicPr>
+          <p:cNvPr descr="image.png" id="205" name="Google Shape;205;p19"/>
+          <p:cNvPicPr preferRelativeResize="0"/>
           <p:nvPr/>
-        </p:nvSpPr>
-        <p:spPr>
-          <a:xfrm>
-            <a:off x="6581775" y="2772816"/>
-            <a:ext cx="4838700" cy="243780"/>
-          </a:xfrm>
-          <a:prstGeom prst="rect">
-            <a:avLst/>
-          </a:prstGeom>
-          <a:noFill/>
-          <a:ln>
-            <a:noFill/>
-          </a:ln>
-        </p:spPr>
-        <p:txBody>
-          <a:bodyPr anchorCtr="0" anchor="t" bIns="0" lIns="0" spcFirstLastPara="1" rIns="0" wrap="square" tIns="0">
-            <a:spAutoFit/>
-          </a:bodyPr>
-          <a:lstStyle/>
-          <a:p>
-            <a:pPr indent="0" lvl="0" marL="0" marR="0" rtl="0" algn="l">
-              <a:lnSpc>
-                <a:spcPct val="160000"/>
-              </a:lnSpc>
-              <a:spcBef>
-                <a:spcPts val="0"/>
-              </a:spcBef>
-              <a:spcAft>
-                <a:spcPts val="0"/>
-              </a:spcAft>
-              <a:buNone/>
-            </a:pPr>
-            <a:r>
-              <a:rPr b="0" i="0" lang="en-US" sz="1200" u="none" cap="none" strike="noStrike">
-                <a:solidFill>
-                  <a:srgbClr val="475569"/>
-                </a:solidFill>
-                <a:latin typeface="Inter"/>
-                <a:ea typeface="Inter"/>
-                <a:cs typeface="Inter"/>
-                <a:sym typeface="Inter"/>
-              </a:rPr>
-              <a:t>Calculates KPIs, totals, and category breakdowns.</a:t>
-            </a:r>
-            <a:endParaRPr/>
-          </a:p>
-        </p:txBody>
-      </p:sp>
-      <p:sp>
-        <p:nvSpPr>
-          <p:cNvPr id="202" name="Google Shape;202;p19"/>
-          <p:cNvSpPr txBox="1"/>
+        </p:nvPicPr>
+        <p:blipFill rotWithShape="1">
+          <a:blip r:embed="rId17">
+            <a:alphaModFix/>
+          </a:blip>
+          <a:srcRect b="0" l="0" r="0" t="0"/>
+          <a:stretch/>
+        </p:blipFill>
+        <p:spPr>
+          <a:xfrm>
+            <a:off x="6581775" y="5338762"/>
+            <a:ext cx="800100" cy="361950"/>
+          </a:xfrm>
+          <a:prstGeom prst="rect">
+            <a:avLst/>
+          </a:prstGeom>
+          <a:noFill/>
+          <a:ln>
+            <a:noFill/>
+          </a:ln>
+        </p:spPr>
+      </p:pic>
+      <p:pic>
+        <p:nvPicPr>
+          <p:cNvPr descr="image.png" id="206" name="Google Shape;206;p19"/>
+          <p:cNvPicPr preferRelativeResize="0"/>
           <p:nvPr/>
-        </p:nvSpPr>
-        <p:spPr>
-          <a:xfrm>
-            <a:off x="6581775" y="3559522"/>
-            <a:ext cx="5080635" cy="238125"/>
-          </a:xfrm>
-          <a:prstGeom prst="rect">
-            <a:avLst/>
-          </a:prstGeom>
-          <a:noFill/>
-          <a:ln>
-            <a:noFill/>
-          </a:ln>
-        </p:spPr>
-        <p:txBody>
-          <a:bodyPr anchorCtr="0" anchor="t" bIns="0" lIns="0" spcFirstLastPara="1" rIns="0" wrap="square" tIns="0">
-            <a:spAutoFit/>
-          </a:bodyPr>
-          <a:lstStyle/>
-          <a:p>
-            <a:pPr indent="0" lvl="0" marL="0" marR="0" rtl="0" algn="l">
-              <a:spcBef>
-                <a:spcPts val="0"/>
-              </a:spcBef>
-              <a:spcAft>
-                <a:spcPts val="0"/>
-              </a:spcAft>
-              <a:buNone/>
-            </a:pPr>
-            <a:r>
-              <a:rPr b="1" i="0" lang="en-US" sz="1200" u="none" cap="none" strike="noStrike">
-                <a:solidFill>
-                  <a:srgbClr val="1E40AF"/>
-                </a:solidFill>
-                <a:latin typeface="Poppins"/>
-                <a:ea typeface="Poppins"/>
-                <a:cs typeface="Poppins"/>
-                <a:sym typeface="Poppins"/>
-              </a:rPr>
-              <a:t>5. Visualization Module</a:t>
-            </a:r>
-            <a:endParaRPr/>
-          </a:p>
-        </p:txBody>
-      </p:sp>
-      <p:sp>
-        <p:nvSpPr>
-          <p:cNvPr id="203" name="Google Shape;203;p19"/>
-          <p:cNvSpPr txBox="1"/>
+        </p:nvPicPr>
+        <p:blipFill rotWithShape="1">
+          <a:blip r:embed="rId18">
+            <a:alphaModFix/>
+          </a:blip>
+          <a:srcRect b="0" l="0" r="0" t="0"/>
+          <a:stretch/>
+        </p:blipFill>
+        <p:spPr>
+          <a:xfrm>
+            <a:off x="7524750" y="5338762"/>
+            <a:ext cx="733425" cy="361950"/>
+          </a:xfrm>
+          <a:prstGeom prst="rect">
+            <a:avLst/>
+          </a:prstGeom>
+          <a:noFill/>
+          <a:ln>
+            <a:noFill/>
+          </a:ln>
+        </p:spPr>
+      </p:pic>
+      <p:pic>
+        <p:nvPicPr>
+          <p:cNvPr descr="image.png" id="207" name="Google Shape;207;p19"/>
+          <p:cNvPicPr preferRelativeResize="0"/>
           <p:nvPr/>
-        </p:nvSpPr>
-        <p:spPr>
-          <a:xfrm>
-            <a:off x="6581775" y="3797647"/>
-            <a:ext cx="4838700" cy="243780"/>
-          </a:xfrm>
-          <a:prstGeom prst="rect">
-            <a:avLst/>
-          </a:prstGeom>
-          <a:noFill/>
-          <a:ln>
-            <a:noFill/>
-          </a:ln>
-        </p:spPr>
-        <p:txBody>
-          <a:bodyPr anchorCtr="0" anchor="t" bIns="0" lIns="0" spcFirstLastPara="1" rIns="0" wrap="square" tIns="0">
-            <a:spAutoFit/>
-          </a:bodyPr>
-          <a:lstStyle/>
-          <a:p>
-            <a:pPr indent="0" lvl="0" marL="0" marR="0" rtl="0" algn="l">
-              <a:lnSpc>
-                <a:spcPct val="160000"/>
-              </a:lnSpc>
-              <a:spcBef>
-                <a:spcPts val="0"/>
-              </a:spcBef>
-              <a:spcAft>
-                <a:spcPts val="0"/>
-              </a:spcAft>
-              <a:buNone/>
-            </a:pPr>
-            <a:r>
-              <a:rPr b="0" i="0" lang="en-US" sz="1200" u="none" cap="none" strike="noStrike">
-                <a:solidFill>
-                  <a:srgbClr val="475569"/>
-                </a:solidFill>
-                <a:latin typeface="Inter"/>
-                <a:ea typeface="Inter"/>
-                <a:cs typeface="Inter"/>
-                <a:sym typeface="Inter"/>
-              </a:rPr>
-              <a:t>Generates interactive charts using Plotly.</a:t>
-            </a:r>
-            <a:endParaRPr/>
-          </a:p>
-        </p:txBody>
-      </p:sp>
-      <p:sp>
-        <p:nvSpPr>
-          <p:cNvPr id="204" name="Google Shape;204;p19"/>
-          <p:cNvSpPr txBox="1"/>
-          <p:nvPr/>
-        </p:nvSpPr>
-        <p:spPr>
-          <a:xfrm>
-            <a:off x="6581775" y="4584352"/>
-            <a:ext cx="5080635" cy="238125"/>
-          </a:xfrm>
-          <a:prstGeom prst="rect">
-            <a:avLst/>
-          </a:prstGeom>
-          <a:noFill/>
-          <a:ln>
-            <a:noFill/>
-          </a:ln>
-        </p:spPr>
-        <p:txBody>
-          <a:bodyPr anchorCtr="0" anchor="t" bIns="0" lIns="0" spcFirstLastPara="1" rIns="0" wrap="square" tIns="0">
-            <a:spAutoFit/>
-          </a:bodyPr>
-          <a:lstStyle/>
-          <a:p>
-            <a:pPr indent="0" lvl="0" marL="0" marR="0" rtl="0" algn="l">
-              <a:spcBef>
-                <a:spcPts val="0"/>
-              </a:spcBef>
-              <a:spcAft>
-                <a:spcPts val="0"/>
-              </a:spcAft>
-              <a:buNone/>
-            </a:pPr>
-            <a:r>
-              <a:rPr b="1" i="0" lang="en-US" sz="1200" u="none" cap="none" strike="noStrike">
-                <a:solidFill>
-                  <a:srgbClr val="1E40AF"/>
-                </a:solidFill>
-                <a:latin typeface="Poppins"/>
-                <a:ea typeface="Poppins"/>
-                <a:cs typeface="Poppins"/>
-                <a:sym typeface="Poppins"/>
-              </a:rPr>
-              <a:t>6. Insights Module</a:t>
-            </a:r>
-            <a:endParaRPr/>
-          </a:p>
-        </p:txBody>
-      </p:sp>
-      <p:sp>
-        <p:nvSpPr>
-          <p:cNvPr id="205" name="Google Shape;205;p19"/>
-          <p:cNvSpPr txBox="1"/>
-          <p:nvPr/>
-        </p:nvSpPr>
-        <p:spPr>
-          <a:xfrm>
-            <a:off x="6581775" y="4822477"/>
-            <a:ext cx="4838700" cy="243780"/>
-          </a:xfrm>
-          <a:prstGeom prst="rect">
-            <a:avLst/>
-          </a:prstGeom>
-          <a:noFill/>
-          <a:ln>
-            <a:noFill/>
-          </a:ln>
-        </p:spPr>
-        <p:txBody>
-          <a:bodyPr anchorCtr="0" anchor="t" bIns="0" lIns="0" spcFirstLastPara="1" rIns="0" wrap="square" tIns="0">
-            <a:spAutoFit/>
-          </a:bodyPr>
-          <a:lstStyle/>
-          <a:p>
-            <a:pPr indent="0" lvl="0" marL="0" marR="0" rtl="0" algn="l">
-              <a:lnSpc>
-                <a:spcPct val="160000"/>
-              </a:lnSpc>
-              <a:spcBef>
-                <a:spcPts val="0"/>
-              </a:spcBef>
-              <a:spcAft>
-                <a:spcPts val="0"/>
-              </a:spcAft>
-              <a:buNone/>
-            </a:pPr>
-            <a:r>
-              <a:rPr b="0" i="0" lang="en-US" sz="1200" u="none" cap="none" strike="noStrike">
-                <a:solidFill>
-                  <a:srgbClr val="475569"/>
-                </a:solidFill>
-                <a:latin typeface="Inter"/>
-                <a:ea typeface="Inter"/>
-                <a:cs typeface="Inter"/>
-                <a:sym typeface="Inter"/>
-              </a:rPr>
-              <a:t>Derives actionable intelligence from the data.</a:t>
-            </a:r>
-            <a:endParaRPr/>
-          </a:p>
-        </p:txBody>
-      </p:sp>
+        </p:nvPicPr>
+        <p:blipFill rotWithShape="1">
+          <a:blip r:embed="rId19">
+            <a:alphaModFix/>
+          </a:blip>
+          <a:srcRect b="0" l="0" r="0" t="0"/>
+          <a:stretch/>
+        </p:blipFill>
+        <p:spPr>
+          <a:xfrm>
+            <a:off x="8401050" y="5338762"/>
+            <a:ext cx="866775" cy="361950"/>
+          </a:xfrm>
+          <a:prstGeom prst="rect">
+            <a:avLst/>
+          </a:prstGeom>
+          <a:noFill/>
+          <a:ln>
+            <a:noFill/>
+          </a:ln>
+        </p:spPr>
+      </p:pic>
     </p:spTree>
   </p:cSld>
   <p:clrMapOvr>
@@ -20157,7 +20229,7 @@
     </p:bg>
     <p:spTree>
       <p:nvGrpSpPr>
-        <p:cNvPr id="209" name="Shape 209"/>
+        <p:cNvPr id="211" name="Shape 211"/>
         <p:cNvGrpSpPr/>
         <p:nvPr/>
       </p:nvGrpSpPr>
@@ -20169,22 +20241,261 @@
           <a:chExt cx="0" cy="0"/>
         </a:xfrm>
       </p:grpSpPr>
+      <p:pic>
+        <p:nvPicPr>
+          <p:cNvPr descr="image.png" id="212" name="Google Shape;212;p20"/>
+          <p:cNvPicPr preferRelativeResize="0"/>
+          <p:nvPr/>
+        </p:nvPicPr>
+        <p:blipFill rotWithShape="1">
+          <a:blip r:embed="rId3">
+            <a:alphaModFix/>
+          </a:blip>
+          <a:srcRect b="0" l="0" r="0" t="0"/>
+          <a:stretch/>
+        </p:blipFill>
+        <p:spPr>
+          <a:xfrm>
+            <a:off x="0" y="0"/>
+            <a:ext cx="12192000" cy="6858000"/>
+          </a:xfrm>
+          <a:prstGeom prst="rect">
+            <a:avLst/>
+          </a:prstGeom>
+          <a:noFill/>
+          <a:ln>
+            <a:noFill/>
+          </a:ln>
+        </p:spPr>
+      </p:pic>
+      <p:pic>
+        <p:nvPicPr>
+          <p:cNvPr descr="image.png" id="213" name="Google Shape;213;p20"/>
+          <p:cNvPicPr preferRelativeResize="0"/>
+          <p:nvPr/>
+        </p:nvPicPr>
+        <p:blipFill rotWithShape="1">
+          <a:blip r:embed="rId4">
+            <a:alphaModFix/>
+          </a:blip>
+          <a:srcRect b="0" l="0" r="0" t="0"/>
+          <a:stretch/>
+        </p:blipFill>
+        <p:spPr>
+          <a:xfrm>
+            <a:off x="571500" y="2334666"/>
+            <a:ext cx="5238750" cy="881955"/>
+          </a:xfrm>
+          <a:prstGeom prst="rect">
+            <a:avLst/>
+          </a:prstGeom>
+          <a:noFill/>
+          <a:ln>
+            <a:noFill/>
+          </a:ln>
+        </p:spPr>
+      </p:pic>
+      <p:pic>
+        <p:nvPicPr>
+          <p:cNvPr descr="image.png" id="214" name="Google Shape;214;p20"/>
+          <p:cNvPicPr preferRelativeResize="0"/>
+          <p:nvPr/>
+        </p:nvPicPr>
+        <p:blipFill rotWithShape="1">
+          <a:blip r:embed="rId5">
+            <a:alphaModFix/>
+          </a:blip>
+          <a:srcRect b="0" l="0" r="0" t="0"/>
+          <a:stretch/>
+        </p:blipFill>
+        <p:spPr>
+          <a:xfrm>
+            <a:off x="571500" y="3359497"/>
+            <a:ext cx="5238750" cy="881955"/>
+          </a:xfrm>
+          <a:prstGeom prst="rect">
+            <a:avLst/>
+          </a:prstGeom>
+          <a:noFill/>
+          <a:ln>
+            <a:noFill/>
+          </a:ln>
+        </p:spPr>
+      </p:pic>
+      <p:pic>
+        <p:nvPicPr>
+          <p:cNvPr descr="image.png" id="215" name="Google Shape;215;p20"/>
+          <p:cNvPicPr preferRelativeResize="0"/>
+          <p:nvPr/>
+        </p:nvPicPr>
+        <p:blipFill rotWithShape="1">
+          <a:blip r:embed="rId6">
+            <a:alphaModFix/>
+          </a:blip>
+          <a:srcRect b="0" l="0" r="0" t="0"/>
+          <a:stretch/>
+        </p:blipFill>
+        <p:spPr>
+          <a:xfrm>
+            <a:off x="571500" y="4384327"/>
+            <a:ext cx="5238750" cy="881955"/>
+          </a:xfrm>
+          <a:prstGeom prst="rect">
+            <a:avLst/>
+          </a:prstGeom>
+          <a:noFill/>
+          <a:ln>
+            <a:noFill/>
+          </a:ln>
+        </p:spPr>
+      </p:pic>
+      <p:pic>
+        <p:nvPicPr>
+          <p:cNvPr descr="image.png" id="216" name="Google Shape;216;p20"/>
+          <p:cNvPicPr preferRelativeResize="0"/>
+          <p:nvPr/>
+        </p:nvPicPr>
+        <p:blipFill rotWithShape="1">
+          <a:blip r:embed="rId7">
+            <a:alphaModFix/>
+          </a:blip>
+          <a:srcRect b="0" l="0" r="0" t="0"/>
+          <a:stretch/>
+        </p:blipFill>
+        <p:spPr>
+          <a:xfrm>
+            <a:off x="6381750" y="2334666"/>
+            <a:ext cx="5238750" cy="881955"/>
+          </a:xfrm>
+          <a:prstGeom prst="rect">
+            <a:avLst/>
+          </a:prstGeom>
+          <a:noFill/>
+          <a:ln>
+            <a:noFill/>
+          </a:ln>
+        </p:spPr>
+      </p:pic>
+      <p:pic>
+        <p:nvPicPr>
+          <p:cNvPr descr="image.png" id="217" name="Google Shape;217;p20"/>
+          <p:cNvPicPr preferRelativeResize="0"/>
+          <p:nvPr/>
+        </p:nvPicPr>
+        <p:blipFill rotWithShape="1">
+          <a:blip r:embed="rId8">
+            <a:alphaModFix/>
+          </a:blip>
+          <a:srcRect b="0" l="0" r="0" t="0"/>
+          <a:stretch/>
+        </p:blipFill>
+        <p:spPr>
+          <a:xfrm>
+            <a:off x="6381750" y="3359497"/>
+            <a:ext cx="5238750" cy="881955"/>
+          </a:xfrm>
+          <a:prstGeom prst="rect">
+            <a:avLst/>
+          </a:prstGeom>
+          <a:noFill/>
+          <a:ln>
+            <a:noFill/>
+          </a:ln>
+        </p:spPr>
+      </p:pic>
+      <p:pic>
+        <p:nvPicPr>
+          <p:cNvPr descr="image.png" id="218" name="Google Shape;218;p20"/>
+          <p:cNvPicPr preferRelativeResize="0"/>
+          <p:nvPr/>
+        </p:nvPicPr>
+        <p:blipFill rotWithShape="1">
+          <a:blip r:embed="rId9">
+            <a:alphaModFix/>
+          </a:blip>
+          <a:srcRect b="0" l="0" r="0" t="0"/>
+          <a:stretch/>
+        </p:blipFill>
+        <p:spPr>
+          <a:xfrm>
+            <a:off x="6381750" y="4384327"/>
+            <a:ext cx="5238750" cy="881955"/>
+          </a:xfrm>
+          <a:prstGeom prst="rect">
+            <a:avLst/>
+          </a:prstGeom>
+          <a:noFill/>
+          <a:ln>
+            <a:noFill/>
+          </a:ln>
+        </p:spPr>
+      </p:pic>
       <p:sp>
         <p:nvSpPr>
-          <p:cNvPr id="210" name="Google Shape;210;p20"/>
+          <p:cNvPr id="219" name="Google Shape;219;p20"/>
+          <p:cNvSpPr txBox="1"/>
+          <p:nvPr/>
+        </p:nvSpPr>
+        <p:spPr>
+          <a:xfrm>
+            <a:off x="762000" y="571500"/>
+            <a:ext cx="11401425" cy="600075"/>
+          </a:xfrm>
+          <a:prstGeom prst="rect">
+            <a:avLst/>
+          </a:prstGeom>
+          <a:noFill/>
+          <a:ln>
+            <a:noFill/>
+          </a:ln>
+        </p:spPr>
+        <p:txBody>
+          <a:bodyPr anchorCtr="0" anchor="t" bIns="0" lIns="0" spcFirstLastPara="1" rIns="0" wrap="square" tIns="0">
+            <a:spAutoFit/>
+          </a:bodyPr>
+          <a:lstStyle/>
+          <a:p>
+            <a:pPr indent="0" lvl="0" marL="0" marR="0" rtl="0" algn="l">
+              <a:spcBef>
+                <a:spcPts val="0"/>
+              </a:spcBef>
+              <a:spcAft>
+                <a:spcPts val="0"/>
+              </a:spcAft>
+              <a:buNone/>
+            </a:pPr>
+            <a:r>
+              <a:rPr b="0" i="0" lang="en-US" sz="3150" u="none" cap="none" strike="noStrike">
+                <a:solidFill>
+                  <a:srgbClr val="1E3A8A"/>
+                </a:solidFill>
+                <a:latin typeface="Poppins SemiBold"/>
+                <a:ea typeface="Poppins SemiBold"/>
+                <a:cs typeface="Poppins SemiBold"/>
+                <a:sym typeface="Poppins SemiBold"/>
+              </a:rPr>
+              <a:t>Core Modules</a:t>
+            </a:r>
+            <a:endParaRPr/>
+          </a:p>
+        </p:txBody>
+      </p:sp>
+      <p:sp>
+        <p:nvSpPr>
+          <p:cNvPr id="220" name="Google Shape;220;p20"/>
           <p:cNvSpPr/>
           <p:nvPr/>
         </p:nvSpPr>
         <p:spPr>
           <a:xfrm>
-            <a:off x="571500" y="3857625"/>
-            <a:ext cx="11049000" cy="28575"/>
+            <a:off x="571500" y="571500"/>
+            <a:ext cx="57150" cy="600075"/>
           </a:xfrm>
           <a:prstGeom prst="rect">
             <a:avLst/>
           </a:prstGeom>
           <a:solidFill>
-            <a:srgbClr val="CBD5E1"/>
+            <a:srgbClr val="3B82F6"/>
           </a:solidFill>
           <a:ln>
             <a:noFill/>
@@ -20220,151 +20531,16 @@
           </a:p>
         </p:txBody>
       </p:sp>
-      <p:pic>
-        <p:nvPicPr>
-          <p:cNvPr descr="image.png" id="211" name="Google Shape;211;p20"/>
-          <p:cNvPicPr preferRelativeResize="0"/>
-          <p:nvPr/>
-        </p:nvPicPr>
-        <p:blipFill rotWithShape="1">
-          <a:blip r:embed="rId3">
-            <a:alphaModFix/>
-          </a:blip>
-          <a:srcRect b="0" l="0" r="0" t="0"/>
-          <a:stretch/>
-        </p:blipFill>
-        <p:spPr>
-          <a:xfrm>
-            <a:off x="0" y="0"/>
-            <a:ext cx="12192000" cy="6858000"/>
-          </a:xfrm>
-          <a:prstGeom prst="rect">
-            <a:avLst/>
-          </a:prstGeom>
-          <a:noFill/>
-          <a:ln>
-            <a:noFill/>
-          </a:ln>
-        </p:spPr>
-      </p:pic>
-      <p:pic>
-        <p:nvPicPr>
-          <p:cNvPr descr="image.png" id="212" name="Google Shape;212;p20"/>
-          <p:cNvPicPr preferRelativeResize="0"/>
-          <p:nvPr/>
-        </p:nvPicPr>
-        <p:blipFill rotWithShape="1">
-          <a:blip r:embed="rId4">
-            <a:alphaModFix/>
-          </a:blip>
-          <a:srcRect b="0" l="0" r="0" t="0"/>
-          <a:stretch/>
-        </p:blipFill>
-        <p:spPr>
-          <a:xfrm>
-            <a:off x="571500" y="3134766"/>
-            <a:ext cx="1714500" cy="1474291"/>
-          </a:xfrm>
-          <a:prstGeom prst="rect">
-            <a:avLst/>
-          </a:prstGeom>
-          <a:noFill/>
-          <a:ln>
-            <a:noFill/>
-          </a:ln>
-        </p:spPr>
-      </p:pic>
-      <p:pic>
-        <p:nvPicPr>
-          <p:cNvPr descr="image.png" id="213" name="Google Shape;213;p20"/>
-          <p:cNvPicPr preferRelativeResize="0"/>
-          <p:nvPr/>
-        </p:nvPicPr>
-        <p:blipFill rotWithShape="1">
-          <a:blip r:embed="rId5">
-            <a:alphaModFix/>
-          </a:blip>
-          <a:srcRect b="0" l="0" r="0" t="0"/>
-          <a:stretch/>
-        </p:blipFill>
-        <p:spPr>
-          <a:xfrm>
-            <a:off x="3682900" y="3134766"/>
-            <a:ext cx="1714500" cy="1474291"/>
-          </a:xfrm>
-          <a:prstGeom prst="rect">
-            <a:avLst/>
-          </a:prstGeom>
-          <a:noFill/>
-          <a:ln>
-            <a:noFill/>
-          </a:ln>
-        </p:spPr>
-      </p:pic>
-      <p:pic>
-        <p:nvPicPr>
-          <p:cNvPr descr="image.png" id="214" name="Google Shape;214;p20"/>
-          <p:cNvPicPr preferRelativeResize="0"/>
-          <p:nvPr/>
-        </p:nvPicPr>
-        <p:blipFill rotWithShape="1">
-          <a:blip r:embed="rId6">
-            <a:alphaModFix/>
-          </a:blip>
-          <a:srcRect b="0" l="0" r="0" t="0"/>
-          <a:stretch/>
-        </p:blipFill>
-        <p:spPr>
-          <a:xfrm>
-            <a:off x="6794301" y="3134766"/>
-            <a:ext cx="1714500" cy="1474291"/>
-          </a:xfrm>
-          <a:prstGeom prst="rect">
-            <a:avLst/>
-          </a:prstGeom>
-          <a:noFill/>
-          <a:ln>
-            <a:noFill/>
-          </a:ln>
-        </p:spPr>
-      </p:pic>
-      <p:pic>
-        <p:nvPicPr>
-          <p:cNvPr descr="image.png" id="215" name="Google Shape;215;p20"/>
-          <p:cNvPicPr preferRelativeResize="0"/>
-          <p:nvPr/>
-        </p:nvPicPr>
-        <p:blipFill rotWithShape="1">
-          <a:blip r:embed="rId7">
-            <a:alphaModFix/>
-          </a:blip>
-          <a:srcRect b="0" l="0" r="0" t="0"/>
-          <a:stretch/>
-        </p:blipFill>
-        <p:spPr>
-          <a:xfrm>
-            <a:off x="9905702" y="3134766"/>
-            <a:ext cx="1714500" cy="1474291"/>
-          </a:xfrm>
-          <a:prstGeom prst="rect">
-            <a:avLst/>
-          </a:prstGeom>
-          <a:noFill/>
-          <a:ln>
-            <a:noFill/>
-          </a:ln>
-        </p:spPr>
-      </p:pic>
       <p:sp>
         <p:nvSpPr>
-          <p:cNvPr id="216" name="Google Shape;216;p20"/>
+          <p:cNvPr id="221" name="Google Shape;221;p20"/>
           <p:cNvSpPr txBox="1"/>
           <p:nvPr/>
         </p:nvSpPr>
         <p:spPr>
           <a:xfrm>
-            <a:off x="762000" y="571500"/>
-            <a:ext cx="11401425" cy="600075"/>
+            <a:off x="771525" y="2534691"/>
+            <a:ext cx="5080635" cy="238125"/>
           </a:xfrm>
           <a:prstGeom prst="rect">
             <a:avLst/>
@@ -20390,16 +20566,16 @@
               <a:buNone/>
             </a:pPr>
             <a:r>
-              <a:rPr b="0" i="0" lang="en-US" sz="3150" u="none" cap="none" strike="noStrike">
+              <a:rPr b="1" i="0" lang="en-US" sz="1200" u="none" cap="none" strike="noStrike">
                 <a:solidFill>
-                  <a:srgbClr val="1E3A8A"/>
+                  <a:srgbClr val="1E40AF"/>
                 </a:solidFill>
-                <a:latin typeface="Poppins SemiBold"/>
-                <a:ea typeface="Poppins SemiBold"/>
-                <a:cs typeface="Poppins SemiBold"/>
-                <a:sym typeface="Poppins SemiBold"/>
+                <a:latin typeface="Poppins"/>
+                <a:ea typeface="Poppins"/>
+                <a:cs typeface="Poppins"/>
+                <a:sym typeface="Poppins"/>
               </a:rPr>
-              <a:t>Milestone Progress</a:t>
+              <a:t>1. Ingestion Module</a:t>
             </a:r>
             <a:endParaRPr/>
           </a:p>
@@ -20407,173 +20583,14 @@
       </p:sp>
       <p:sp>
         <p:nvSpPr>
-          <p:cNvPr id="217" name="Google Shape;217;p20"/>
-          <p:cNvSpPr/>
-          <p:nvPr/>
-        </p:nvSpPr>
-        <p:spPr>
-          <a:xfrm>
-            <a:off x="571500" y="571500"/>
-            <a:ext cx="57150" cy="600075"/>
-          </a:xfrm>
-          <a:prstGeom prst="rect">
-            <a:avLst/>
-          </a:prstGeom>
-          <a:solidFill>
-            <a:srgbClr val="3B82F6"/>
-          </a:solidFill>
-          <a:ln>
-            <a:noFill/>
-          </a:ln>
-        </p:spPr>
-        <p:txBody>
-          <a:bodyPr anchorCtr="0" anchor="ctr" bIns="45700" lIns="91425" spcFirstLastPara="1" rIns="91425" wrap="square" tIns="45700">
-            <a:noAutofit/>
-          </a:bodyPr>
-          <a:lstStyle/>
-          <a:p>
-            <a:pPr indent="0" lvl="0" marL="0" marR="0" rtl="0" algn="ctr">
-              <a:spcBef>
-                <a:spcPts val="0"/>
-              </a:spcBef>
-              <a:spcAft>
-                <a:spcPts val="0"/>
-              </a:spcAft>
-              <a:buNone/>
-            </a:pPr>
-            <a:r>
-              <a:t/>
-            </a:r>
-            <a:endParaRPr b="0" i="0" sz="1800" u="none" cap="none" strike="noStrike">
-              <a:solidFill>
-                <a:schemeClr val="dk1"/>
-              </a:solidFill>
-              <a:latin typeface="Calibri"/>
-              <a:ea typeface="Calibri"/>
-              <a:cs typeface="Calibri"/>
-              <a:sym typeface="Calibri"/>
-            </a:endParaRPr>
-          </a:p>
-        </p:txBody>
-      </p:sp>
-      <p:pic>
-        <p:nvPicPr>
-          <p:cNvPr descr="image.png" id="218" name="Google Shape;218;p20"/>
-          <p:cNvPicPr preferRelativeResize="0"/>
-          <p:nvPr/>
-        </p:nvPicPr>
-        <p:blipFill rotWithShape="1">
-          <a:blip r:embed="rId8">
-            <a:alphaModFix/>
-          </a:blip>
-          <a:srcRect b="0" l="0" r="0" t="0"/>
-          <a:stretch/>
-        </p:blipFill>
-        <p:spPr>
-          <a:xfrm>
-            <a:off x="2884437" y="3757612"/>
-            <a:ext cx="200025" cy="228600"/>
-          </a:xfrm>
-          <a:prstGeom prst="rect">
-            <a:avLst/>
-          </a:prstGeom>
-          <a:noFill/>
-          <a:ln>
-            <a:noFill/>
-          </a:ln>
-        </p:spPr>
-      </p:pic>
-      <p:pic>
-        <p:nvPicPr>
-          <p:cNvPr descr="image.png" id="219" name="Google Shape;219;p20"/>
-          <p:cNvPicPr preferRelativeResize="0"/>
-          <p:nvPr/>
-        </p:nvPicPr>
-        <p:blipFill rotWithShape="1">
-          <a:blip r:embed="rId9">
-            <a:alphaModFix/>
-          </a:blip>
-          <a:srcRect b="0" l="0" r="0" t="0"/>
-          <a:stretch/>
-        </p:blipFill>
-        <p:spPr>
-          <a:xfrm>
-            <a:off x="5995838" y="3757612"/>
-            <a:ext cx="200025" cy="228600"/>
-          </a:xfrm>
-          <a:prstGeom prst="rect">
-            <a:avLst/>
-          </a:prstGeom>
-          <a:noFill/>
-          <a:ln>
-            <a:noFill/>
-          </a:ln>
-        </p:spPr>
-      </p:pic>
-      <p:pic>
-        <p:nvPicPr>
-          <p:cNvPr descr="image.png" id="220" name="Google Shape;220;p20"/>
-          <p:cNvPicPr preferRelativeResize="0"/>
-          <p:nvPr/>
-        </p:nvPicPr>
-        <p:blipFill rotWithShape="1">
-          <a:blip r:embed="rId9">
-            <a:alphaModFix/>
-          </a:blip>
-          <a:srcRect b="0" l="0" r="0" t="0"/>
-          <a:stretch/>
-        </p:blipFill>
-        <p:spPr>
-          <a:xfrm>
-            <a:off x="9107239" y="3757612"/>
-            <a:ext cx="200025" cy="228600"/>
-          </a:xfrm>
-          <a:prstGeom prst="rect">
-            <a:avLst/>
-          </a:prstGeom>
-          <a:noFill/>
-          <a:ln>
-            <a:noFill/>
-          </a:ln>
-        </p:spPr>
-      </p:pic>
-      <p:pic>
-        <p:nvPicPr>
-          <p:cNvPr descr="image.png" id="221" name="Google Shape;221;p20"/>
-          <p:cNvPicPr preferRelativeResize="0"/>
-          <p:nvPr/>
-        </p:nvPicPr>
-        <p:blipFill rotWithShape="1">
-          <a:blip r:embed="rId10">
-            <a:alphaModFix/>
-          </a:blip>
-          <a:srcRect b="0" l="0" r="0" t="0"/>
-          <a:stretch/>
-        </p:blipFill>
-        <p:spPr>
-          <a:xfrm>
-            <a:off x="781050" y="3344316"/>
-            <a:ext cx="1295400" cy="228600"/>
-          </a:xfrm>
-          <a:prstGeom prst="rect">
-            <a:avLst/>
-          </a:prstGeom>
-          <a:noFill/>
-          <a:ln>
-            <a:noFill/>
-          </a:ln>
-        </p:spPr>
-      </p:pic>
-      <p:sp>
-        <p:nvSpPr>
           <p:cNvPr id="222" name="Google Shape;222;p20"/>
           <p:cNvSpPr txBox="1"/>
           <p:nvPr/>
         </p:nvSpPr>
         <p:spPr>
           <a:xfrm>
-            <a:off x="748665" y="3668166"/>
-            <a:ext cx="1360170" cy="257175"/>
+            <a:off x="771525" y="2772816"/>
+            <a:ext cx="4838700" cy="243780"/>
           </a:xfrm>
           <a:prstGeom prst="rect">
             <a:avLst/>
@@ -20589,7 +20606,10 @@
           </a:bodyPr>
           <a:lstStyle/>
           <a:p>
-            <a:pPr indent="0" lvl="0" marL="0" marR="0" rtl="0" algn="ctr">
+            <a:pPr indent="0" lvl="0" marL="0" marR="0" rtl="0" algn="l">
+              <a:lnSpc>
+                <a:spcPct val="160000"/>
+              </a:lnSpc>
               <a:spcBef>
                 <a:spcPts val="0"/>
               </a:spcBef>
@@ -20599,16 +20619,16 @@
               <a:buNone/>
             </a:pPr>
             <a:r>
-              <a:rPr b="1" i="0" lang="en-US" sz="1350" u="none" cap="none" strike="noStrike">
+              <a:rPr b="0" i="0" lang="en-US" sz="1200" u="none" cap="none" strike="noStrike">
                 <a:solidFill>
-                  <a:srgbClr val="1E3A8A"/>
+                  <a:srgbClr val="475569"/>
                 </a:solidFill>
-                <a:latin typeface="Poppins"/>
-                <a:ea typeface="Poppins"/>
-                <a:cs typeface="Poppins"/>
-                <a:sym typeface="Poppins"/>
+                <a:latin typeface="Inter"/>
+                <a:ea typeface="Inter"/>
+                <a:cs typeface="Inter"/>
+                <a:sym typeface="Inter"/>
               </a:rPr>
-              <a:t>Milestone 1</a:t>
+              <a:t>Handles image uploads and basic preprocessing.</a:t>
             </a:r>
             <a:endParaRPr/>
           </a:p>
@@ -20622,8 +20642,8 @@
         </p:nvSpPr>
         <p:spPr>
           <a:xfrm>
-            <a:off x="781050" y="3972966"/>
-            <a:ext cx="1295400" cy="426541"/>
+            <a:off x="771525" y="3559522"/>
+            <a:ext cx="5080635" cy="238125"/>
           </a:xfrm>
           <a:prstGeom prst="rect">
             <a:avLst/>
@@ -20639,10 +20659,7 @@
           </a:bodyPr>
           <a:lstStyle/>
           <a:p>
-            <a:pPr indent="0" lvl="0" marL="0" marR="0" rtl="0" algn="ctr">
-              <a:lnSpc>
-                <a:spcPct val="93277"/>
-              </a:lnSpc>
+            <a:pPr indent="0" lvl="0" marL="0" marR="0" rtl="0" algn="l">
               <a:spcBef>
                 <a:spcPts val="0"/>
               </a:spcBef>
@@ -20652,7 +20669,60 @@
               <a:buNone/>
             </a:pPr>
             <a:r>
-              <a:rPr b="0" i="0" lang="en-US" sz="1050" u="none" cap="none" strike="noStrike">
+              <a:rPr b="1" i="0" lang="en-US" sz="1200" u="none" cap="none" strike="noStrike">
+                <a:solidFill>
+                  <a:srgbClr val="1E40AF"/>
+                </a:solidFill>
+                <a:latin typeface="Poppins"/>
+                <a:ea typeface="Poppins"/>
+                <a:cs typeface="Poppins"/>
+                <a:sym typeface="Poppins"/>
+              </a:rPr>
+              <a:t>2. OCR &amp; Template Module</a:t>
+            </a:r>
+            <a:endParaRPr/>
+          </a:p>
+        </p:txBody>
+      </p:sp>
+      <p:sp>
+        <p:nvSpPr>
+          <p:cNvPr id="224" name="Google Shape;224;p20"/>
+          <p:cNvSpPr txBox="1"/>
+          <p:nvPr/>
+        </p:nvSpPr>
+        <p:spPr>
+          <a:xfrm>
+            <a:off x="771525" y="3797647"/>
+            <a:ext cx="4838700" cy="243780"/>
+          </a:xfrm>
+          <a:prstGeom prst="rect">
+            <a:avLst/>
+          </a:prstGeom>
+          <a:noFill/>
+          <a:ln>
+            <a:noFill/>
+          </a:ln>
+        </p:spPr>
+        <p:txBody>
+          <a:bodyPr anchorCtr="0" anchor="t" bIns="0" lIns="0" spcFirstLastPara="1" rIns="0" wrap="square" tIns="0">
+            <a:spAutoFit/>
+          </a:bodyPr>
+          <a:lstStyle/>
+          <a:p>
+            <a:pPr indent="0" lvl="0" marL="0" marR="0" rtl="0" algn="l">
+              <a:lnSpc>
+                <a:spcPct val="160000"/>
+              </a:lnSpc>
+              <a:spcBef>
+                <a:spcPts val="0"/>
+              </a:spcBef>
+              <a:spcAft>
+                <a:spcPts val="0"/>
+              </a:spcAft>
+              <a:buNone/>
+            </a:pPr>
+            <a:r>
+              <a:rPr b="0" i="0" lang="en-US" sz="1200" u="none" cap="none" strike="noStrike">
                 <a:solidFill>
                   <a:srgbClr val="475569"/>
                 </a:solidFill>
@@ -20661,62 +20731,12 @@
                 <a:cs typeface="Inter"/>
                 <a:sym typeface="Inter"/>
               </a:rPr>
-              <a:t>OCR Extraction</a:t>
-            </a:r>
-            <a:br>
-              <a:rPr b="0" i="0" lang="en-US" sz="1800" u="none" cap="none" strike="noStrike">
-                <a:solidFill>
-                  <a:schemeClr val="dk1"/>
-                </a:solidFill>
-                <a:latin typeface="Calibri"/>
-                <a:ea typeface="Calibri"/>
-                <a:cs typeface="Calibri"/>
-                <a:sym typeface="Calibri"/>
-              </a:rPr>
-            </a:br>
-            <a:r>
-              <a:rPr b="0" i="0" lang="en-US" sz="1050" u="none" cap="none" strike="noStrike">
-                <a:solidFill>
-                  <a:srgbClr val="475569"/>
-                </a:solidFill>
-                <a:latin typeface="Inter"/>
-                <a:ea typeface="Inter"/>
-                <a:cs typeface="Inter"/>
-                <a:sym typeface="Inter"/>
-              </a:rPr>
-              <a:t> Database Storage</a:t>
+              <a:t>Extracts text using AI and maps to vendor templates.</a:t>
             </a:r>
             <a:endParaRPr/>
           </a:p>
         </p:txBody>
       </p:sp>
-      <p:pic>
-        <p:nvPicPr>
-          <p:cNvPr descr="image.png" id="224" name="Google Shape;224;p20"/>
-          <p:cNvPicPr preferRelativeResize="0"/>
-          <p:nvPr/>
-        </p:nvPicPr>
-        <p:blipFill rotWithShape="1">
-          <a:blip r:embed="rId11">
-            <a:alphaModFix/>
-          </a:blip>
-          <a:srcRect b="0" l="0" r="0" t="0"/>
-          <a:stretch/>
-        </p:blipFill>
-        <p:spPr>
-          <a:xfrm>
-            <a:off x="3892450" y="3344316"/>
-            <a:ext cx="1295400" cy="228600"/>
-          </a:xfrm>
-          <a:prstGeom prst="rect">
-            <a:avLst/>
-          </a:prstGeom>
-          <a:noFill/>
-          <a:ln>
-            <a:noFill/>
-          </a:ln>
-        </p:spPr>
-      </p:pic>
       <p:sp>
         <p:nvSpPr>
           <p:cNvPr id="225" name="Google Shape;225;p20"/>
@@ -20725,8 +20745,8 @@
         </p:nvSpPr>
         <p:spPr>
           <a:xfrm>
-            <a:off x="3860065" y="3668166"/>
-            <a:ext cx="1360170" cy="257175"/>
+            <a:off x="771525" y="4584352"/>
+            <a:ext cx="5080635" cy="238125"/>
           </a:xfrm>
           <a:prstGeom prst="rect">
             <a:avLst/>
@@ -20742,7 +20762,7 @@
           </a:bodyPr>
           <a:lstStyle/>
           <a:p>
-            <a:pPr indent="0" lvl="0" marL="0" marR="0" rtl="0" algn="ctr">
+            <a:pPr indent="0" lvl="0" marL="0" marR="0" rtl="0" algn="l">
               <a:spcBef>
                 <a:spcPts val="0"/>
               </a:spcBef>
@@ -20752,16 +20772,16 @@
               <a:buNone/>
             </a:pPr>
             <a:r>
-              <a:rPr b="1" i="0" lang="en-US" sz="1350" u="none" cap="none" strike="noStrike">
+              <a:rPr b="1" i="0" lang="en-US" sz="1200" u="none" cap="none" strike="noStrike">
                 <a:solidFill>
-                  <a:srgbClr val="1E3A8A"/>
+                  <a:srgbClr val="1E40AF"/>
                 </a:solidFill>
                 <a:latin typeface="Poppins"/>
                 <a:ea typeface="Poppins"/>
                 <a:cs typeface="Poppins"/>
                 <a:sym typeface="Poppins"/>
               </a:rPr>
-              <a:t>Milestone 2</a:t>
+              <a:t>3. Database Module</a:t>
             </a:r>
             <a:endParaRPr/>
           </a:p>
@@ -20775,8 +20795,8 @@
         </p:nvSpPr>
         <p:spPr>
           <a:xfrm>
-            <a:off x="3892450" y="3972966"/>
-            <a:ext cx="1295400" cy="426541"/>
+            <a:off x="771525" y="4822477"/>
+            <a:ext cx="4838700" cy="243780"/>
           </a:xfrm>
           <a:prstGeom prst="rect">
             <a:avLst/>
@@ -20792,9 +20812,9 @@
           </a:bodyPr>
           <a:lstStyle/>
           <a:p>
-            <a:pPr indent="0" lvl="0" marL="0" marR="0" rtl="0" algn="ctr">
+            <a:pPr indent="0" lvl="0" marL="0" marR="0" rtl="0" algn="l">
               <a:lnSpc>
-                <a:spcPct val="93277"/>
+                <a:spcPct val="160000"/>
               </a:lnSpc>
               <a:spcBef>
                 <a:spcPts val="0"/>
@@ -20805,7 +20825,7 @@
               <a:buNone/>
             </a:pPr>
             <a:r>
-              <a:rPr b="0" i="0" lang="en-US" sz="1050" u="none" cap="none" strike="noStrike">
+              <a:rPr b="0" i="0" lang="en-US" sz="1200" u="none" cap="none" strike="noStrike">
                 <a:solidFill>
                   <a:srgbClr val="475569"/>
                 </a:solidFill>
@@ -20814,21 +20834,101 @@
                 <a:cs typeface="Inter"/>
                 <a:sym typeface="Inter"/>
               </a:rPr>
-              <a:t>Data Validation</a:t>
+              <a:t>Manages schema and CRUD operations for receipts.</a:t>
             </a:r>
-            <a:br>
-              <a:rPr b="0" i="0" lang="en-US" sz="1800" u="none" cap="none" strike="noStrike">
+            <a:endParaRPr/>
+          </a:p>
+        </p:txBody>
+      </p:sp>
+      <p:sp>
+        <p:nvSpPr>
+          <p:cNvPr id="227" name="Google Shape;227;p20"/>
+          <p:cNvSpPr txBox="1"/>
+          <p:nvPr/>
+        </p:nvSpPr>
+        <p:spPr>
+          <a:xfrm>
+            <a:off x="6581775" y="2534691"/>
+            <a:ext cx="5080635" cy="238125"/>
+          </a:xfrm>
+          <a:prstGeom prst="rect">
+            <a:avLst/>
+          </a:prstGeom>
+          <a:noFill/>
+          <a:ln>
+            <a:noFill/>
+          </a:ln>
+        </p:spPr>
+        <p:txBody>
+          <a:bodyPr anchorCtr="0" anchor="t" bIns="0" lIns="0" spcFirstLastPara="1" rIns="0" wrap="square" tIns="0">
+            <a:spAutoFit/>
+          </a:bodyPr>
+          <a:lstStyle/>
+          <a:p>
+            <a:pPr indent="0" lvl="0" marL="0" marR="0" rtl="0" algn="l">
+              <a:spcBef>
+                <a:spcPts val="0"/>
+              </a:spcBef>
+              <a:spcAft>
+                <a:spcPts val="0"/>
+              </a:spcAft>
+              <a:buNone/>
+            </a:pPr>
+            <a:r>
+              <a:rPr b="1" i="0" lang="en-US" sz="1200" u="none" cap="none" strike="noStrike">
                 <a:solidFill>
-                  <a:schemeClr val="dk1"/>
+                  <a:srgbClr val="1E40AF"/>
                 </a:solidFill>
-                <a:latin typeface="Calibri"/>
-                <a:ea typeface="Calibri"/>
-                <a:cs typeface="Calibri"/>
-                <a:sym typeface="Calibri"/>
+                <a:latin typeface="Poppins"/>
+                <a:ea typeface="Poppins"/>
+                <a:cs typeface="Poppins"/>
+                <a:sym typeface="Poppins"/>
               </a:rPr>
-            </a:br>
+              <a:t>4. Analytics Module</a:t>
+            </a:r>
+            <a:endParaRPr/>
+          </a:p>
+        </p:txBody>
+      </p:sp>
+      <p:sp>
+        <p:nvSpPr>
+          <p:cNvPr id="228" name="Google Shape;228;p20"/>
+          <p:cNvSpPr txBox="1"/>
+          <p:nvPr/>
+        </p:nvSpPr>
+        <p:spPr>
+          <a:xfrm>
+            <a:off x="6581775" y="2772816"/>
+            <a:ext cx="4838700" cy="243780"/>
+          </a:xfrm>
+          <a:prstGeom prst="rect">
+            <a:avLst/>
+          </a:prstGeom>
+          <a:noFill/>
+          <a:ln>
+            <a:noFill/>
+          </a:ln>
+        </p:spPr>
+        <p:txBody>
+          <a:bodyPr anchorCtr="0" anchor="t" bIns="0" lIns="0" spcFirstLastPara="1" rIns="0" wrap="square" tIns="0">
+            <a:spAutoFit/>
+          </a:bodyPr>
+          <a:lstStyle/>
+          <a:p>
+            <a:pPr indent="0" lvl="0" marL="0" marR="0" rtl="0" algn="l">
+              <a:lnSpc>
+                <a:spcPct val="160000"/>
+              </a:lnSpc>
+              <a:spcBef>
+                <a:spcPts val="0"/>
+              </a:spcBef>
+              <a:spcAft>
+                <a:spcPts val="0"/>
+              </a:spcAft>
+              <a:buNone/>
+            </a:pPr>
             <a:r>
-              <a:rPr b="0" i="0" lang="en-US" sz="1050" u="none" cap="none" strike="noStrike">
+              <a:rPr b="0" i="0" lang="en-US" sz="1200" u="none" cap="none" strike="noStrike">
                 <a:solidFill>
                   <a:srgbClr val="475569"/>
                 </a:solidFill>
@@ -20837,84 +20937,7 @@
                 <a:cs typeface="Inter"/>
                 <a:sym typeface="Inter"/>
               </a:rPr>
-              <a:t> Duplicate Detection</a:t>
-            </a:r>
-            <a:endParaRPr/>
-          </a:p>
-        </p:txBody>
-      </p:sp>
-      <p:pic>
-        <p:nvPicPr>
-          <p:cNvPr descr="image.png" id="227" name="Google Shape;227;p20"/>
-          <p:cNvPicPr preferRelativeResize="0"/>
-          <p:nvPr/>
-        </p:nvPicPr>
-        <p:blipFill rotWithShape="1">
-          <a:blip r:embed="rId12">
-            <a:alphaModFix/>
-          </a:blip>
-          <a:srcRect b="0" l="0" r="0" t="0"/>
-          <a:stretch/>
-        </p:blipFill>
-        <p:spPr>
-          <a:xfrm>
-            <a:off x="7003851" y="3344316"/>
-            <a:ext cx="1295400" cy="228600"/>
-          </a:xfrm>
-          <a:prstGeom prst="rect">
-            <a:avLst/>
-          </a:prstGeom>
-          <a:noFill/>
-          <a:ln>
-            <a:noFill/>
-          </a:ln>
-        </p:spPr>
-      </p:pic>
-      <p:sp>
-        <p:nvSpPr>
-          <p:cNvPr id="228" name="Google Shape;228;p20"/>
-          <p:cNvSpPr txBox="1"/>
-          <p:nvPr/>
-        </p:nvSpPr>
-        <p:spPr>
-          <a:xfrm>
-            <a:off x="6971466" y="3668166"/>
-            <a:ext cx="1360170" cy="257175"/>
-          </a:xfrm>
-          <a:prstGeom prst="rect">
-            <a:avLst/>
-          </a:prstGeom>
-          <a:noFill/>
-          <a:ln>
-            <a:noFill/>
-          </a:ln>
-        </p:spPr>
-        <p:txBody>
-          <a:bodyPr anchorCtr="0" anchor="t" bIns="0" lIns="0" spcFirstLastPara="1" rIns="0" wrap="square" tIns="0">
-            <a:spAutoFit/>
-          </a:bodyPr>
-          <a:lstStyle/>
-          <a:p>
-            <a:pPr indent="0" lvl="0" marL="0" marR="0" rtl="0" algn="ctr">
-              <a:spcBef>
-                <a:spcPts val="0"/>
-              </a:spcBef>
-              <a:spcAft>
-                <a:spcPts val="0"/>
-              </a:spcAft>
-              <a:buNone/>
-            </a:pPr>
-            <a:r>
-              <a:rPr b="1" i="0" lang="en-US" sz="1350" u="none" cap="none" strike="noStrike">
-                <a:solidFill>
-                  <a:srgbClr val="1E3A8A"/>
-                </a:solidFill>
-                <a:latin typeface="Poppins"/>
-                <a:ea typeface="Poppins"/>
-                <a:cs typeface="Poppins"/>
-                <a:sym typeface="Poppins"/>
-              </a:rPr>
-              <a:t>Milestone 3</a:t>
+              <a:t>Calculates KPIs, totals, and category breakdowns.</a:t>
             </a:r>
             <a:endParaRPr/>
           </a:p>
@@ -20928,8 +20951,8 @@
         </p:nvSpPr>
         <p:spPr>
           <a:xfrm>
-            <a:off x="7003851" y="3972966"/>
-            <a:ext cx="1295400" cy="426541"/>
+            <a:off x="6581775" y="3559522"/>
+            <a:ext cx="5080635" cy="238125"/>
           </a:xfrm>
           <a:prstGeom prst="rect">
             <a:avLst/>
@@ -20945,10 +20968,7 @@
           </a:bodyPr>
           <a:lstStyle/>
           <a:p>
-            <a:pPr indent="0" lvl="0" marL="0" marR="0" rtl="0" algn="ctr">
-              <a:lnSpc>
-                <a:spcPct val="93277"/>
-              </a:lnSpc>
+            <a:pPr indent="0" lvl="0" marL="0" marR="0" rtl="0" algn="l">
               <a:spcBef>
                 <a:spcPts val="0"/>
               </a:spcBef>
@@ -20958,7 +20978,60 @@
               <a:buNone/>
             </a:pPr>
             <a:r>
-              <a:rPr b="0" i="0" lang="en-US" sz="1050" u="none" cap="none" strike="noStrike">
+              <a:rPr b="1" i="0" lang="en-US" sz="1200" u="none" cap="none" strike="noStrike">
+                <a:solidFill>
+                  <a:srgbClr val="1E40AF"/>
+                </a:solidFill>
+                <a:latin typeface="Poppins"/>
+                <a:ea typeface="Poppins"/>
+                <a:cs typeface="Poppins"/>
+                <a:sym typeface="Poppins"/>
+              </a:rPr>
+              <a:t>5. Visualization Module</a:t>
+            </a:r>
+            <a:endParaRPr/>
+          </a:p>
+        </p:txBody>
+      </p:sp>
+      <p:sp>
+        <p:nvSpPr>
+          <p:cNvPr id="230" name="Google Shape;230;p20"/>
+          <p:cNvSpPr txBox="1"/>
+          <p:nvPr/>
+        </p:nvSpPr>
+        <p:spPr>
+          <a:xfrm>
+            <a:off x="6581775" y="3797647"/>
+            <a:ext cx="4838700" cy="243780"/>
+          </a:xfrm>
+          <a:prstGeom prst="rect">
+            <a:avLst/>
+          </a:prstGeom>
+          <a:noFill/>
+          <a:ln>
+            <a:noFill/>
+          </a:ln>
+        </p:spPr>
+        <p:txBody>
+          <a:bodyPr anchorCtr="0" anchor="t" bIns="0" lIns="0" spcFirstLastPara="1" rIns="0" wrap="square" tIns="0">
+            <a:spAutoFit/>
+          </a:bodyPr>
+          <a:lstStyle/>
+          <a:p>
+            <a:pPr indent="0" lvl="0" marL="0" marR="0" rtl="0" algn="l">
+              <a:lnSpc>
+                <a:spcPct val="160000"/>
+              </a:lnSpc>
+              <a:spcBef>
+                <a:spcPts val="0"/>
+              </a:spcBef>
+              <a:spcAft>
+                <a:spcPts val="0"/>
+              </a:spcAft>
+              <a:buNone/>
+            </a:pPr>
+            <a:r>
+              <a:rPr b="0" i="0" lang="en-US" sz="1200" u="none" cap="none" strike="noStrike">
                 <a:solidFill>
                   <a:srgbClr val="475569"/>
                 </a:solidFill>
@@ -20967,62 +21040,12 @@
                 <a:cs typeface="Inter"/>
                 <a:sym typeface="Inter"/>
               </a:rPr>
-              <a:t>Dashboard UI</a:t>
-            </a:r>
-            <a:br>
-              <a:rPr b="0" i="0" lang="en-US" sz="1800" u="none" cap="none" strike="noStrike">
-                <a:solidFill>
-                  <a:schemeClr val="dk1"/>
-                </a:solidFill>
-                <a:latin typeface="Calibri"/>
-                <a:ea typeface="Calibri"/>
-                <a:cs typeface="Calibri"/>
-                <a:sym typeface="Calibri"/>
-              </a:rPr>
-            </a:br>
-            <a:r>
-              <a:rPr b="0" i="0" lang="en-US" sz="1050" u="none" cap="none" strike="noStrike">
-                <a:solidFill>
-                  <a:srgbClr val="475569"/>
-                </a:solidFill>
-                <a:latin typeface="Inter"/>
-                <a:ea typeface="Inter"/>
-                <a:cs typeface="Inter"/>
-                <a:sym typeface="Inter"/>
-              </a:rPr>
-              <a:t> Charts &amp; Analytics</a:t>
+              <a:t>Generates interactive charts using Plotly.</a:t>
             </a:r>
             <a:endParaRPr/>
           </a:p>
         </p:txBody>
       </p:sp>
-      <p:pic>
-        <p:nvPicPr>
-          <p:cNvPr descr="image.png" id="230" name="Google Shape;230;p20"/>
-          <p:cNvPicPr preferRelativeResize="0"/>
-          <p:nvPr/>
-        </p:nvPicPr>
-        <p:blipFill rotWithShape="1">
-          <a:blip r:embed="rId13">
-            <a:alphaModFix/>
-          </a:blip>
-          <a:srcRect b="0" l="0" r="0" t="0"/>
-          <a:stretch/>
-        </p:blipFill>
-        <p:spPr>
-          <a:xfrm>
-            <a:off x="10115252" y="3344316"/>
-            <a:ext cx="1295400" cy="228600"/>
-          </a:xfrm>
-          <a:prstGeom prst="rect">
-            <a:avLst/>
-          </a:prstGeom>
-          <a:noFill/>
-          <a:ln>
-            <a:noFill/>
-          </a:ln>
-        </p:spPr>
-      </p:pic>
       <p:sp>
         <p:nvSpPr>
           <p:cNvPr id="231" name="Google Shape;231;p20"/>
@@ -21031,8 +21054,8 @@
         </p:nvSpPr>
         <p:spPr>
           <a:xfrm>
-            <a:off x="10082867" y="3668166"/>
-            <a:ext cx="1360170" cy="257175"/>
+            <a:off x="6581775" y="4584352"/>
+            <a:ext cx="5080635" cy="238125"/>
           </a:xfrm>
           <a:prstGeom prst="rect">
             <a:avLst/>
@@ -21048,7 +21071,7 @@
           </a:bodyPr>
           <a:lstStyle/>
           <a:p>
-            <a:pPr indent="0" lvl="0" marL="0" marR="0" rtl="0" algn="ctr">
+            <a:pPr indent="0" lvl="0" marL="0" marR="0" rtl="0" algn="l">
               <a:spcBef>
                 <a:spcPts val="0"/>
               </a:spcBef>
@@ -21058,16 +21081,16 @@
               <a:buNone/>
             </a:pPr>
             <a:r>
-              <a:rPr b="1" i="0" lang="en-US" sz="1350" u="none" cap="none" strike="noStrike">
+              <a:rPr b="1" i="0" lang="en-US" sz="1200" u="none" cap="none" strike="noStrike">
                 <a:solidFill>
-                  <a:srgbClr val="1E3A8A"/>
+                  <a:srgbClr val="1E40AF"/>
                 </a:solidFill>
                 <a:latin typeface="Poppins"/>
                 <a:ea typeface="Poppins"/>
                 <a:cs typeface="Poppins"/>
                 <a:sym typeface="Poppins"/>
               </a:rPr>
-              <a:t>Milestone 4</a:t>
+              <a:t>6. Insights Module</a:t>
             </a:r>
             <a:endParaRPr/>
           </a:p>
@@ -21081,8 +21104,8 @@
         </p:nvSpPr>
         <p:spPr>
           <a:xfrm>
-            <a:off x="10115252" y="3972966"/>
-            <a:ext cx="1295400" cy="426541"/>
+            <a:off x="6581775" y="4822477"/>
+            <a:ext cx="4838700" cy="243780"/>
           </a:xfrm>
           <a:prstGeom prst="rect">
             <a:avLst/>
@@ -21098,9 +21121,9 @@
           </a:bodyPr>
           <a:lstStyle/>
           <a:p>
-            <a:pPr indent="0" lvl="0" marL="0" marR="0" rtl="0" algn="ctr">
+            <a:pPr indent="0" lvl="0" marL="0" marR="0" rtl="0" algn="l">
               <a:lnSpc>
-                <a:spcPct val="93277"/>
+                <a:spcPct val="160000"/>
               </a:lnSpc>
               <a:spcBef>
                 <a:spcPts val="0"/>
@@ -21111,7 +21134,7 @@
               <a:buNone/>
             </a:pPr>
             <a:r>
-              <a:rPr b="0" i="0" lang="en-US" sz="1050" u="none" cap="none" strike="noStrike">
+              <a:rPr b="0" i="0" lang="en-US" sz="1200" u="none" cap="none" strike="noStrike">
                 <a:solidFill>
                   <a:srgbClr val="475569"/>
                 </a:solidFill>
@@ -21120,30 +21143,7 @@
                 <a:cs typeface="Inter"/>
                 <a:sym typeface="Inter"/>
               </a:rPr>
-              <a:t>Template Parsing</a:t>
-            </a:r>
-            <a:br>
-              <a:rPr b="0" i="0" lang="en-US" sz="1800" u="none" cap="none" strike="noStrike">
-                <a:solidFill>
-                  <a:schemeClr val="dk1"/>
-                </a:solidFill>
-                <a:latin typeface="Calibri"/>
-                <a:ea typeface="Calibri"/>
-                <a:cs typeface="Calibri"/>
-                <a:sym typeface="Calibri"/>
-              </a:rPr>
-            </a:br>
-            <a:r>
-              <a:rPr b="0" i="0" lang="en-US" sz="1050" u="none" cap="none" strike="noStrike">
-                <a:solidFill>
-                  <a:srgbClr val="475569"/>
-                </a:solidFill>
-                <a:latin typeface="Inter"/>
-                <a:ea typeface="Inter"/>
-                <a:cs typeface="Inter"/>
-                <a:sym typeface="Inter"/>
-              </a:rPr>
-              <a:t> Accuracy Boost</a:t>
+              <a:t>Derives actionable intelligence from the data.</a:t>
             </a:r>
             <a:endParaRPr/>
           </a:p>
@@ -21216,8 +21216,8 @@
         </p:nvSpPr>
         <p:spPr>
           <a:xfrm>
-            <a:off x="762000" y="1257300"/>
-            <a:ext cx="5000625" cy="1200150"/>
+            <a:off x="709275" y="1029675"/>
+            <a:ext cx="5000700" cy="484800"/>
           </a:xfrm>
           <a:prstGeom prst="rect">
             <a:avLst/>
@@ -21266,7 +21266,7 @@
         </p:nvSpPr>
         <p:spPr>
           <a:xfrm>
-            <a:off x="572625" y="1257300"/>
+            <a:off x="565300" y="931325"/>
             <a:ext cx="56100" cy="609600"/>
           </a:xfrm>
           <a:prstGeom prst="rect">
@@ -21713,6 +21713,285 @@
 </file>
 
 <file path=ppt/theme/theme1.xml><?xml version="1.0" encoding="utf-8"?>
+<a:theme xmlns:a="http://schemas.openxmlformats.org/drawingml/2006/main" xmlns:r="http://schemas.openxmlformats.org/officeDocument/2006/relationships" name="Office Theme">
+  <a:themeElements>
+    <a:clrScheme name="Office">
+      <a:dk1>
+        <a:srgbClr val="000000"/>
+      </a:dk1>
+      <a:lt1>
+        <a:srgbClr val="FFFFFF"/>
+      </a:lt1>
+      <a:dk2>
+        <a:srgbClr val="1F497D"/>
+      </a:dk2>
+      <a:lt2>
+        <a:srgbClr val="EEECE1"/>
+      </a:lt2>
+      <a:accent1>
+        <a:srgbClr val="4F81BD"/>
+      </a:accent1>
+      <a:accent2>
+        <a:srgbClr val="C0504D"/>
+      </a:accent2>
+      <a:accent3>
+        <a:srgbClr val="9BBB59"/>
+      </a:accent3>
+      <a:accent4>
+        <a:srgbClr val="8064A2"/>
+      </a:accent4>
+      <a:accent5>
+        <a:srgbClr val="4BACC6"/>
+      </a:accent5>
+      <a:accent6>
+        <a:srgbClr val="F79646"/>
+      </a:accent6>
+      <a:hlink>
+        <a:srgbClr val="0000FF"/>
+      </a:hlink>
+      <a:folHlink>
+        <a:srgbClr val="800080"/>
+      </a:folHlink>
+    </a:clrScheme>
+    <a:fontScheme name="Office">
+      <a:majorFont>
+        <a:latin typeface="Arial"/>
+        <a:ea typeface=""/>
+        <a:cs typeface=""/>
+        <a:font script="Jpan" typeface="ＭＳ Ｐゴシック"/>
+        <a:font script="Hang" typeface="맑은 고딕"/>
+        <a:font script="Hans" typeface="宋体"/>
+        <a:font script="Hant" typeface="新細明體"/>
+        <a:font script="Arab" typeface="Times New Roman"/>
+        <a:font script="Hebr" typeface="Times New Roman"/>
+        <a:font script="Thai" typeface="Angsana New"/>
+        <a:font script="Ethi" typeface="Nyala"/>
+        <a:font script="Beng" typeface="Vrinda"/>
+        <a:font script="Gujr" typeface="Shruti"/>
+        <a:font script="Khmr" typeface="MoolBoran"/>
+        <a:font script="Knda" typeface="Tunga"/>
+        <a:font script="Guru" typeface="Raavi"/>
+        <a:font script="Cans" typeface="Euphemia"/>
+        <a:font script="Cher" typeface="Plantagenet Cherokee"/>
+        <a:font script="Yiii" typeface="Microsoft Yi Baiti"/>
+        <a:font script="Tibt" typeface="Microsoft Himalaya"/>
+        <a:font script="Thaa" typeface="MV Boli"/>
+        <a:font script="Deva" typeface="Mangal"/>
+        <a:font script="Telu" typeface="Gautami"/>
+        <a:font script="Taml" typeface="Latha"/>
+        <a:font script="Syrc" typeface="Estrangelo Edessa"/>
+        <a:font script="Orya" typeface="Kalinga"/>
+        <a:font script="Mlym" typeface="Kartika"/>
+        <a:font script="Laoo" typeface="DokChampa"/>
+        <a:font script="Sinh" typeface="Iskoola Pota"/>
+        <a:font script="Mong" typeface="Mongolian Baiti"/>
+        <a:font script="Viet" typeface="Times New Roman"/>
+        <a:font script="Uigh" typeface="Microsoft Uighur"/>
+        <a:font script="Geor" typeface="Sylfaen"/>
+      </a:majorFont>
+      <a:minorFont>
+        <a:latin typeface="Arial"/>
+        <a:ea typeface=""/>
+        <a:cs typeface=""/>
+        <a:font script="Jpan" typeface="ＭＳ Ｐゴシック"/>
+        <a:font script="Hang" typeface="맑은 고딕"/>
+        <a:font script="Hans" typeface="宋体"/>
+        <a:font script="Hant" typeface="新細明體"/>
+        <a:font script="Arab" typeface="Arial"/>
+        <a:font script="Hebr" typeface="Arial"/>
+        <a:font script="Thai" typeface="Cordia New"/>
+        <a:font script="Ethi" typeface="Nyala"/>
+        <a:font script="Beng" typeface="Vrinda"/>
+        <a:font script="Gujr" typeface="Shruti"/>
+        <a:font script="Khmr" typeface="DaunPenh"/>
+        <a:font script="Knda" typeface="Tunga"/>
+        <a:font script="Guru" typeface="Raavi"/>
+        <a:font script="Cans" typeface="Euphemia"/>
+        <a:font script="Cher" typeface="Plantagenet Cherokee"/>
+        <a:font script="Yiii" typeface="Microsoft Yi Baiti"/>
+        <a:font script="Tibt" typeface="Microsoft Himalaya"/>
+        <a:font script="Thaa" typeface="MV Boli"/>
+        <a:font script="Deva" typeface="Mangal"/>
+        <a:font script="Telu" typeface="Gautami"/>
+        <a:font script="Taml" typeface="Latha"/>
+        <a:font script="Syrc" typeface="Estrangelo Edessa"/>
+        <a:font script="Orya" typeface="Kalinga"/>
+        <a:font script="Mlym" typeface="Kartika"/>
+        <a:font script="Laoo" typeface="DokChampa"/>
+        <a:font script="Sinh" typeface="Iskoola Pota"/>
+        <a:font script="Mong" typeface="Mongolian Baiti"/>
+        <a:font script="Viet" typeface="Arial"/>
+        <a:font script="Uigh" typeface="Microsoft Uighur"/>
+        <a:font script="Geor" typeface="Sylfaen"/>
+      </a:minorFont>
+    </a:fontScheme>
+    <a:fmtScheme name="Office">
+      <a:fillStyleLst>
+        <a:solidFill>
+          <a:schemeClr val="phClr"/>
+        </a:solidFill>
+        <a:gradFill rotWithShape="1">
+          <a:gsLst>
+            <a:gs pos="0">
+              <a:schemeClr val="phClr">
+                <a:tint val="50000"/>
+                <a:satMod val="300000"/>
+              </a:schemeClr>
+            </a:gs>
+            <a:gs pos="35000">
+              <a:schemeClr val="phClr">
+                <a:tint val="37000"/>
+                <a:satMod val="300000"/>
+              </a:schemeClr>
+            </a:gs>
+            <a:gs pos="100000">
+              <a:schemeClr val="phClr">
+                <a:tint val="15000"/>
+                <a:satMod val="350000"/>
+              </a:schemeClr>
+            </a:gs>
+          </a:gsLst>
+          <a:lin ang="16200000" scaled="1"/>
+        </a:gradFill>
+        <a:gradFill rotWithShape="1">
+          <a:gsLst>
+            <a:gs pos="0">
+              <a:schemeClr val="phClr">
+                <a:tint val="100000"/>
+                <a:shade val="100000"/>
+                <a:satMod val="130000"/>
+              </a:schemeClr>
+            </a:gs>
+            <a:gs pos="100000">
+              <a:schemeClr val="phClr">
+                <a:tint val="50000"/>
+                <a:shade val="100000"/>
+                <a:satMod val="350000"/>
+              </a:schemeClr>
+            </a:gs>
+          </a:gsLst>
+          <a:lin ang="16200000" scaled="0"/>
+        </a:gradFill>
+      </a:fillStyleLst>
+      <a:lnStyleLst>
+        <a:ln w="9525" cap="flat" cmpd="sng" algn="ctr">
+          <a:solidFill>
+            <a:schemeClr val="phClr">
+              <a:shade val="95000"/>
+              <a:satMod val="105000"/>
+            </a:schemeClr>
+          </a:solidFill>
+          <a:prstDash val="solid"/>
+        </a:ln>
+        <a:ln w="25400" cap="flat" cmpd="sng" algn="ctr">
+          <a:solidFill>
+            <a:schemeClr val="phClr"/>
+          </a:solidFill>
+          <a:prstDash val="solid"/>
+        </a:ln>
+        <a:ln w="38100" cap="flat" cmpd="sng" algn="ctr">
+          <a:solidFill>
+            <a:schemeClr val="phClr"/>
+          </a:solidFill>
+          <a:prstDash val="solid"/>
+        </a:ln>
+      </a:lnStyleLst>
+      <a:effectStyleLst>
+        <a:effectStyle>
+          <a:effectLst>
+            <a:outerShdw blurRad="40000" dist="20000" dir="5400000" rotWithShape="0">
+              <a:srgbClr val="000000">
+                <a:alpha val="38000"/>
+              </a:srgbClr>
+            </a:outerShdw>
+          </a:effectLst>
+        </a:effectStyle>
+        <a:effectStyle>
+          <a:effectLst>
+            <a:outerShdw blurRad="40000" dist="23000" dir="5400000" rotWithShape="0">
+              <a:srgbClr val="000000">
+                <a:alpha val="35000"/>
+              </a:srgbClr>
+            </a:outerShdw>
+          </a:effectLst>
+        </a:effectStyle>
+        <a:effectStyle>
+          <a:effectLst>
+            <a:outerShdw blurRad="40000" dist="23000" dir="5400000" rotWithShape="0">
+              <a:srgbClr val="000000">
+                <a:alpha val="35000"/>
+              </a:srgbClr>
+            </a:outerShdw>
+          </a:effectLst>
+          <a:scene3d>
+            <a:camera prst="orthographicFront">
+              <a:rot lat="0" lon="0" rev="0"/>
+            </a:camera>
+            <a:lightRig rig="threePt" dir="t">
+              <a:rot lat="0" lon="0" rev="1200000"/>
+            </a:lightRig>
+          </a:scene3d>
+          <a:sp3d>
+            <a:bevelT w="63500" h="25400"/>
+          </a:sp3d>
+        </a:effectStyle>
+      </a:effectStyleLst>
+      <a:bgFillStyleLst>
+        <a:solidFill>
+          <a:schemeClr val="phClr"/>
+        </a:solidFill>
+        <a:gradFill rotWithShape="1">
+          <a:gsLst>
+            <a:gs pos="0">
+              <a:schemeClr val="phClr">
+                <a:tint val="40000"/>
+                <a:satMod val="350000"/>
+              </a:schemeClr>
+            </a:gs>
+            <a:gs pos="40000">
+              <a:schemeClr val="phClr">
+                <a:tint val="45000"/>
+                <a:shade val="99000"/>
+                <a:satMod val="350000"/>
+              </a:schemeClr>
+            </a:gs>
+            <a:gs pos="100000">
+              <a:schemeClr val="phClr">
+                <a:shade val="20000"/>
+                <a:satMod val="255000"/>
+              </a:schemeClr>
+            </a:gs>
+          </a:gsLst>
+          <a:path path="circle">
+            <a:fillToRect l="50000" t="-80000" r="50000" b="180000"/>
+          </a:path>
+        </a:gradFill>
+        <a:gradFill rotWithShape="1">
+          <a:gsLst>
+            <a:gs pos="0">
+              <a:schemeClr val="phClr">
+                <a:tint val="80000"/>
+                <a:satMod val="300000"/>
+              </a:schemeClr>
+            </a:gs>
+            <a:gs pos="100000">
+              <a:schemeClr val="phClr">
+                <a:shade val="30000"/>
+                <a:satMod val="200000"/>
+              </a:schemeClr>
+            </a:gs>
+          </a:gsLst>
+          <a:path path="circle">
+            <a:fillToRect l="50000" t="50000" r="50000" b="50000"/>
+          </a:path>
+        </a:gradFill>
+      </a:bgFillStyleLst>
+    </a:fmtScheme>
+  </a:themeElements>
+</a:theme>
+</file>
+
+<file path=ppt/theme/theme2.xml><?xml version="1.0" encoding="utf-8"?>
 <a:theme xmlns:a="http://schemas.openxmlformats.org/drawingml/2006/main" xmlns:r="http://schemas.openxmlformats.org/officeDocument/2006/relationships">
   <a:themeElements>
     <a:clrScheme name="Default">
@@ -21989,283 +22268,4 @@
     </a:fmtScheme>
   </a:themeElements>
 </a:theme>
-</file>
-
-<file path=ppt/theme/theme2.xml><?xml version="1.0" encoding="utf-8"?>
-<a:theme xmlns:a="http://schemas.openxmlformats.org/drawingml/2006/main" xmlns:r="http://schemas.openxmlformats.org/officeDocument/2006/relationships" name="Office Theme">
-  <a:themeElements>
-    <a:clrScheme name="Office">
-      <a:dk1>
-        <a:srgbClr val="000000"/>
-      </a:dk1>
-      <a:lt1>
-        <a:srgbClr val="FFFFFF"/>
-      </a:lt1>
-      <a:dk2>
-        <a:srgbClr val="1F497D"/>
-      </a:dk2>
-      <a:lt2>
-        <a:srgbClr val="EEECE1"/>
-      </a:lt2>
-      <a:accent1>
-        <a:srgbClr val="4F81BD"/>
-      </a:accent1>
-      <a:accent2>
-        <a:srgbClr val="C0504D"/>
-      </a:accent2>
-      <a:accent3>
-        <a:srgbClr val="9BBB59"/>
-      </a:accent3>
-      <a:accent4>
-        <a:srgbClr val="8064A2"/>
-      </a:accent4>
-      <a:accent5>
-        <a:srgbClr val="4BACC6"/>
-      </a:accent5>
-      <a:accent6>
-        <a:srgbClr val="F79646"/>
-      </a:accent6>
-      <a:hlink>
-        <a:srgbClr val="0000FF"/>
-      </a:hlink>
-      <a:folHlink>
-        <a:srgbClr val="800080"/>
-      </a:folHlink>
-    </a:clrScheme>
-    <a:fontScheme name="Office">
-      <a:majorFont>
-        <a:latin typeface="Arial"/>
-        <a:ea typeface=""/>
-        <a:cs typeface=""/>
-        <a:font script="Jpan" typeface="ＭＳ Ｐゴシック"/>
-        <a:font script="Hang" typeface="맑은 고딕"/>
-        <a:font script="Hans" typeface="宋体"/>
-        <a:font script="Hant" typeface="新細明體"/>
-        <a:font script="Arab" typeface="Times New Roman"/>
-        <a:font script="Hebr" typeface="Times New Roman"/>
-        <a:font script="Thai" typeface="Angsana New"/>
-        <a:font script="Ethi" typeface="Nyala"/>
-        <a:font script="Beng" typeface="Vrinda"/>
-        <a:font script="Gujr" typeface="Shruti"/>
-        <a:font script="Khmr" typeface="MoolBoran"/>
-        <a:font script="Knda" typeface="Tunga"/>
-        <a:font script="Guru" typeface="Raavi"/>
-        <a:font script="Cans" typeface="Euphemia"/>
-        <a:font script="Cher" typeface="Plantagenet Cherokee"/>
-        <a:font script="Yiii" typeface="Microsoft Yi Baiti"/>
-        <a:font script="Tibt" typeface="Microsoft Himalaya"/>
-        <a:font script="Thaa" typeface="MV Boli"/>
-        <a:font script="Deva" typeface="Mangal"/>
-        <a:font script="Telu" typeface="Gautami"/>
-        <a:font script="Taml" typeface="Latha"/>
-        <a:font script="Syrc" typeface="Estrangelo Edessa"/>
-        <a:font script="Orya" typeface="Kalinga"/>
-        <a:font script="Mlym" typeface="Kartika"/>
-        <a:font script="Laoo" typeface="DokChampa"/>
-        <a:font script="Sinh" typeface="Iskoola Pota"/>
-        <a:font script="Mong" typeface="Mongolian Baiti"/>
-        <a:font script="Viet" typeface="Times New Roman"/>
-        <a:font script="Uigh" typeface="Microsoft Uighur"/>
-        <a:font script="Geor" typeface="Sylfaen"/>
-      </a:majorFont>
-      <a:minorFont>
-        <a:latin typeface="Arial"/>
-        <a:ea typeface=""/>
-        <a:cs typeface=""/>
-        <a:font script="Jpan" typeface="ＭＳ Ｐゴシック"/>
-        <a:font script="Hang" typeface="맑은 고딕"/>
-        <a:font script="Hans" typeface="宋体"/>
-        <a:font script="Hant" typeface="新細明體"/>
-        <a:font script="Arab" typeface="Arial"/>
-        <a:font script="Hebr" typeface="Arial"/>
-        <a:font script="Thai" typeface="Cordia New"/>
-        <a:font script="Ethi" typeface="Nyala"/>
-        <a:font script="Beng" typeface="Vrinda"/>
-        <a:font script="Gujr" typeface="Shruti"/>
-        <a:font script="Khmr" typeface="DaunPenh"/>
-        <a:font script="Knda" typeface="Tunga"/>
-        <a:font script="Guru" typeface="Raavi"/>
-        <a:font script="Cans" typeface="Euphemia"/>
-        <a:font script="Cher" typeface="Plantagenet Cherokee"/>
-        <a:font script="Yiii" typeface="Microsoft Yi Baiti"/>
-        <a:font script="Tibt" typeface="Microsoft Himalaya"/>
-        <a:font script="Thaa" typeface="MV Boli"/>
-        <a:font script="Deva" typeface="Mangal"/>
-        <a:font script="Telu" typeface="Gautami"/>
-        <a:font script="Taml" typeface="Latha"/>
-        <a:font script="Syrc" typeface="Estrangelo Edessa"/>
-        <a:font script="Orya" typeface="Kalinga"/>
-        <a:font script="Mlym" typeface="Kartika"/>
-        <a:font script="Laoo" typeface="DokChampa"/>
-        <a:font script="Sinh" typeface="Iskoola Pota"/>
-        <a:font script="Mong" typeface="Mongolian Baiti"/>
-        <a:font script="Viet" typeface="Arial"/>
-        <a:font script="Uigh" typeface="Microsoft Uighur"/>
-        <a:font script="Geor" typeface="Sylfaen"/>
-      </a:minorFont>
-    </a:fontScheme>
-    <a:fmtScheme name="Office">
-      <a:fillStyleLst>
-        <a:solidFill>
-          <a:schemeClr val="phClr"/>
-        </a:solidFill>
-        <a:gradFill rotWithShape="1">
-          <a:gsLst>
-            <a:gs pos="0">
-              <a:schemeClr val="phClr">
-                <a:tint val="50000"/>
-                <a:satMod val="300000"/>
-              </a:schemeClr>
-            </a:gs>
-            <a:gs pos="35000">
-              <a:schemeClr val="phClr">
-                <a:tint val="37000"/>
-                <a:satMod val="300000"/>
-              </a:schemeClr>
-            </a:gs>
-            <a:gs pos="100000">
-              <a:schemeClr val="phClr">
-                <a:tint val="15000"/>
-                <a:satMod val="350000"/>
-              </a:schemeClr>
-            </a:gs>
-          </a:gsLst>
-          <a:lin ang="16200000" scaled="1"/>
-        </a:gradFill>
-        <a:gradFill rotWithShape="1">
-          <a:gsLst>
-            <a:gs pos="0">
-              <a:schemeClr val="phClr">
-                <a:tint val="100000"/>
-                <a:shade val="100000"/>
-                <a:satMod val="130000"/>
-              </a:schemeClr>
-            </a:gs>
-            <a:gs pos="100000">
-              <a:schemeClr val="phClr">
-                <a:tint val="50000"/>
-                <a:shade val="100000"/>
-                <a:satMod val="350000"/>
-              </a:schemeClr>
-            </a:gs>
-          </a:gsLst>
-          <a:lin ang="16200000" scaled="0"/>
-        </a:gradFill>
-      </a:fillStyleLst>
-      <a:lnStyleLst>
-        <a:ln w="9525" cap="flat" cmpd="sng" algn="ctr">
-          <a:solidFill>
-            <a:schemeClr val="phClr">
-              <a:shade val="95000"/>
-              <a:satMod val="105000"/>
-            </a:schemeClr>
-          </a:solidFill>
-          <a:prstDash val="solid"/>
-        </a:ln>
-        <a:ln w="25400" cap="flat" cmpd="sng" algn="ctr">
-          <a:solidFill>
-            <a:schemeClr val="phClr"/>
-          </a:solidFill>
-          <a:prstDash val="solid"/>
-        </a:ln>
-        <a:ln w="38100" cap="flat" cmpd="sng" algn="ctr">
-          <a:solidFill>
-            <a:schemeClr val="phClr"/>
-          </a:solidFill>
-          <a:prstDash val="solid"/>
-        </a:ln>
-      </a:lnStyleLst>
-      <a:effectStyleLst>
-        <a:effectStyle>
-          <a:effectLst>
-            <a:outerShdw blurRad="40000" dist="20000" dir="5400000" rotWithShape="0">
-              <a:srgbClr val="000000">
-                <a:alpha val="38000"/>
-              </a:srgbClr>
-            </a:outerShdw>
-          </a:effectLst>
-        </a:effectStyle>
-        <a:effectStyle>
-          <a:effectLst>
-            <a:outerShdw blurRad="40000" dist="23000" dir="5400000" rotWithShape="0">
-              <a:srgbClr val="000000">
-                <a:alpha val="35000"/>
-              </a:srgbClr>
-            </a:outerShdw>
-          </a:effectLst>
-        </a:effectStyle>
-        <a:effectStyle>
-          <a:effectLst>
-            <a:outerShdw blurRad="40000" dist="23000" dir="5400000" rotWithShape="0">
-              <a:srgbClr val="000000">
-                <a:alpha val="35000"/>
-              </a:srgbClr>
-            </a:outerShdw>
-          </a:effectLst>
-          <a:scene3d>
-            <a:camera prst="orthographicFront">
-              <a:rot lat="0" lon="0" rev="0"/>
-            </a:camera>
-            <a:lightRig rig="threePt" dir="t">
-              <a:rot lat="0" lon="0" rev="1200000"/>
-            </a:lightRig>
-          </a:scene3d>
-          <a:sp3d>
-            <a:bevelT w="63500" h="25400"/>
-          </a:sp3d>
-        </a:effectStyle>
-      </a:effectStyleLst>
-      <a:bgFillStyleLst>
-        <a:solidFill>
-          <a:schemeClr val="phClr"/>
-        </a:solidFill>
-        <a:gradFill rotWithShape="1">
-          <a:gsLst>
-            <a:gs pos="0">
-              <a:schemeClr val="phClr">
-                <a:tint val="40000"/>
-                <a:satMod val="350000"/>
-              </a:schemeClr>
-            </a:gs>
-            <a:gs pos="40000">
-              <a:schemeClr val="phClr">
-                <a:tint val="45000"/>
-                <a:shade val="99000"/>
-                <a:satMod val="350000"/>
-              </a:schemeClr>
-            </a:gs>
-            <a:gs pos="100000">
-              <a:schemeClr val="phClr">
-                <a:shade val="20000"/>
-                <a:satMod val="255000"/>
-              </a:schemeClr>
-            </a:gs>
-          </a:gsLst>
-          <a:path path="circle">
-            <a:fillToRect l="50000" t="-80000" r="50000" b="180000"/>
-          </a:path>
-        </a:gradFill>
-        <a:gradFill rotWithShape="1">
-          <a:gsLst>
-            <a:gs pos="0">
-              <a:schemeClr val="phClr">
-                <a:tint val="80000"/>
-                <a:satMod val="300000"/>
-              </a:schemeClr>
-            </a:gs>
-            <a:gs pos="100000">
-              <a:schemeClr val="phClr">
-                <a:shade val="30000"/>
-                <a:satMod val="200000"/>
-              </a:schemeClr>
-            </a:gs>
-          </a:gsLst>
-          <a:path path="circle">
-            <a:fillToRect l="50000" t="50000" r="50000" b="50000"/>
-          </a:path>
-        </a:gradFill>
-      </a:bgFillStyleLst>
-    </a:fmtScheme>
-  </a:themeElements>
-</a:theme>
 </file>